--- a/EAS508-Presentation.pptx
+++ b/EAS508-Presentation.pptx
@@ -1,31 +1,32 @@
 
 <file path=ppt/presentation.xml><?xml version="1.0" encoding="utf-8"?>
-<p:presentation xmlns:a="http://schemas.openxmlformats.org/drawingml/2006/main" xmlns:r="http://schemas.openxmlformats.org/officeDocument/2006/relationships" xmlns:p="http://schemas.openxmlformats.org/presentationml/2006/main" xmlns:m="http://schemas.openxmlformats.org/officeDocument/2006/math" xmlns:a14="http://schemas.microsoft.com/office/drawing/2010/main">
+<p:presentation xmlns:a="http://schemas.openxmlformats.org/drawingml/2006/main" xmlns:r="http://schemas.openxmlformats.org/officeDocument/2006/relationships" xmlns:p="http://schemas.openxmlformats.org/presentationml/2006/main">
   <p:sldMasterIdLst>
-    <p:sldMasterId id="2147483648" r:id="rId5"/>
+    <p:sldMasterId id="2147483648" r:id="rId1"/>
   </p:sldMasterIdLst>
   <p:notesMasterIdLst>
-    <p:notesMasterId r:id="rId7"/>
+    <p:notesMasterId r:id="rId21"/>
   </p:notesMasterIdLst>
   <p:sldIdLst>
-    <p:sldId id="256" r:id="rId8"/>
-    <p:sldId id="257" r:id="rId9"/>
-    <p:sldId id="258" r:id="rId10"/>
-    <p:sldId id="259" r:id="rId11"/>
-    <p:sldId id="260" r:id="rId12"/>
-    <p:sldId id="261" r:id="rId13"/>
-    <p:sldId id="262" r:id="rId14"/>
-    <p:sldId id="263" r:id="rId15"/>
-    <p:sldId id="264" r:id="rId16"/>
-    <p:sldId id="265" r:id="rId17"/>
-    <p:sldId id="266" r:id="rId18"/>
-    <p:sldId id="267" r:id="rId19"/>
-    <p:sldId id="268" r:id="rId20"/>
-    <p:sldId id="269" r:id="rId21"/>
-    <p:sldId id="270" r:id="rId22"/>
-    <p:sldId id="271" r:id="rId23"/>
-    <p:sldId id="272" r:id="rId24"/>
-    <p:sldId id="273" r:id="rId25"/>
+    <p:sldId id="256" r:id="rId2"/>
+    <p:sldId id="257" r:id="rId3"/>
+    <p:sldId id="258" r:id="rId4"/>
+    <p:sldId id="274" r:id="rId5"/>
+    <p:sldId id="259" r:id="rId6"/>
+    <p:sldId id="260" r:id="rId7"/>
+    <p:sldId id="261" r:id="rId8"/>
+    <p:sldId id="262" r:id="rId9"/>
+    <p:sldId id="263" r:id="rId10"/>
+    <p:sldId id="264" r:id="rId11"/>
+    <p:sldId id="265" r:id="rId12"/>
+    <p:sldId id="266" r:id="rId13"/>
+    <p:sldId id="267" r:id="rId14"/>
+    <p:sldId id="268" r:id="rId15"/>
+    <p:sldId id="269" r:id="rId16"/>
+    <p:sldId id="270" r:id="rId17"/>
+    <p:sldId id="271" r:id="rId18"/>
+    <p:sldId id="272" r:id="rId19"/>
+    <p:sldId id="273" r:id="rId20"/>
   </p:sldIdLst>
   <p:sldSz cx="12192000" cy="6858000"/>
   <p:notesSz cx="6858000" cy="9144000"/>
@@ -45,7 +46,7 @@
       <a:buFontTx/>
       <a:buNone/>
       <a:tabLst/>
-      <a:defRPr b="0" baseline="0" cap="none" i="0" spc="0" strike="noStrike" sz="1800" u="none" kumimoji="0" normalizeH="0">
+      <a:defRPr kumimoji="0" sz="1800" b="0" i="0" u="none" strike="noStrike" cap="none" spc="0" normalizeH="0" baseline="0">
         <a:ln>
           <a:noFill/>
         </a:ln>
@@ -71,7 +72,7 @@
       <a:buFontTx/>
       <a:buNone/>
       <a:tabLst/>
-      <a:defRPr b="0" baseline="0" cap="none" i="0" spc="0" strike="noStrike" sz="1800" u="none" kumimoji="0" normalizeH="0">
+      <a:defRPr kumimoji="0" sz="1800" b="0" i="0" u="none" strike="noStrike" cap="none" spc="0" normalizeH="0" baseline="0">
         <a:ln>
           <a:noFill/>
         </a:ln>
@@ -101,7 +102,7 @@
       <a:buFontTx/>
       <a:buNone/>
       <a:tabLst/>
-      <a:defRPr b="0" baseline="0" cap="none" i="0" spc="0" strike="noStrike" sz="1800" u="none" kumimoji="0" normalizeH="0">
+      <a:defRPr kumimoji="0" sz="1800" b="0" i="0" u="none" strike="noStrike" cap="none" spc="0" normalizeH="0" baseline="0">
         <a:ln>
           <a:noFill/>
         </a:ln>
@@ -131,7 +132,7 @@
       <a:buFontTx/>
       <a:buNone/>
       <a:tabLst/>
-      <a:defRPr b="0" baseline="0" cap="none" i="0" spc="0" strike="noStrike" sz="1800" u="none" kumimoji="0" normalizeH="0">
+      <a:defRPr kumimoji="0" sz="1800" b="0" i="0" u="none" strike="noStrike" cap="none" spc="0" normalizeH="0" baseline="0">
         <a:ln>
           <a:noFill/>
         </a:ln>
@@ -161,7 +162,7 @@
       <a:buFontTx/>
       <a:buNone/>
       <a:tabLst/>
-      <a:defRPr b="0" baseline="0" cap="none" i="0" spc="0" strike="noStrike" sz="1800" u="none" kumimoji="0" normalizeH="0">
+      <a:defRPr kumimoji="0" sz="1800" b="0" i="0" u="none" strike="noStrike" cap="none" spc="0" normalizeH="0" baseline="0">
         <a:ln>
           <a:noFill/>
         </a:ln>
@@ -191,7 +192,7 @@
       <a:buFontTx/>
       <a:buNone/>
       <a:tabLst/>
-      <a:defRPr b="0" baseline="0" cap="none" i="0" spc="0" strike="noStrike" sz="1800" u="none" kumimoji="0" normalizeH="0">
+      <a:defRPr kumimoji="0" sz="1800" b="0" i="0" u="none" strike="noStrike" cap="none" spc="0" normalizeH="0" baseline="0">
         <a:ln>
           <a:noFill/>
         </a:ln>
@@ -221,7 +222,7 @@
       <a:buFontTx/>
       <a:buNone/>
       <a:tabLst/>
-      <a:defRPr b="0" baseline="0" cap="none" i="0" spc="0" strike="noStrike" sz="1800" u="none" kumimoji="0" normalizeH="0">
+      <a:defRPr kumimoji="0" sz="1800" b="0" i="0" u="none" strike="noStrike" cap="none" spc="0" normalizeH="0" baseline="0">
         <a:ln>
           <a:noFill/>
         </a:ln>
@@ -251,7 +252,7 @@
       <a:buFontTx/>
       <a:buNone/>
       <a:tabLst/>
-      <a:defRPr b="0" baseline="0" cap="none" i="0" spc="0" strike="noStrike" sz="1800" u="none" kumimoji="0" normalizeH="0">
+      <a:defRPr kumimoji="0" sz="1800" b="0" i="0" u="none" strike="noStrike" cap="none" spc="0" normalizeH="0" baseline="0">
         <a:ln>
           <a:noFill/>
         </a:ln>
@@ -281,7 +282,7 @@
       <a:buFontTx/>
       <a:buNone/>
       <a:tabLst/>
-      <a:defRPr b="0" baseline="0" cap="none" i="0" spc="0" strike="noStrike" sz="1800" u="none" kumimoji="0" normalizeH="0">
+      <a:defRPr kumimoji="0" sz="1800" b="0" i="0" u="none" strike="noStrike" cap="none" spc="0" normalizeH="0" baseline="0">
         <a:ln>
           <a:noFill/>
         </a:ln>
@@ -311,7 +312,7 @@
       <a:buFontTx/>
       <a:buNone/>
       <a:tabLst/>
-      <a:defRPr b="0" baseline="0" cap="none" i="0" spc="0" strike="noStrike" sz="1800" u="none" kumimoji="0" normalizeH="0">
+      <a:defRPr kumimoji="0" sz="1800" b="0" i="0" u="none" strike="noStrike" cap="none" spc="0" normalizeH="0" baseline="0">
         <a:ln>
           <a:noFill/>
         </a:ln>
@@ -330,14 +331,57 @@
 </p:presentation>
 </file>
 
-<file path=ppt/commentAuthors.xml><?xml version="1.0" encoding="utf-8"?>
-<p:cmAuthorLst xmlns:a="http://schemas.openxmlformats.org/drawingml/2006/main" xmlns:r="http://schemas.openxmlformats.org/officeDocument/2006/relationships" xmlns:p="http://schemas.openxmlformats.org/presentationml/2006/main" xmlns:m="http://schemas.openxmlformats.org/officeDocument/2006/math" xmlns:a14="http://schemas.microsoft.com/office/drawing/2010/main"/>
+<file path=ppt/changesInfos/changesInfo1.xml><?xml version="1.0" encoding="utf-8"?>
+<pc:chgInfo xmlns:a="http://schemas.openxmlformats.org/drawingml/2006/main" xmlns:r="http://schemas.openxmlformats.org/officeDocument/2006/relationships" xmlns:ac="http://schemas.microsoft.com/office/drawing/2013/main/command" xmlns:pc="http://schemas.microsoft.com/office/powerpoint/2013/main/command">
+  <pc:docChgLst>
+    <pc:chgData name="Sean Grzenda" userId="ff9b354c3236db14" providerId="LiveId" clId="{AEE74AF1-F33A-470C-ABAD-84CDA5141659}"/>
+    <pc:docChg chg="custSel addSld modSld">
+      <pc:chgData name="Sean Grzenda" userId="ff9b354c3236db14" providerId="LiveId" clId="{AEE74AF1-F33A-470C-ABAD-84CDA5141659}" dt="2023-12-05T02:56:38.070" v="45" actId="1076"/>
+      <pc:docMkLst>
+        <pc:docMk/>
+      </pc:docMkLst>
+      <pc:sldChg chg="addSp delSp modSp add mod">
+        <pc:chgData name="Sean Grzenda" userId="ff9b354c3236db14" providerId="LiveId" clId="{AEE74AF1-F33A-470C-ABAD-84CDA5141659}" dt="2023-12-05T02:56:38.070" v="45" actId="1076"/>
+        <pc:sldMkLst>
+          <pc:docMk/>
+          <pc:sldMk cId="3215877514" sldId="274"/>
+        </pc:sldMkLst>
+        <pc:spChg chg="mod">
+          <ac:chgData name="Sean Grzenda" userId="ff9b354c3236db14" providerId="LiveId" clId="{AEE74AF1-F33A-470C-ABAD-84CDA5141659}" dt="2023-12-05T02:55:40.148" v="38" actId="20577"/>
+          <ac:spMkLst>
+            <pc:docMk/>
+            <pc:sldMk cId="3215877514" sldId="274"/>
+            <ac:spMk id="136" creationId="{00000000-0000-0000-0000-000000000000}"/>
+          </ac:spMkLst>
+        </pc:spChg>
+        <pc:spChg chg="del mod">
+          <ac:chgData name="Sean Grzenda" userId="ff9b354c3236db14" providerId="LiveId" clId="{AEE74AF1-F33A-470C-ABAD-84CDA5141659}" dt="2023-12-05T02:55:48.518" v="41" actId="478"/>
+          <ac:spMkLst>
+            <pc:docMk/>
+            <pc:sldMk cId="3215877514" sldId="274"/>
+            <ac:spMk id="137" creationId="{00000000-0000-0000-0000-000000000000}"/>
+          </ac:spMkLst>
+        </pc:spChg>
+        <pc:picChg chg="add mod">
+          <ac:chgData name="Sean Grzenda" userId="ff9b354c3236db14" providerId="LiveId" clId="{AEE74AF1-F33A-470C-ABAD-84CDA5141659}" dt="2023-12-05T02:56:38.070" v="45" actId="1076"/>
+          <ac:picMkLst>
+            <pc:docMk/>
+            <pc:sldMk cId="3215877514" sldId="274"/>
+            <ac:picMk id="3" creationId="{2EE513C2-E022-9CD3-654A-3E04FB485B9C}"/>
+          </ac:picMkLst>
+        </pc:picChg>
+      </pc:sldChg>
+    </pc:docChg>
+  </pc:docChgLst>
+</pc:chgInfo>
 </file>
 
 <file path=ppt/charts/chart1.xml><?xml version="1.0" encoding="utf-8"?>
-<c:chartSpace xmlns:c="http://schemas.openxmlformats.org/drawingml/2006/chart" xmlns:a="http://schemas.openxmlformats.org/drawingml/2006/main" xmlns:r="http://schemas.openxmlformats.org/officeDocument/2006/relationships">
+<c:chartSpace xmlns:c="http://schemas.openxmlformats.org/drawingml/2006/chart" xmlns:a="http://schemas.openxmlformats.org/drawingml/2006/main" xmlns:r="http://schemas.openxmlformats.org/officeDocument/2006/relationships" xmlns:c16r2="http://schemas.microsoft.com/office/drawing/2015/06/chart">
   <c:date1904 val="1"/>
+  <c:lang val="en-US"/>
   <c:roundedCorners val="0"/>
+  <c:style val="2"/>
   <c:chart>
     <c:title>
       <c:tx>
@@ -346,7 +390,7 @@
           <a:lstStyle/>
           <a:p>
             <a:pPr>
-              <a:defRPr b="0" i="0" strike="noStrike" sz="1800" u="none">
+              <a:defRPr sz="1800" b="0" i="0" u="none" strike="noStrike">
                 <a:solidFill>
                   <a:srgbClr val="666666"/>
                 </a:solidFill>
@@ -354,7 +398,7 @@
               </a:defRPr>
             </a:pPr>
             <a:r>
-              <a:rPr b="0" i="0" strike="noStrike" sz="1800" u="none">
+              <a:rPr lang="en-US" sz="1800" b="0" i="0" u="none" strike="noStrike">
                 <a:solidFill>
                   <a:srgbClr val="666666"/>
                 </a:solidFill>
@@ -369,7 +413,7 @@
         <c:manualLayout>
           <c:xMode val="edge"/>
           <c:yMode val="edge"/>
-          <c:x val="0.388072"/>
+          <c:x val="0.38807199999999997"/>
           <c:y val="0"/>
           <c:w val="0.223856"/>
           <c:h val="0.141486"/>
@@ -381,17 +425,17 @@
         <a:effectLst/>
       </c:spPr>
     </c:title>
-    <c:autoTitleDeleted val="1"/>
+    <c:autoTitleDeleted val="0"/>
     <c:plotArea>
       <c:layout>
         <c:manualLayout>
           <c:layoutTarget val="inner"/>
           <c:xMode val="edge"/>
           <c:yMode val="edge"/>
-          <c:x val="0.0835577"/>
+          <c:x val="8.3557699999999999E-2"/>
           <c:y val="0.141486"/>
-          <c:w val="0.911442"/>
-          <c:h val="0.602887"/>
+          <c:w val="0.91144199999999997"/>
+          <c:h val="0.60288699999999995"/>
         </c:manualLayout>
       </c:layout>
       <c:barChart>
@@ -423,31 +467,6 @@
             <a:effectLst/>
           </c:spPr>
           <c:invertIfNegative val="0"/>
-          <c:dLbls>
-            <c:numFmt formatCode="0.#" sourceLinked="0"/>
-            <c:txPr>
-              <a:bodyPr/>
-              <a:lstStyle/>
-              <a:p>
-                <a:pPr>
-                  <a:defRPr b="0" i="0" strike="noStrike" sz="1000" u="none">
-                    <a:solidFill>
-                      <a:srgbClr val="666666"/>
-                    </a:solidFill>
-                    <a:latin typeface="Arial"/>
-                  </a:defRPr>
-                </a:pPr>
-              </a:p>
-            </c:txPr>
-            <c:dLblPos val="outEnd"/>
-            <c:showLegendKey val="0"/>
-            <c:showVal val="0"/>
-            <c:showCatName val="0"/>
-            <c:showSerName val="0"/>
-            <c:showPercent val="0"/>
-            <c:showBubbleSize val="0"/>
-            <c:showLeaderLines val="0"/>
-          </c:dLbls>
           <c:cat>
             <c:strRef>
               <c:f>Sheet1!$A$2:$A$5</c:f>
@@ -472,22 +491,28 @@
             <c:numRef>
               <c:f>Sheet1!$B$2:$B$5</c:f>
               <c:numCache>
+                <c:formatCode>General</c:formatCode>
                 <c:ptCount val="4"/>
                 <c:pt idx="0">
-                  <c:v>4.300000</c:v>
+                  <c:v>4.3</c:v>
                 </c:pt>
                 <c:pt idx="1">
-                  <c:v>5.500000</c:v>
+                  <c:v>5.5</c:v>
                 </c:pt>
                 <c:pt idx="2">
-                  <c:v>3.500000</c:v>
+                  <c:v>3.5</c:v>
                 </c:pt>
                 <c:pt idx="3">
-                  <c:v>4.500000</c:v>
+                  <c:v>4.5</c:v>
                 </c:pt>
               </c:numCache>
             </c:numRef>
           </c:val>
+          <c:extLst>
+            <c:ext xmlns:c16="http://schemas.microsoft.com/office/drawing/2014/chart" uri="{C3380CC4-5D6E-409C-BE32-E72D297353CC}">
+              <c16:uniqueId val="{00000000-688B-46C0-9DEF-DF2DEF63E6D2}"/>
+            </c:ext>
+          </c:extLst>
         </c:ser>
         <c:ser>
           <c:idx val="1"/>
@@ -505,8 +530,8 @@
           </c:tx>
           <c:spPr>
             <a:blipFill rotWithShape="1">
-              <a:blip r:embed="rId2"/>
-              <a:srcRect l="0" t="0" r="0" b="0"/>
+              <a:blip xmlns:r="http://schemas.openxmlformats.org/officeDocument/2006/relationships" r:embed="rId1"/>
+              <a:srcRect/>
               <a:tile tx="0" ty="0" sx="100000" sy="100000" flip="none" algn="tl"/>
             </a:blipFill>
             <a:ln w="12700" cap="flat">
@@ -516,31 +541,6 @@
             <a:effectLst/>
           </c:spPr>
           <c:invertIfNegative val="0"/>
-          <c:dLbls>
-            <c:numFmt formatCode="0.#" sourceLinked="0"/>
-            <c:txPr>
-              <a:bodyPr/>
-              <a:lstStyle/>
-              <a:p>
-                <a:pPr>
-                  <a:defRPr b="0" i="0" strike="noStrike" sz="1000" u="none">
-                    <a:solidFill>
-                      <a:srgbClr val="666666"/>
-                    </a:solidFill>
-                    <a:latin typeface="Arial"/>
-                  </a:defRPr>
-                </a:pPr>
-              </a:p>
-            </c:txPr>
-            <c:dLblPos val="outEnd"/>
-            <c:showLegendKey val="0"/>
-            <c:showVal val="0"/>
-            <c:showCatName val="0"/>
-            <c:showSerName val="0"/>
-            <c:showPercent val="0"/>
-            <c:showBubbleSize val="0"/>
-            <c:showLeaderLines val="0"/>
-          </c:dLbls>
           <c:cat>
             <c:strRef>
               <c:f>Sheet1!$A$2:$A$5</c:f>
@@ -565,22 +565,28 @@
             <c:numRef>
               <c:f>Sheet1!$C$2:$C$5</c:f>
               <c:numCache>
+                <c:formatCode>General</c:formatCode>
                 <c:ptCount val="4"/>
                 <c:pt idx="0">
-                  <c:v>2.400000</c:v>
+                  <c:v>2.4</c:v>
                 </c:pt>
                 <c:pt idx="1">
-                  <c:v>4.400000</c:v>
+                  <c:v>4.4000000000000004</c:v>
                 </c:pt>
                 <c:pt idx="2">
-                  <c:v>1.800000</c:v>
+                  <c:v>1.8</c:v>
                 </c:pt>
                 <c:pt idx="3">
-                  <c:v>3.800000</c:v>
+                  <c:v>3.8</c:v>
                 </c:pt>
               </c:numCache>
             </c:numRef>
           </c:val>
+          <c:extLst>
+            <c:ext xmlns:c16="http://schemas.microsoft.com/office/drawing/2014/chart" uri="{C3380CC4-5D6E-409C-BE32-E72D297353CC}">
+              <c16:uniqueId val="{00000001-688B-46C0-9DEF-DF2DEF63E6D2}"/>
+            </c:ext>
+          </c:extLst>
         </c:ser>
         <c:ser>
           <c:idx val="2"/>
@@ -598,8 +604,8 @@
           </c:tx>
           <c:spPr>
             <a:blipFill rotWithShape="1">
-              <a:blip r:embed="rId3"/>
-              <a:srcRect l="0" t="0" r="0" b="0"/>
+              <a:blip xmlns:r="http://schemas.openxmlformats.org/officeDocument/2006/relationships" r:embed="rId2"/>
+              <a:srcRect/>
               <a:tile tx="0" ty="0" sx="100000" sy="100000" flip="none" algn="tl"/>
             </a:blipFill>
             <a:ln w="12700" cap="flat">
@@ -609,31 +615,6 @@
             <a:effectLst/>
           </c:spPr>
           <c:invertIfNegative val="0"/>
-          <c:dLbls>
-            <c:numFmt formatCode="0.#" sourceLinked="0"/>
-            <c:txPr>
-              <a:bodyPr/>
-              <a:lstStyle/>
-              <a:p>
-                <a:pPr>
-                  <a:defRPr b="0" i="0" strike="noStrike" sz="1000" u="none">
-                    <a:solidFill>
-                      <a:srgbClr val="666666"/>
-                    </a:solidFill>
-                    <a:latin typeface="Arial"/>
-                  </a:defRPr>
-                </a:pPr>
-              </a:p>
-            </c:txPr>
-            <c:dLblPos val="outEnd"/>
-            <c:showLegendKey val="0"/>
-            <c:showVal val="0"/>
-            <c:showCatName val="0"/>
-            <c:showSerName val="0"/>
-            <c:showPercent val="0"/>
-            <c:showBubbleSize val="0"/>
-            <c:showLeaderLines val="0"/>
-          </c:dLbls>
           <c:cat>
             <c:strRef>
               <c:f>Sheet1!$A$2:$A$5</c:f>
@@ -658,23 +639,37 @@
             <c:numRef>
               <c:f>Sheet1!$D$2:$D$5</c:f>
               <c:numCache>
+                <c:formatCode>General</c:formatCode>
                 <c:ptCount val="4"/>
                 <c:pt idx="0">
-                  <c:v>2.000000</c:v>
+                  <c:v>2</c:v>
                 </c:pt>
                 <c:pt idx="1">
-                  <c:v>3.000000</c:v>
+                  <c:v>3</c:v>
                 </c:pt>
                 <c:pt idx="2">
-                  <c:v>1.500000</c:v>
+                  <c:v>1.5</c:v>
                 </c:pt>
                 <c:pt idx="3">
-                  <c:v>3.300000</c:v>
+                  <c:v>3.3</c:v>
                 </c:pt>
               </c:numCache>
             </c:numRef>
           </c:val>
+          <c:extLst>
+            <c:ext xmlns:c16="http://schemas.microsoft.com/office/drawing/2014/chart" uri="{C3380CC4-5D6E-409C-BE32-E72D297353CC}">
+              <c16:uniqueId val="{00000002-688B-46C0-9DEF-DF2DEF63E6D2}"/>
+            </c:ext>
+          </c:extLst>
         </c:ser>
+        <c:dLbls>
+          <c:showLegendKey val="0"/>
+          <c:showVal val="0"/>
+          <c:showCatName val="0"/>
+          <c:showSerName val="0"/>
+          <c:showPercent val="0"/>
+          <c:showBubbleSize val="0"/>
+        </c:dLbls>
         <c:gapWidth val="219"/>
         <c:overlap val="-27"/>
         <c:axId val="2094734552"/>
@@ -705,19 +700,21 @@
           <a:lstStyle/>
           <a:p>
             <a:pPr>
-              <a:defRPr b="0" i="0" strike="noStrike" sz="1800" u="none">
+              <a:defRPr sz="1800" b="0" i="0" u="none" strike="noStrike">
                 <a:solidFill>
                   <a:srgbClr val="666666"/>
                 </a:solidFill>
                 <a:latin typeface="Arial"/>
               </a:defRPr>
             </a:pPr>
+            <a:endParaRPr lang="en-US"/>
           </a:p>
         </c:txPr>
         <c:crossAx val="2094734553"/>
         <c:crosses val="autoZero"/>
         <c:auto val="1"/>
         <c:lblAlgn val="ctr"/>
+        <c:lblOffset val="100"/>
         <c:noMultiLvlLbl val="1"/>
       </c:catAx>
       <c:valAx>
@@ -754,13 +751,14 @@
           <a:lstStyle/>
           <a:p>
             <a:pPr>
-              <a:defRPr b="0" i="0" strike="noStrike" sz="1800" u="none">
+              <a:defRPr sz="1800" b="0" i="0" u="none" strike="noStrike">
                 <a:solidFill>
                   <a:srgbClr val="666666"/>
                 </a:solidFill>
                 <a:latin typeface="Arial"/>
               </a:defRPr>
             </a:pPr>
+            <a:endParaRPr lang="en-US"/>
           </a:p>
         </c:txPr>
         <c:crossAx val="2094734552"/>
@@ -784,10 +782,10 @@
         <c:manualLayout>
           <c:xMode val="edge"/>
           <c:yMode val="edge"/>
-          <c:x val="0.210833"/>
-          <c:y val="0.916757"/>
-          <c:w val="0.644642"/>
-          <c:h val="0.0832432"/>
+          <c:x val="0.21083299999999999"/>
+          <c:y val="0.91675700000000004"/>
+          <c:w val="0.64464200000000005"/>
+          <c:h val="8.3243200000000003E-2"/>
         </c:manualLayout>
       </c:layout>
       <c:overlay val="1"/>
@@ -804,18 +802,20 @@
         <a:lstStyle/>
         <a:p>
           <a:pPr>
-            <a:defRPr b="0" i="0" strike="noStrike" sz="1800" u="none">
+            <a:defRPr sz="1800" b="0" i="0" u="none" strike="noStrike">
               <a:solidFill>
                 <a:srgbClr val="666666"/>
               </a:solidFill>
               <a:latin typeface="Arial"/>
             </a:defRPr>
           </a:pPr>
+          <a:endParaRPr lang="en-US"/>
         </a:p>
       </c:txPr>
     </c:legend>
     <c:plotVisOnly val="1"/>
     <c:dispBlanksAs val="gap"/>
+    <c:showDLblsOverMax val="1"/>
   </c:chart>
   <c:spPr>
     <a:solidFill>
@@ -828,15 +828,20 @@
     </a:ln>
     <a:effectLst/>
   </c:spPr>
-  <c:externalData r:id="rId1">
+  <c:externalData r:id="rId3">
     <c:autoUpdate val="0"/>
   </c:externalData>
 </c:chartSpace>
 </file>
 
 <file path=ppt/notesMasters/notesMaster1.xml><?xml version="1.0" encoding="utf-8"?>
-<p:notesMaster xmlns:a="http://schemas.openxmlformats.org/drawingml/2006/main" xmlns:r="http://schemas.openxmlformats.org/officeDocument/2006/relationships" xmlns:p="http://schemas.openxmlformats.org/presentationml/2006/main" xmlns:m="http://schemas.openxmlformats.org/officeDocument/2006/math" xmlns:a14="http://schemas.microsoft.com/office/drawing/2010/main">
+<p:notesMaster xmlns:a="http://schemas.openxmlformats.org/drawingml/2006/main" xmlns:r="http://schemas.openxmlformats.org/officeDocument/2006/relationships" xmlns:p="http://schemas.openxmlformats.org/presentationml/2006/main">
   <p:cSld>
+    <p:bg>
+      <p:bgRef idx="1001">
+        <a:schemeClr val="bg1"/>
+      </p:bgRef>
+    </p:bg>
     <p:spTree>
       <p:nvGrpSpPr>
         <p:cNvPr id="1" name=""/>
@@ -854,7 +859,9 @@
       <p:sp>
         <p:nvSpPr>
           <p:cNvPr id="123" name="Shape 123"/>
-          <p:cNvSpPr/>
+          <p:cNvSpPr>
+            <a:spLocks noGrp="1" noRot="1" noChangeAspect="1"/>
+          </p:cNvSpPr>
           <p:nvPr>
             <p:ph type="sldImg"/>
           </p:nvPr>
@@ -872,14 +879,16 @@
           <a:bodyPr/>
           <a:lstStyle/>
           <a:p>
-            <a:pPr/>
+            <a:endParaRPr/>
           </a:p>
         </p:txBody>
       </p:sp>
       <p:sp>
         <p:nvSpPr>
           <p:cNvPr id="124" name="Shape 124"/>
-          <p:cNvSpPr/>
+          <p:cNvSpPr>
+            <a:spLocks noGrp="1"/>
+          </p:cNvSpPr>
           <p:nvPr>
             <p:ph type="body" sz="quarter" idx="1"/>
           </p:nvPr>
@@ -897,7 +906,7 @@
           <a:bodyPr/>
           <a:lstStyle/>
           <a:p>
-            <a:pPr/>
+            <a:endParaRPr/>
           </a:p>
         </p:txBody>
       </p:sp>
@@ -982,17 +991,18 @@
 </file>
 
 <file path=ppt/slideLayouts/slideLayout1.xml><?xml version="1.0" encoding="utf-8"?>
-<p:sldLayout xmlns:a="http://schemas.openxmlformats.org/drawingml/2006/main" xmlns:r="http://schemas.openxmlformats.org/officeDocument/2006/relationships" xmlns:p="http://schemas.openxmlformats.org/presentationml/2006/main" xmlns:m="http://schemas.openxmlformats.org/officeDocument/2006/math" xmlns:a14="http://schemas.microsoft.com/office/drawing/2010/main" type="tx" showMasterSp="0" showMasterPhAnim="1">
+<p:sldLayout xmlns:a="http://schemas.openxmlformats.org/drawingml/2006/main" xmlns:r="http://schemas.openxmlformats.org/officeDocument/2006/relationships" xmlns:p="http://schemas.openxmlformats.org/presentationml/2006/main" showMasterSp="0" type="tx">
   <p:cSld name="Title Slide">
     <p:bg>
       <p:bgPr>
         <a:blipFill rotWithShape="1">
           <a:blip r:embed="rId2"/>
-          <a:srcRect l="0" t="0" r="0" b="0"/>
+          <a:srcRect/>
           <a:stretch>
             <a:fillRect/>
           </a:stretch>
         </a:blipFill>
+        <a:effectLst/>
       </p:bgPr>
     </p:bg>
     <p:spTree>
@@ -1012,7 +1022,9 @@
       <p:sp>
         <p:nvSpPr>
           <p:cNvPr id="12" name="Body Level One…"/>
-          <p:cNvSpPr txBox="1"/>
+          <p:cNvSpPr txBox="1">
+            <a:spLocks noGrp="1"/>
+          </p:cNvSpPr>
           <p:nvPr>
             <p:ph type="body" sz="quarter" idx="1"/>
           </p:nvPr>
@@ -1028,7 +1040,7 @@
         </p:spPr>
         <p:txBody>
           <a:bodyPr lIns="0" tIns="0" rIns="0" bIns="0">
-            <a:normAutofit fontScale="100000" lnSpcReduction="0"/>
+            <a:normAutofit/>
           </a:bodyPr>
           <a:lstStyle>
             <a:lvl1pPr marL="0" indent="0">
@@ -1100,7 +1112,6 @@
             </a:lvl5pPr>
           </a:lstStyle>
           <a:p>
-            <a:pPr/>
             <a:r>
               <a:t>Body Level One</a:t>
             </a:r>
@@ -1134,7 +1145,9 @@
       <p:sp>
         <p:nvSpPr>
           <p:cNvPr id="13" name="Title Text"/>
-          <p:cNvSpPr txBox="1"/>
+          <p:cNvSpPr txBox="1">
+            <a:spLocks noGrp="1"/>
+          </p:cNvSpPr>
           <p:nvPr>
             <p:ph type="title"/>
           </p:nvPr>
@@ -1155,7 +1168,7 @@
               <a:lnSpc>
                 <a:spcPts val="5800"/>
               </a:lnSpc>
-              <a:defRPr b="1" cap="all" sz="6000">
+              <a:defRPr sz="6000" b="1" cap="all">
                 <a:solidFill>
                   <a:srgbClr val="FFFFFF"/>
                 </a:solidFill>
@@ -1167,7 +1180,6 @@
             </a:lvl1pPr>
           </a:lstStyle>
           <a:p>
-            <a:pPr/>
             <a:r>
               <a:t>Title Text</a:t>
             </a:r>
@@ -1183,9 +1195,7 @@
           <p:nvPr/>
         </p:nvPicPr>
         <p:blipFill>
-          <a:blip r:embed="rId3">
-            <a:extLst/>
-          </a:blip>
+          <a:blip r:embed="rId3"/>
           <a:stretch>
             <a:fillRect/>
           </a:stretch>
@@ -1206,7 +1216,9 @@
       <p:sp>
         <p:nvSpPr>
           <p:cNvPr id="15" name="Slide Number"/>
-          <p:cNvSpPr txBox="1"/>
+          <p:cNvSpPr txBox="1">
+            <a:spLocks noGrp="1"/>
+          </p:cNvSpPr>
           <p:nvPr>
             <p:ph type="sldNum" sz="quarter" idx="2"/>
           </p:nvPr>
@@ -1220,8 +1232,10 @@
           <a:bodyPr/>
           <a:lstStyle/>
           <a:p>
-            <a:pPr/>
-            <a:fld id="{86CB4B4D-7CA3-9044-876B-883B54F8677D}" type="slidenum"/>
+            <a:fld id="{86CB4B4D-7CA3-9044-876B-883B54F8677D}" type="slidenum">
+              <a:t>‹#›</a:t>
+            </a:fld>
+            <a:endParaRPr/>
           </a:p>
         </p:txBody>
       </p:sp>
@@ -1230,12 +1244,12 @@
   <p:clrMapOvr>
     <a:masterClrMapping/>
   </p:clrMapOvr>
-  <p:transition xmlns:p14="http://schemas.microsoft.com/office/powerpoint/2010/main" spd="med" advClick="1"/>
+  <p:transition spd="med"/>
 </p:sldLayout>
 </file>
 
 <file path=ppt/slideLayouts/slideLayout10.xml><?xml version="1.0" encoding="utf-8"?>
-<p:sldLayout xmlns:a="http://schemas.openxmlformats.org/drawingml/2006/main" xmlns:r="http://schemas.openxmlformats.org/officeDocument/2006/relationships" xmlns:p="http://schemas.openxmlformats.org/presentationml/2006/main" xmlns:m="http://schemas.openxmlformats.org/officeDocument/2006/math" xmlns:a14="http://schemas.microsoft.com/office/drawing/2010/main" type="tx" showMasterSp="1" showMasterPhAnim="1">
+<p:sldLayout xmlns:a="http://schemas.openxmlformats.org/drawingml/2006/main" xmlns:r="http://schemas.openxmlformats.org/officeDocument/2006/relationships" xmlns:p="http://schemas.openxmlformats.org/presentationml/2006/main" type="tx">
   <p:cSld name="Content and Three Photos">
     <p:spTree>
       <p:nvGrpSpPr>
@@ -1254,7 +1268,9 @@
       <p:sp>
         <p:nvSpPr>
           <p:cNvPr id="94" name="Title Text"/>
-          <p:cNvSpPr txBox="1"/>
+          <p:cNvSpPr txBox="1">
+            <a:spLocks noGrp="1"/>
+          </p:cNvSpPr>
           <p:nvPr>
             <p:ph type="title"/>
           </p:nvPr>
@@ -1272,7 +1288,6 @@
           <a:bodyPr/>
           <a:lstStyle/>
           <a:p>
-            <a:pPr/>
             <a:r>
               <a:t>Title Text</a:t>
             </a:r>
@@ -1282,7 +1297,9 @@
       <p:sp>
         <p:nvSpPr>
           <p:cNvPr id="95" name="Body Level One…"/>
-          <p:cNvSpPr txBox="1"/>
+          <p:cNvSpPr txBox="1">
+            <a:spLocks noGrp="1"/>
+          </p:cNvSpPr>
           <p:nvPr>
             <p:ph type="body" sz="half" idx="1"/>
           </p:nvPr>
@@ -1298,11 +1315,10 @@
         </p:spPr>
         <p:txBody>
           <a:bodyPr>
-            <a:normAutofit fontScale="100000" lnSpcReduction="0"/>
+            <a:normAutofit/>
           </a:bodyPr>
           <a:lstStyle/>
           <a:p>
-            <a:pPr/>
             <a:r>
               <a:t>Body Level One</a:t>
             </a:r>
@@ -1336,7 +1352,9 @@
       <p:sp>
         <p:nvSpPr>
           <p:cNvPr id="96" name="Picture Placeholder 2"/>
-          <p:cNvSpPr/>
+          <p:cNvSpPr>
+            <a:spLocks noGrp="1"/>
+          </p:cNvSpPr>
           <p:nvPr>
             <p:ph type="pic" sz="half" idx="13"/>
           </p:nvPr>
@@ -1360,14 +1378,16 @@
           <a:bodyPr lIns="91439" rIns="91439"/>
           <a:lstStyle/>
           <a:p>
-            <a:pPr/>
+            <a:endParaRPr/>
           </a:p>
         </p:txBody>
       </p:sp>
       <p:sp>
         <p:nvSpPr>
           <p:cNvPr id="97" name="Picture Placeholder 2"/>
-          <p:cNvSpPr/>
+          <p:cNvSpPr>
+            <a:spLocks noGrp="1"/>
+          </p:cNvSpPr>
           <p:nvPr>
             <p:ph type="pic" sz="quarter" idx="14"/>
           </p:nvPr>
@@ -1391,14 +1411,16 @@
           <a:bodyPr lIns="91439" rIns="91439"/>
           <a:lstStyle/>
           <a:p>
-            <a:pPr/>
+            <a:endParaRPr/>
           </a:p>
         </p:txBody>
       </p:sp>
       <p:sp>
         <p:nvSpPr>
           <p:cNvPr id="98" name="Picture Placeholder 2"/>
-          <p:cNvSpPr/>
+          <p:cNvSpPr>
+            <a:spLocks noGrp="1"/>
+          </p:cNvSpPr>
           <p:nvPr>
             <p:ph type="pic" sz="quarter" idx="15"/>
           </p:nvPr>
@@ -1422,14 +1444,16 @@
           <a:bodyPr lIns="91439" rIns="91439"/>
           <a:lstStyle/>
           <a:p>
-            <a:pPr/>
+            <a:endParaRPr/>
           </a:p>
         </p:txBody>
       </p:sp>
       <p:sp>
         <p:nvSpPr>
           <p:cNvPr id="99" name="Slide Number"/>
-          <p:cNvSpPr txBox="1"/>
+          <p:cNvSpPr txBox="1">
+            <a:spLocks noGrp="1"/>
+          </p:cNvSpPr>
           <p:nvPr>
             <p:ph type="sldNum" sz="quarter" idx="2"/>
           </p:nvPr>
@@ -1443,8 +1467,10 @@
           <a:bodyPr/>
           <a:lstStyle/>
           <a:p>
-            <a:pPr/>
-            <a:fld id="{86CB4B4D-7CA3-9044-876B-883B54F8677D}" type="slidenum"/>
+            <a:fld id="{86CB4B4D-7CA3-9044-876B-883B54F8677D}" type="slidenum">
+              <a:t>‹#›</a:t>
+            </a:fld>
+            <a:endParaRPr/>
           </a:p>
         </p:txBody>
       </p:sp>
@@ -1453,12 +1479,12 @@
   <p:clrMapOvr>
     <a:masterClrMapping/>
   </p:clrMapOvr>
-  <p:transition xmlns:p14="http://schemas.microsoft.com/office/powerpoint/2010/main" spd="med" advClick="1"/>
+  <p:transition spd="med"/>
 </p:sldLayout>
 </file>
 
 <file path=ppt/slideLayouts/slideLayout11.xml><?xml version="1.0" encoding="utf-8"?>
-<p:sldLayout xmlns:a="http://schemas.openxmlformats.org/drawingml/2006/main" xmlns:r="http://schemas.openxmlformats.org/officeDocument/2006/relationships" xmlns:p="http://schemas.openxmlformats.org/presentationml/2006/main" xmlns:m="http://schemas.openxmlformats.org/officeDocument/2006/math" xmlns:a14="http://schemas.microsoft.com/office/drawing/2010/main" type="tx" showMasterSp="1" showMasterPhAnim="1">
+<p:sldLayout xmlns:a="http://schemas.openxmlformats.org/drawingml/2006/main" xmlns:r="http://schemas.openxmlformats.org/officeDocument/2006/relationships" xmlns:p="http://schemas.openxmlformats.org/presentationml/2006/main" type="tx">
   <p:cSld name="Full Width Photo">
     <p:spTree>
       <p:nvGrpSpPr>
@@ -1477,7 +1503,9 @@
       <p:sp>
         <p:nvSpPr>
           <p:cNvPr id="106" name="Title Text"/>
-          <p:cNvSpPr txBox="1"/>
+          <p:cNvSpPr txBox="1">
+            <a:spLocks noGrp="1"/>
+          </p:cNvSpPr>
           <p:nvPr>
             <p:ph type="title"/>
           </p:nvPr>
@@ -1491,7 +1519,6 @@
           <a:bodyPr/>
           <a:lstStyle/>
           <a:p>
-            <a:pPr/>
             <a:r>
               <a:t>Title Text</a:t>
             </a:r>
@@ -1501,7 +1528,9 @@
       <p:sp>
         <p:nvSpPr>
           <p:cNvPr id="107" name="Picture Placeholder 2"/>
-          <p:cNvSpPr/>
+          <p:cNvSpPr>
+            <a:spLocks noGrp="1"/>
+          </p:cNvSpPr>
           <p:nvPr>
             <p:ph type="pic" idx="13"/>
           </p:nvPr>
@@ -1519,14 +1548,16 @@
           <a:bodyPr lIns="91439" rIns="91439"/>
           <a:lstStyle/>
           <a:p>
-            <a:pPr/>
+            <a:endParaRPr/>
           </a:p>
         </p:txBody>
       </p:sp>
       <p:sp>
         <p:nvSpPr>
           <p:cNvPr id="108" name="Slide Number"/>
-          <p:cNvSpPr txBox="1"/>
+          <p:cNvSpPr txBox="1">
+            <a:spLocks noGrp="1"/>
+          </p:cNvSpPr>
           <p:nvPr>
             <p:ph type="sldNum" sz="quarter" idx="2"/>
           </p:nvPr>
@@ -1540,8 +1571,10 @@
           <a:bodyPr/>
           <a:lstStyle/>
           <a:p>
-            <a:pPr/>
-            <a:fld id="{86CB4B4D-7CA3-9044-876B-883B54F8677D}" type="slidenum"/>
+            <a:fld id="{86CB4B4D-7CA3-9044-876B-883B54F8677D}" type="slidenum">
+              <a:t>‹#›</a:t>
+            </a:fld>
+            <a:endParaRPr/>
           </a:p>
         </p:txBody>
       </p:sp>
@@ -1550,12 +1583,12 @@
   <p:clrMapOvr>
     <a:masterClrMapping/>
   </p:clrMapOvr>
-  <p:transition xmlns:p14="http://schemas.microsoft.com/office/powerpoint/2010/main" spd="med" advClick="1"/>
+  <p:transition spd="med"/>
 </p:sldLayout>
 </file>
 
 <file path=ppt/slideLayouts/slideLayout12.xml><?xml version="1.0" encoding="utf-8"?>
-<p:sldLayout xmlns:a="http://schemas.openxmlformats.org/drawingml/2006/main" xmlns:r="http://schemas.openxmlformats.org/officeDocument/2006/relationships" xmlns:p="http://schemas.openxmlformats.org/presentationml/2006/main" xmlns:m="http://schemas.openxmlformats.org/officeDocument/2006/math" xmlns:a14="http://schemas.microsoft.com/office/drawing/2010/main" type="tx" showMasterSp="1" showMasterPhAnim="1">
+<p:sldLayout xmlns:a="http://schemas.openxmlformats.org/drawingml/2006/main" xmlns:r="http://schemas.openxmlformats.org/officeDocument/2006/relationships" xmlns:p="http://schemas.openxmlformats.org/presentationml/2006/main" type="tx">
   <p:cSld name="Content and Graph">
     <p:spTree>
       <p:nvGrpSpPr>
@@ -1574,7 +1607,9 @@
       <p:sp>
         <p:nvSpPr>
           <p:cNvPr id="115" name="Title Text"/>
-          <p:cNvSpPr txBox="1"/>
+          <p:cNvSpPr txBox="1">
+            <a:spLocks noGrp="1"/>
+          </p:cNvSpPr>
           <p:nvPr>
             <p:ph type="title"/>
           </p:nvPr>
@@ -1592,7 +1627,6 @@
           <a:bodyPr/>
           <a:lstStyle/>
           <a:p>
-            <a:pPr/>
             <a:r>
               <a:t>Title Text</a:t>
             </a:r>
@@ -1602,7 +1636,9 @@
       <p:sp>
         <p:nvSpPr>
           <p:cNvPr id="116" name="Body Level One…"/>
-          <p:cNvSpPr txBox="1"/>
+          <p:cNvSpPr txBox="1">
+            <a:spLocks noGrp="1"/>
+          </p:cNvSpPr>
           <p:nvPr>
             <p:ph type="body" sz="half" idx="1"/>
           </p:nvPr>
@@ -1618,11 +1654,10 @@
         </p:spPr>
         <p:txBody>
           <a:bodyPr>
-            <a:normAutofit fontScale="100000" lnSpcReduction="0"/>
+            <a:normAutofit/>
           </a:bodyPr>
           <a:lstStyle/>
           <a:p>
-            <a:pPr/>
             <a:r>
               <a:t>Body Level One</a:t>
             </a:r>
@@ -1656,7 +1691,9 @@
       <p:sp>
         <p:nvSpPr>
           <p:cNvPr id="117" name="Slide Number"/>
-          <p:cNvSpPr txBox="1"/>
+          <p:cNvSpPr txBox="1">
+            <a:spLocks noGrp="1"/>
+          </p:cNvSpPr>
           <p:nvPr>
             <p:ph type="sldNum" sz="quarter" idx="2"/>
           </p:nvPr>
@@ -1670,8 +1707,10 @@
           <a:bodyPr/>
           <a:lstStyle/>
           <a:p>
-            <a:pPr/>
-            <a:fld id="{86CB4B4D-7CA3-9044-876B-883B54F8677D}" type="slidenum"/>
+            <a:fld id="{86CB4B4D-7CA3-9044-876B-883B54F8677D}" type="slidenum">
+              <a:t>‹#›</a:t>
+            </a:fld>
+            <a:endParaRPr/>
           </a:p>
         </p:txBody>
       </p:sp>
@@ -1680,22 +1719,23 @@
   <p:clrMapOvr>
     <a:masterClrMapping/>
   </p:clrMapOvr>
-  <p:transition xmlns:p14="http://schemas.microsoft.com/office/powerpoint/2010/main" spd="med" advClick="1"/>
+  <p:transition spd="med"/>
 </p:sldLayout>
 </file>
 
 <file path=ppt/slideLayouts/slideLayout2.xml><?xml version="1.0" encoding="utf-8"?>
-<p:sldLayout xmlns:a="http://schemas.openxmlformats.org/drawingml/2006/main" xmlns:r="http://schemas.openxmlformats.org/officeDocument/2006/relationships" xmlns:p="http://schemas.openxmlformats.org/presentationml/2006/main" xmlns:m="http://schemas.openxmlformats.org/officeDocument/2006/math" xmlns:a14="http://schemas.microsoft.com/office/drawing/2010/main" type="tx" showMasterSp="1" showMasterPhAnim="1">
+<p:sldLayout xmlns:a="http://schemas.openxmlformats.org/drawingml/2006/main" xmlns:r="http://schemas.openxmlformats.org/officeDocument/2006/relationships" xmlns:p="http://schemas.openxmlformats.org/presentationml/2006/main" type="tx">
   <p:cSld name="Divider Slide">
     <p:bg>
       <p:bgPr>
         <a:blipFill rotWithShape="1">
           <a:blip r:embed="rId2"/>
-          <a:srcRect l="0" t="0" r="0" b="0"/>
+          <a:srcRect/>
           <a:stretch>
             <a:fillRect/>
           </a:stretch>
         </a:blipFill>
+        <a:effectLst/>
       </p:bgPr>
     </p:bg>
     <p:spTree>
@@ -1715,7 +1755,9 @@
       <p:sp>
         <p:nvSpPr>
           <p:cNvPr id="22" name="Title Text"/>
-          <p:cNvSpPr txBox="1"/>
+          <p:cNvSpPr txBox="1">
+            <a:spLocks noGrp="1"/>
+          </p:cNvSpPr>
           <p:nvPr>
             <p:ph type="title"/>
           </p:nvPr>
@@ -1736,7 +1778,7 @@
               <a:lnSpc>
                 <a:spcPts val="5800"/>
               </a:lnSpc>
-              <a:defRPr b="1" cap="all" sz="6000">
+              <a:defRPr sz="6000" b="1" cap="all">
                 <a:solidFill>
                   <a:srgbClr val="FFFFFF"/>
                 </a:solidFill>
@@ -1748,7 +1790,6 @@
             </a:lvl1pPr>
           </a:lstStyle>
           <a:p>
-            <a:pPr/>
             <a:r>
               <a:t>Title Text</a:t>
             </a:r>
@@ -1758,7 +1799,9 @@
       <p:sp>
         <p:nvSpPr>
           <p:cNvPr id="23" name="Body Level One…"/>
-          <p:cNvSpPr txBox="1"/>
+          <p:cNvSpPr txBox="1">
+            <a:spLocks noGrp="1"/>
+          </p:cNvSpPr>
           <p:nvPr>
             <p:ph type="body" sz="quarter" idx="1"/>
           </p:nvPr>
@@ -1774,7 +1817,7 @@
         </p:spPr>
         <p:txBody>
           <a:bodyPr lIns="0" tIns="0" rIns="0" bIns="0">
-            <a:normAutofit fontScale="100000" lnSpcReduction="0"/>
+            <a:normAutofit/>
           </a:bodyPr>
           <a:lstStyle>
             <a:lvl1pPr marL="0" indent="0">
@@ -1854,7 +1897,6 @@
             </a:lvl5pPr>
           </a:lstStyle>
           <a:p>
-            <a:pPr/>
             <a:r>
               <a:t>Body Level One</a:t>
             </a:r>
@@ -1894,9 +1936,7 @@
           <p:nvPr/>
         </p:nvPicPr>
         <p:blipFill>
-          <a:blip r:embed="rId3">
-            <a:extLst/>
-          </a:blip>
+          <a:blip r:embed="rId3"/>
           <a:stretch>
             <a:fillRect/>
           </a:stretch>
@@ -1917,7 +1957,9 @@
       <p:sp>
         <p:nvSpPr>
           <p:cNvPr id="25" name="Slide Number"/>
-          <p:cNvSpPr txBox="1"/>
+          <p:cNvSpPr txBox="1">
+            <a:spLocks noGrp="1"/>
+          </p:cNvSpPr>
           <p:nvPr>
             <p:ph type="sldNum" sz="quarter" idx="2"/>
           </p:nvPr>
@@ -1931,8 +1973,10 @@
           <a:bodyPr/>
           <a:lstStyle/>
           <a:p>
-            <a:pPr/>
-            <a:fld id="{86CB4B4D-7CA3-9044-876B-883B54F8677D}" type="slidenum"/>
+            <a:fld id="{86CB4B4D-7CA3-9044-876B-883B54F8677D}" type="slidenum">
+              <a:t>‹#›</a:t>
+            </a:fld>
+            <a:endParaRPr/>
           </a:p>
         </p:txBody>
       </p:sp>
@@ -1941,12 +1985,12 @@
   <p:clrMapOvr>
     <a:masterClrMapping/>
   </p:clrMapOvr>
-  <p:transition xmlns:p14="http://schemas.microsoft.com/office/powerpoint/2010/main" spd="med" advClick="1"/>
+  <p:transition spd="med"/>
 </p:sldLayout>
 </file>
 
 <file path=ppt/slideLayouts/slideLayout3.xml><?xml version="1.0" encoding="utf-8"?>
-<p:sldLayout xmlns:a="http://schemas.openxmlformats.org/drawingml/2006/main" xmlns:r="http://schemas.openxmlformats.org/officeDocument/2006/relationships" xmlns:p="http://schemas.openxmlformats.org/presentationml/2006/main" xmlns:m="http://schemas.openxmlformats.org/officeDocument/2006/math" xmlns:a14="http://schemas.microsoft.com/office/drawing/2010/main" type="tx" showMasterSp="1" showMasterPhAnim="1">
+<p:sldLayout xmlns:a="http://schemas.openxmlformats.org/drawingml/2006/main" xmlns:r="http://schemas.openxmlformats.org/officeDocument/2006/relationships" xmlns:p="http://schemas.openxmlformats.org/presentationml/2006/main" type="tx">
   <p:cSld name="Title and Content">
     <p:spTree>
       <p:nvGrpSpPr>
@@ -1965,7 +2009,9 @@
       <p:sp>
         <p:nvSpPr>
           <p:cNvPr id="32" name="Title Text"/>
-          <p:cNvSpPr txBox="1"/>
+          <p:cNvSpPr txBox="1">
+            <a:spLocks noGrp="1"/>
+          </p:cNvSpPr>
           <p:nvPr>
             <p:ph type="title"/>
           </p:nvPr>
@@ -1983,7 +2029,6 @@
           <a:bodyPr/>
           <a:lstStyle/>
           <a:p>
-            <a:pPr/>
             <a:r>
               <a:t>Title Text</a:t>
             </a:r>
@@ -1993,7 +2038,9 @@
       <p:sp>
         <p:nvSpPr>
           <p:cNvPr id="33" name="Body Level One…"/>
-          <p:cNvSpPr txBox="1"/>
+          <p:cNvSpPr txBox="1">
+            <a:spLocks noGrp="1"/>
+          </p:cNvSpPr>
           <p:nvPr>
             <p:ph type="body" sz="half" idx="1"/>
           </p:nvPr>
@@ -2009,11 +2056,10 @@
         </p:spPr>
         <p:txBody>
           <a:bodyPr>
-            <a:normAutofit fontScale="100000" lnSpcReduction="0"/>
+            <a:normAutofit/>
           </a:bodyPr>
           <a:lstStyle/>
           <a:p>
-            <a:pPr/>
             <a:r>
               <a:t>Body Level One</a:t>
             </a:r>
@@ -2047,7 +2093,9 @@
       <p:sp>
         <p:nvSpPr>
           <p:cNvPr id="34" name="Slide Number"/>
-          <p:cNvSpPr txBox="1"/>
+          <p:cNvSpPr txBox="1">
+            <a:spLocks noGrp="1"/>
+          </p:cNvSpPr>
           <p:nvPr>
             <p:ph type="sldNum" sz="quarter" idx="2"/>
           </p:nvPr>
@@ -2061,8 +2109,10 @@
           <a:bodyPr/>
           <a:lstStyle/>
           <a:p>
-            <a:pPr/>
-            <a:fld id="{86CB4B4D-7CA3-9044-876B-883B54F8677D}" type="slidenum"/>
+            <a:fld id="{86CB4B4D-7CA3-9044-876B-883B54F8677D}" type="slidenum">
+              <a:t>‹#›</a:t>
+            </a:fld>
+            <a:endParaRPr/>
           </a:p>
         </p:txBody>
       </p:sp>
@@ -2071,12 +2121,12 @@
   <p:clrMapOvr>
     <a:masterClrMapping/>
   </p:clrMapOvr>
-  <p:transition xmlns:p14="http://schemas.microsoft.com/office/powerpoint/2010/main" spd="med" advClick="1"/>
+  <p:transition spd="med"/>
 </p:sldLayout>
 </file>
 
 <file path=ppt/slideLayouts/slideLayout4.xml><?xml version="1.0" encoding="utf-8"?>
-<p:sldLayout xmlns:a="http://schemas.openxmlformats.org/drawingml/2006/main" xmlns:r="http://schemas.openxmlformats.org/officeDocument/2006/relationships" xmlns:p="http://schemas.openxmlformats.org/presentationml/2006/main" xmlns:m="http://schemas.openxmlformats.org/officeDocument/2006/math" xmlns:a14="http://schemas.microsoft.com/office/drawing/2010/main" type="tx" showMasterSp="1" showMasterPhAnim="1">
+<p:sldLayout xmlns:a="http://schemas.openxmlformats.org/drawingml/2006/main" xmlns:r="http://schemas.openxmlformats.org/officeDocument/2006/relationships" xmlns:p="http://schemas.openxmlformats.org/presentationml/2006/main" type="tx">
   <p:cSld name="Bulleted List">
     <p:spTree>
       <p:nvGrpSpPr>
@@ -2095,7 +2145,9 @@
       <p:sp>
         <p:nvSpPr>
           <p:cNvPr id="41" name="Title Text"/>
-          <p:cNvSpPr txBox="1"/>
+          <p:cNvSpPr txBox="1">
+            <a:spLocks noGrp="1"/>
+          </p:cNvSpPr>
           <p:nvPr>
             <p:ph type="title"/>
           </p:nvPr>
@@ -2113,7 +2165,6 @@
           <a:bodyPr/>
           <a:lstStyle/>
           <a:p>
-            <a:pPr/>
             <a:r>
               <a:t>Title Text</a:t>
             </a:r>
@@ -2123,7 +2174,9 @@
       <p:sp>
         <p:nvSpPr>
           <p:cNvPr id="42" name="Body Level One…"/>
-          <p:cNvSpPr txBox="1"/>
+          <p:cNvSpPr txBox="1">
+            <a:spLocks noGrp="1"/>
+          </p:cNvSpPr>
           <p:nvPr>
             <p:ph type="body" sz="half" idx="1"/>
           </p:nvPr>
@@ -2139,11 +2192,10 @@
         </p:spPr>
         <p:txBody>
           <a:bodyPr>
-            <a:normAutofit fontScale="100000" lnSpcReduction="0"/>
+            <a:normAutofit/>
           </a:bodyPr>
           <a:lstStyle/>
           <a:p>
-            <a:pPr/>
             <a:r>
               <a:t>Body Level One</a:t>
             </a:r>
@@ -2177,7 +2229,9 @@
       <p:sp>
         <p:nvSpPr>
           <p:cNvPr id="43" name="Slide Number"/>
-          <p:cNvSpPr txBox="1"/>
+          <p:cNvSpPr txBox="1">
+            <a:spLocks noGrp="1"/>
+          </p:cNvSpPr>
           <p:nvPr>
             <p:ph type="sldNum" sz="quarter" idx="2"/>
           </p:nvPr>
@@ -2191,8 +2245,10 @@
           <a:bodyPr/>
           <a:lstStyle/>
           <a:p>
-            <a:pPr/>
-            <a:fld id="{86CB4B4D-7CA3-9044-876B-883B54F8677D}" type="slidenum"/>
+            <a:fld id="{86CB4B4D-7CA3-9044-876B-883B54F8677D}" type="slidenum">
+              <a:t>‹#›</a:t>
+            </a:fld>
+            <a:endParaRPr/>
           </a:p>
         </p:txBody>
       </p:sp>
@@ -2201,12 +2257,12 @@
   <p:clrMapOvr>
     <a:masterClrMapping/>
   </p:clrMapOvr>
-  <p:transition xmlns:p14="http://schemas.microsoft.com/office/powerpoint/2010/main" spd="med" advClick="1"/>
+  <p:transition spd="med"/>
 </p:sldLayout>
 </file>
 
 <file path=ppt/slideLayouts/slideLayout5.xml><?xml version="1.0" encoding="utf-8"?>
-<p:sldLayout xmlns:a="http://schemas.openxmlformats.org/drawingml/2006/main" xmlns:r="http://schemas.openxmlformats.org/officeDocument/2006/relationships" xmlns:p="http://schemas.openxmlformats.org/presentationml/2006/main" xmlns:m="http://schemas.openxmlformats.org/officeDocument/2006/math" xmlns:a14="http://schemas.microsoft.com/office/drawing/2010/main" type="tx" showMasterSp="1" showMasterPhAnim="1">
+<p:sldLayout xmlns:a="http://schemas.openxmlformats.org/drawingml/2006/main" xmlns:r="http://schemas.openxmlformats.org/officeDocument/2006/relationships" xmlns:p="http://schemas.openxmlformats.org/presentationml/2006/main" type="tx">
   <p:cSld name="Title and Double Content">
     <p:spTree>
       <p:nvGrpSpPr>
@@ -2225,7 +2281,9 @@
       <p:sp>
         <p:nvSpPr>
           <p:cNvPr id="50" name="Title Text"/>
-          <p:cNvSpPr txBox="1"/>
+          <p:cNvSpPr txBox="1">
+            <a:spLocks noGrp="1"/>
+          </p:cNvSpPr>
           <p:nvPr>
             <p:ph type="title"/>
           </p:nvPr>
@@ -2239,7 +2297,6 @@
           <a:bodyPr/>
           <a:lstStyle/>
           <a:p>
-            <a:pPr/>
             <a:r>
               <a:t>Title Text</a:t>
             </a:r>
@@ -2249,7 +2306,9 @@
       <p:sp>
         <p:nvSpPr>
           <p:cNvPr id="51" name="Body Level One…"/>
-          <p:cNvSpPr txBox="1"/>
+          <p:cNvSpPr txBox="1">
+            <a:spLocks noGrp="1"/>
+          </p:cNvSpPr>
           <p:nvPr>
             <p:ph type="body" sz="half" idx="1"/>
           </p:nvPr>
@@ -2265,11 +2324,10 @@
         </p:spPr>
         <p:txBody>
           <a:bodyPr>
-            <a:normAutofit fontScale="100000" lnSpcReduction="0"/>
+            <a:normAutofit/>
           </a:bodyPr>
           <a:lstStyle/>
           <a:p>
-            <a:pPr/>
             <a:r>
               <a:t>Body Level One</a:t>
             </a:r>
@@ -2303,7 +2361,9 @@
       <p:sp>
         <p:nvSpPr>
           <p:cNvPr id="52" name="Slide Number"/>
-          <p:cNvSpPr txBox="1"/>
+          <p:cNvSpPr txBox="1">
+            <a:spLocks noGrp="1"/>
+          </p:cNvSpPr>
           <p:nvPr>
             <p:ph type="sldNum" sz="quarter" idx="2"/>
           </p:nvPr>
@@ -2317,8 +2377,10 @@
           <a:bodyPr/>
           <a:lstStyle/>
           <a:p>
-            <a:pPr/>
-            <a:fld id="{86CB4B4D-7CA3-9044-876B-883B54F8677D}" type="slidenum"/>
+            <a:fld id="{86CB4B4D-7CA3-9044-876B-883B54F8677D}" type="slidenum">
+              <a:t>‹#›</a:t>
+            </a:fld>
+            <a:endParaRPr/>
           </a:p>
         </p:txBody>
       </p:sp>
@@ -2327,12 +2389,12 @@
   <p:clrMapOvr>
     <a:masterClrMapping/>
   </p:clrMapOvr>
-  <p:transition xmlns:p14="http://schemas.microsoft.com/office/powerpoint/2010/main" spd="med" advClick="1"/>
+  <p:transition spd="med"/>
 </p:sldLayout>
 </file>
 
 <file path=ppt/slideLayouts/slideLayout6.xml><?xml version="1.0" encoding="utf-8"?>
-<p:sldLayout xmlns:a="http://schemas.openxmlformats.org/drawingml/2006/main" xmlns:r="http://schemas.openxmlformats.org/officeDocument/2006/relationships" xmlns:p="http://schemas.openxmlformats.org/presentationml/2006/main" xmlns:m="http://schemas.openxmlformats.org/officeDocument/2006/math" xmlns:a14="http://schemas.microsoft.com/office/drawing/2010/main" type="tx" showMasterSp="1" showMasterPhAnim="1">
+<p:sldLayout xmlns:a="http://schemas.openxmlformats.org/drawingml/2006/main" xmlns:r="http://schemas.openxmlformats.org/officeDocument/2006/relationships" xmlns:p="http://schemas.openxmlformats.org/presentationml/2006/main" type="tx">
   <p:cSld name="Comparison">
     <p:spTree>
       <p:nvGrpSpPr>
@@ -2351,7 +2413,9 @@
       <p:sp>
         <p:nvSpPr>
           <p:cNvPr id="59" name="Title Text"/>
-          <p:cNvSpPr txBox="1"/>
+          <p:cNvSpPr txBox="1">
+            <a:spLocks noGrp="1"/>
+          </p:cNvSpPr>
           <p:nvPr>
             <p:ph type="title"/>
           </p:nvPr>
@@ -2365,7 +2429,6 @@
           <a:bodyPr/>
           <a:lstStyle/>
           <a:p>
-            <a:pPr/>
             <a:r>
               <a:t>Title Text</a:t>
             </a:r>
@@ -2375,7 +2438,9 @@
       <p:sp>
         <p:nvSpPr>
           <p:cNvPr id="60" name="Body Level One…"/>
-          <p:cNvSpPr txBox="1"/>
+          <p:cNvSpPr txBox="1">
+            <a:spLocks noGrp="1"/>
+          </p:cNvSpPr>
           <p:nvPr>
             <p:ph type="body" sz="quarter" idx="1"/>
           </p:nvPr>
@@ -2391,7 +2456,7 @@
         </p:spPr>
         <p:txBody>
           <a:bodyPr>
-            <a:normAutofit fontScale="100000" lnSpcReduction="0"/>
+            <a:normAutofit/>
           </a:bodyPr>
           <a:lstStyle>
             <a:lvl1pPr marL="0" indent="0">
@@ -2399,7 +2464,7 @@
               <a:buSzTx/>
               <a:buFontTx/>
               <a:buNone/>
-              <a:defRPr b="1" cap="all" sz="1600">
+              <a:defRPr sz="1600" b="1" cap="all">
                 <a:solidFill>
                   <a:schemeClr val="accent1"/>
                 </a:solidFill>
@@ -2410,7 +2475,7 @@
               <a:buSzTx/>
               <a:buFontTx/>
               <a:buNone/>
-              <a:defRPr b="1" cap="all" sz="1600">
+              <a:defRPr sz="1600" b="1" cap="all">
                 <a:solidFill>
                   <a:schemeClr val="accent1"/>
                 </a:solidFill>
@@ -2421,7 +2486,7 @@
               <a:buSzTx/>
               <a:buFontTx/>
               <a:buNone/>
-              <a:defRPr b="1" cap="all" sz="1600">
+              <a:defRPr sz="1600" b="1" cap="all">
                 <a:solidFill>
                   <a:schemeClr val="accent1"/>
                 </a:solidFill>
@@ -2432,7 +2497,7 @@
               <a:buSzTx/>
               <a:buFontTx/>
               <a:buNone/>
-              <a:defRPr b="1" cap="all" sz="1600">
+              <a:defRPr sz="1600" b="1" cap="all">
                 <a:solidFill>
                   <a:schemeClr val="accent1"/>
                 </a:solidFill>
@@ -2443,7 +2508,7 @@
               <a:buSzTx/>
               <a:buFontTx/>
               <a:buNone/>
-              <a:defRPr b="1" cap="all" sz="1600">
+              <a:defRPr sz="1600" b="1" cap="all">
                 <a:solidFill>
                   <a:schemeClr val="accent1"/>
                 </a:solidFill>
@@ -2451,7 +2516,6 @@
             </a:lvl5pPr>
           </a:lstStyle>
           <a:p>
-            <a:pPr/>
             <a:r>
               <a:t>Body Level One</a:t>
             </a:r>
@@ -2485,7 +2549,9 @@
       <p:sp>
         <p:nvSpPr>
           <p:cNvPr id="61" name="Text Placeholder 4"/>
-          <p:cNvSpPr/>
+          <p:cNvSpPr>
+            <a:spLocks noGrp="1"/>
+          </p:cNvSpPr>
           <p:nvPr>
             <p:ph type="body" sz="quarter" idx="13"/>
           </p:nvPr>
@@ -2501,7 +2567,7 @@
         </p:spPr>
         <p:txBody>
           <a:bodyPr>
-            <a:normAutofit fontScale="100000" lnSpcReduction="0"/>
+            <a:normAutofit/>
           </a:bodyPr>
           <a:lstStyle/>
           <a:p>
@@ -2510,19 +2576,22 @@
               <a:buSzTx/>
               <a:buFontTx/>
               <a:buNone/>
-              <a:defRPr b="1" cap="all" sz="1600">
+              <a:defRPr sz="1600" b="1" cap="all">
                 <a:solidFill>
                   <a:schemeClr val="accent1"/>
                 </a:solidFill>
               </a:defRPr>
             </a:pPr>
+            <a:endParaRPr/>
           </a:p>
         </p:txBody>
       </p:sp>
       <p:sp>
         <p:nvSpPr>
           <p:cNvPr id="62" name="Slide Number"/>
-          <p:cNvSpPr txBox="1"/>
+          <p:cNvSpPr txBox="1">
+            <a:spLocks noGrp="1"/>
+          </p:cNvSpPr>
           <p:nvPr>
             <p:ph type="sldNum" sz="quarter" idx="2"/>
           </p:nvPr>
@@ -2536,8 +2605,10 @@
           <a:bodyPr/>
           <a:lstStyle/>
           <a:p>
-            <a:pPr/>
-            <a:fld id="{86CB4B4D-7CA3-9044-876B-883B54F8677D}" type="slidenum"/>
+            <a:fld id="{86CB4B4D-7CA3-9044-876B-883B54F8677D}" type="slidenum">
+              <a:t>‹#›</a:t>
+            </a:fld>
+            <a:endParaRPr/>
           </a:p>
         </p:txBody>
       </p:sp>
@@ -2546,12 +2617,12 @@
   <p:clrMapOvr>
     <a:masterClrMapping/>
   </p:clrMapOvr>
-  <p:transition xmlns:p14="http://schemas.microsoft.com/office/powerpoint/2010/main" spd="med" advClick="1"/>
+  <p:transition spd="med"/>
 </p:sldLayout>
 </file>
 
 <file path=ppt/slideLayouts/slideLayout7.xml><?xml version="1.0" encoding="utf-8"?>
-<p:sldLayout xmlns:a="http://schemas.openxmlformats.org/drawingml/2006/main" xmlns:r="http://schemas.openxmlformats.org/officeDocument/2006/relationships" xmlns:p="http://schemas.openxmlformats.org/presentationml/2006/main" xmlns:m="http://schemas.openxmlformats.org/officeDocument/2006/math" xmlns:a14="http://schemas.microsoft.com/office/drawing/2010/main" type="tx" showMasterSp="1" showMasterPhAnim="1">
+<p:sldLayout xmlns:a="http://schemas.openxmlformats.org/drawingml/2006/main" xmlns:r="http://schemas.openxmlformats.org/officeDocument/2006/relationships" xmlns:p="http://schemas.openxmlformats.org/presentationml/2006/main" type="tx">
   <p:cSld name="Title Only">
     <p:spTree>
       <p:nvGrpSpPr>
@@ -2570,7 +2641,9 @@
       <p:sp>
         <p:nvSpPr>
           <p:cNvPr id="69" name="Title Text"/>
-          <p:cNvSpPr txBox="1"/>
+          <p:cNvSpPr txBox="1">
+            <a:spLocks noGrp="1"/>
+          </p:cNvSpPr>
           <p:nvPr>
             <p:ph type="title"/>
           </p:nvPr>
@@ -2584,7 +2657,6 @@
           <a:bodyPr/>
           <a:lstStyle/>
           <a:p>
-            <a:pPr/>
             <a:r>
               <a:t>Title Text</a:t>
             </a:r>
@@ -2594,7 +2666,9 @@
       <p:sp>
         <p:nvSpPr>
           <p:cNvPr id="70" name="Slide Number"/>
-          <p:cNvSpPr txBox="1"/>
+          <p:cNvSpPr txBox="1">
+            <a:spLocks noGrp="1"/>
+          </p:cNvSpPr>
           <p:nvPr>
             <p:ph type="sldNum" sz="quarter" idx="2"/>
           </p:nvPr>
@@ -2608,8 +2682,10 @@
           <a:bodyPr/>
           <a:lstStyle/>
           <a:p>
-            <a:pPr/>
-            <a:fld id="{86CB4B4D-7CA3-9044-876B-883B54F8677D}" type="slidenum"/>
+            <a:fld id="{86CB4B4D-7CA3-9044-876B-883B54F8677D}" type="slidenum">
+              <a:t>‹#›</a:t>
+            </a:fld>
+            <a:endParaRPr/>
           </a:p>
         </p:txBody>
       </p:sp>
@@ -2618,22 +2694,23 @@
   <p:clrMapOvr>
     <a:masterClrMapping/>
   </p:clrMapOvr>
-  <p:transition xmlns:p14="http://schemas.microsoft.com/office/powerpoint/2010/main" spd="med" advClick="1"/>
+  <p:transition spd="med"/>
 </p:sldLayout>
 </file>
 
 <file path=ppt/slideLayouts/slideLayout8.xml><?xml version="1.0" encoding="utf-8"?>
-<p:sldLayout xmlns:a="http://schemas.openxmlformats.org/drawingml/2006/main" xmlns:r="http://schemas.openxmlformats.org/officeDocument/2006/relationships" xmlns:p="http://schemas.openxmlformats.org/presentationml/2006/main" xmlns:m="http://schemas.openxmlformats.org/officeDocument/2006/math" xmlns:a14="http://schemas.microsoft.com/office/drawing/2010/main" type="tx" showMasterSp="1" showMasterPhAnim="1">
+<p:sldLayout xmlns:a="http://schemas.openxmlformats.org/drawingml/2006/main" xmlns:r="http://schemas.openxmlformats.org/officeDocument/2006/relationships" xmlns:p="http://schemas.openxmlformats.org/presentationml/2006/main" type="tx">
   <p:cSld name="Blank">
     <p:bg>
       <p:bgPr>
         <a:blipFill rotWithShape="1">
           <a:blip r:embed="rId2"/>
-          <a:srcRect l="0" t="0" r="0" b="0"/>
+          <a:srcRect/>
           <a:stretch>
             <a:fillRect/>
           </a:stretch>
         </a:blipFill>
+        <a:effectLst/>
       </p:bgPr>
     </p:bg>
     <p:spTree>
@@ -2653,7 +2730,9 @@
       <p:sp>
         <p:nvSpPr>
           <p:cNvPr id="77" name="Slide Number"/>
-          <p:cNvSpPr txBox="1"/>
+          <p:cNvSpPr txBox="1">
+            <a:spLocks noGrp="1"/>
+          </p:cNvSpPr>
           <p:nvPr>
             <p:ph type="sldNum" sz="quarter" idx="2"/>
           </p:nvPr>
@@ -2667,8 +2746,10 @@
           <a:bodyPr/>
           <a:lstStyle/>
           <a:p>
-            <a:pPr/>
-            <a:fld id="{86CB4B4D-7CA3-9044-876B-883B54F8677D}" type="slidenum"/>
+            <a:fld id="{86CB4B4D-7CA3-9044-876B-883B54F8677D}" type="slidenum">
+              <a:t>‹#›</a:t>
+            </a:fld>
+            <a:endParaRPr/>
           </a:p>
         </p:txBody>
       </p:sp>
@@ -2677,12 +2758,12 @@
   <p:clrMapOvr>
     <a:masterClrMapping/>
   </p:clrMapOvr>
-  <p:transition xmlns:p14="http://schemas.microsoft.com/office/powerpoint/2010/main" spd="med" advClick="1"/>
+  <p:transition spd="med"/>
 </p:sldLayout>
 </file>
 
 <file path=ppt/slideLayouts/slideLayout9.xml><?xml version="1.0" encoding="utf-8"?>
-<p:sldLayout xmlns:a="http://schemas.openxmlformats.org/drawingml/2006/main" xmlns:r="http://schemas.openxmlformats.org/officeDocument/2006/relationships" xmlns:p="http://schemas.openxmlformats.org/presentationml/2006/main" xmlns:m="http://schemas.openxmlformats.org/officeDocument/2006/math" xmlns:a14="http://schemas.microsoft.com/office/drawing/2010/main" type="tx" showMasterSp="1" showMasterPhAnim="1">
+<p:sldLayout xmlns:a="http://schemas.openxmlformats.org/drawingml/2006/main" xmlns:r="http://schemas.openxmlformats.org/officeDocument/2006/relationships" xmlns:p="http://schemas.openxmlformats.org/presentationml/2006/main" type="tx">
   <p:cSld name="Content and Photo">
     <p:spTree>
       <p:nvGrpSpPr>
@@ -2701,7 +2782,9 @@
       <p:sp>
         <p:nvSpPr>
           <p:cNvPr id="84" name="Picture Placeholder 2"/>
-          <p:cNvSpPr/>
+          <p:cNvSpPr>
+            <a:spLocks noGrp="1"/>
+          </p:cNvSpPr>
           <p:nvPr>
             <p:ph type="pic" idx="13"/>
           </p:nvPr>
@@ -2719,14 +2802,16 @@
           <a:bodyPr lIns="91439" rIns="91439"/>
           <a:lstStyle/>
           <a:p>
-            <a:pPr/>
+            <a:endParaRPr/>
           </a:p>
         </p:txBody>
       </p:sp>
       <p:sp>
         <p:nvSpPr>
           <p:cNvPr id="85" name="Title Text"/>
-          <p:cNvSpPr txBox="1"/>
+          <p:cNvSpPr txBox="1">
+            <a:spLocks noGrp="1"/>
+          </p:cNvSpPr>
           <p:nvPr>
             <p:ph type="title"/>
           </p:nvPr>
@@ -2744,7 +2829,6 @@
           <a:bodyPr/>
           <a:lstStyle/>
           <a:p>
-            <a:pPr/>
             <a:r>
               <a:t>Title Text</a:t>
             </a:r>
@@ -2754,7 +2838,9 @@
       <p:sp>
         <p:nvSpPr>
           <p:cNvPr id="86" name="Body Level One…"/>
-          <p:cNvSpPr txBox="1"/>
+          <p:cNvSpPr txBox="1">
+            <a:spLocks noGrp="1"/>
+          </p:cNvSpPr>
           <p:nvPr>
             <p:ph type="body" sz="half" idx="1"/>
           </p:nvPr>
@@ -2770,11 +2856,10 @@
         </p:spPr>
         <p:txBody>
           <a:bodyPr>
-            <a:normAutofit fontScale="100000" lnSpcReduction="0"/>
+            <a:normAutofit/>
           </a:bodyPr>
           <a:lstStyle/>
           <a:p>
-            <a:pPr/>
             <a:r>
               <a:t>Body Level One</a:t>
             </a:r>
@@ -2808,7 +2893,9 @@
       <p:sp>
         <p:nvSpPr>
           <p:cNvPr id="87" name="Slide Number"/>
-          <p:cNvSpPr txBox="1"/>
+          <p:cNvSpPr txBox="1">
+            <a:spLocks noGrp="1"/>
+          </p:cNvSpPr>
           <p:nvPr>
             <p:ph type="sldNum" sz="quarter" idx="2"/>
           </p:nvPr>
@@ -2822,8 +2909,10 @@
           <a:bodyPr/>
           <a:lstStyle/>
           <a:p>
-            <a:pPr/>
-            <a:fld id="{86CB4B4D-7CA3-9044-876B-883B54F8677D}" type="slidenum"/>
+            <a:fld id="{86CB4B4D-7CA3-9044-876B-883B54F8677D}" type="slidenum">
+              <a:t>‹#›</a:t>
+            </a:fld>
+            <a:endParaRPr/>
           </a:p>
         </p:txBody>
       </p:sp>
@@ -2832,22 +2921,23 @@
   <p:clrMapOvr>
     <a:masterClrMapping/>
   </p:clrMapOvr>
-  <p:transition xmlns:p14="http://schemas.microsoft.com/office/powerpoint/2010/main" spd="med" advClick="1"/>
+  <p:transition spd="med"/>
 </p:sldLayout>
 </file>
 
 <file path=ppt/slideMasters/slideMaster1.xml><?xml version="1.0" encoding="utf-8"?>
-<p:sldMaster xmlns:a="http://schemas.openxmlformats.org/drawingml/2006/main" xmlns:r="http://schemas.openxmlformats.org/officeDocument/2006/relationships" xmlns:p="http://schemas.openxmlformats.org/presentationml/2006/main" xmlns:m="http://schemas.openxmlformats.org/officeDocument/2006/math" xmlns:a14="http://schemas.microsoft.com/office/drawing/2010/main">
+<p:sldMaster xmlns:a="http://schemas.openxmlformats.org/drawingml/2006/main" xmlns:r="http://schemas.openxmlformats.org/officeDocument/2006/relationships" xmlns:p="http://schemas.openxmlformats.org/presentationml/2006/main">
   <p:cSld>
     <p:bg>
       <p:bgPr>
         <a:blipFill rotWithShape="1">
-          <a:blip r:embed="rId2"/>
-          <a:srcRect l="0" t="0" r="0" b="0"/>
+          <a:blip r:embed="rId14"/>
+          <a:srcRect/>
           <a:stretch>
             <a:fillRect/>
           </a:stretch>
         </a:blipFill>
+        <a:effectLst/>
       </p:bgPr>
     </p:bg>
     <p:spTree>
@@ -2873,9 +2963,7 @@
           <p:nvPr/>
         </p:nvPicPr>
         <p:blipFill>
-          <a:blip r:embed="rId3">
-            <a:extLst/>
-          </a:blip>
+          <a:blip r:embed="rId15"/>
           <a:stretch>
             <a:fillRect/>
           </a:stretch>
@@ -2896,7 +2984,9 @@
       <p:sp>
         <p:nvSpPr>
           <p:cNvPr id="3" name="Title Text"/>
-          <p:cNvSpPr txBox="1"/>
+          <p:cNvSpPr txBox="1">
+            <a:spLocks noGrp="1"/>
+          </p:cNvSpPr>
           <p:nvPr>
             <p:ph type="title"/>
           </p:nvPr>
@@ -2914,17 +3004,16 @@
           </a:ln>
           <a:extLst>
             <a:ext uri="{C572A759-6A51-4108-AA02-DFA0A04FC94B}">
-              <ma14:wrappingTextBoxFlag xmlns:ma14="http://schemas.microsoft.com/office/mac/drawingml/2011/main" val="1"/>
+              <ma14:wrappingTextBoxFlag xmlns:ma14="http://schemas.microsoft.com/office/mac/drawingml/2011/main" xmlns:a14="http://schemas.microsoft.com/office/drawing/2010/main" xmlns:m="http://schemas.openxmlformats.org/officeDocument/2006/math" xmlns="" val="1"/>
             </a:ext>
           </a:extLst>
         </p:spPr>
         <p:txBody>
           <a:bodyPr lIns="45719" rIns="45719" anchor="b">
-            <a:normAutofit fontScale="100000" lnSpcReduction="0"/>
+            <a:normAutofit/>
           </a:bodyPr>
           <a:lstStyle/>
           <a:p>
-            <a:pPr/>
             <a:r>
               <a:t>Title Text</a:t>
             </a:r>
@@ -2934,7 +3023,9 @@
       <p:sp>
         <p:nvSpPr>
           <p:cNvPr id="4" name="Body Level One…"/>
-          <p:cNvSpPr txBox="1"/>
+          <p:cNvSpPr txBox="1">
+            <a:spLocks noGrp="1"/>
+          </p:cNvSpPr>
           <p:nvPr>
             <p:ph type="body" idx="1"/>
           </p:nvPr>
@@ -2952,7 +3043,7 @@
           </a:ln>
           <a:extLst>
             <a:ext uri="{C572A759-6A51-4108-AA02-DFA0A04FC94B}">
-              <ma14:wrappingTextBoxFlag xmlns:ma14="http://schemas.microsoft.com/office/mac/drawingml/2011/main" val="1"/>
+              <ma14:wrappingTextBoxFlag xmlns:ma14="http://schemas.microsoft.com/office/mac/drawingml/2011/main" xmlns:a14="http://schemas.microsoft.com/office/drawing/2010/main" xmlns:m="http://schemas.openxmlformats.org/officeDocument/2006/math" xmlns="" val="1"/>
             </a:ext>
           </a:extLst>
         </p:spPr>
@@ -2960,7 +3051,6 @@
           <a:bodyPr lIns="45719" rIns="45719"/>
           <a:lstStyle/>
           <a:p>
-            <a:pPr/>
             <a:r>
               <a:t>Body Level One</a:t>
             </a:r>
@@ -2994,7 +3084,9 @@
       <p:sp>
         <p:nvSpPr>
           <p:cNvPr id="5" name="Slide Number"/>
-          <p:cNvSpPr txBox="1"/>
+          <p:cNvSpPr txBox="1">
+            <a:spLocks noGrp="1"/>
+          </p:cNvSpPr>
           <p:nvPr>
             <p:ph type="sldNum" sz="quarter" idx="2"/>
           </p:nvPr>
@@ -3021,8 +3113,10 @@
             </a:lvl1pPr>
           </a:lstStyle>
           <a:p>
-            <a:pPr/>
-            <a:fld id="{86CB4B4D-7CA3-9044-876B-883B54F8677D}" type="slidenum"/>
+            <a:fld id="{86CB4B4D-7CA3-9044-876B-883B54F8677D}" type="slidenum">
+              <a:t>‹#›</a:t>
+            </a:fld>
+            <a:endParaRPr/>
           </a:p>
         </p:txBody>
       </p:sp>
@@ -3030,20 +3124,20 @@
   </p:cSld>
   <p:clrMap bg1="lt1" tx1="dk1" bg2="lt2" tx2="dk2" accent1="accent1" accent2="accent2" accent3="accent3" accent4="accent4" accent5="accent5" accent6="accent6" hlink="hlink" folHlink="folHlink"/>
   <p:sldLayoutIdLst>
-    <p:sldLayoutId id="2147483649" r:id="rId4"/>
-    <p:sldLayoutId id="2147483650" r:id="rId5"/>
-    <p:sldLayoutId id="2147483651" r:id="rId6"/>
-    <p:sldLayoutId id="2147483652" r:id="rId7"/>
-    <p:sldLayoutId id="2147483653" r:id="rId8"/>
-    <p:sldLayoutId id="2147483654" r:id="rId9"/>
-    <p:sldLayoutId id="2147483655" r:id="rId10"/>
-    <p:sldLayoutId id="2147483656" r:id="rId11"/>
-    <p:sldLayoutId id="2147483657" r:id="rId12"/>
-    <p:sldLayoutId id="2147483658" r:id="rId13"/>
-    <p:sldLayoutId id="2147483659" r:id="rId14"/>
-    <p:sldLayoutId id="2147483660" r:id="rId15"/>
+    <p:sldLayoutId id="2147483649" r:id="rId1"/>
+    <p:sldLayoutId id="2147483650" r:id="rId2"/>
+    <p:sldLayoutId id="2147483651" r:id="rId3"/>
+    <p:sldLayoutId id="2147483652" r:id="rId4"/>
+    <p:sldLayoutId id="2147483653" r:id="rId5"/>
+    <p:sldLayoutId id="2147483654" r:id="rId6"/>
+    <p:sldLayoutId id="2147483655" r:id="rId7"/>
+    <p:sldLayoutId id="2147483656" r:id="rId8"/>
+    <p:sldLayoutId id="2147483657" r:id="rId9"/>
+    <p:sldLayoutId id="2147483658" r:id="rId10"/>
+    <p:sldLayoutId id="2147483659" r:id="rId11"/>
+    <p:sldLayoutId id="2147483660" r:id="rId12"/>
   </p:sldLayoutIdLst>
-  <p:transition xmlns:p14="http://schemas.microsoft.com/office/powerpoint/2010/main" spd="med" advClick="1"/>
+  <p:transition spd="med"/>
   <p:txStyles>
     <p:titleStyle>
       <a:lvl1pPr marL="0" marR="0" indent="0" algn="l" defTabSz="914400" rtl="0" latinLnBrk="0">
@@ -3061,7 +3155,7 @@
         <a:buFontTx/>
         <a:buNone/>
         <a:tabLst/>
-        <a:defRPr b="0" baseline="0" cap="none" i="0" spc="0" strike="noStrike" sz="3600" u="none">
+        <a:defRPr sz="3600" b="0" i="0" u="none" strike="noStrike" cap="none" spc="0" baseline="0">
           <a:solidFill>
             <a:schemeClr val="accent1"/>
           </a:solidFill>
@@ -3087,7 +3181,7 @@
         <a:buFontTx/>
         <a:buNone/>
         <a:tabLst/>
-        <a:defRPr b="0" baseline="0" cap="none" i="0" spc="0" strike="noStrike" sz="3600" u="none">
+        <a:defRPr sz="3600" b="0" i="0" u="none" strike="noStrike" cap="none" spc="0" baseline="0">
           <a:solidFill>
             <a:schemeClr val="accent1"/>
           </a:solidFill>
@@ -3113,7 +3207,7 @@
         <a:buFontTx/>
         <a:buNone/>
         <a:tabLst/>
-        <a:defRPr b="0" baseline="0" cap="none" i="0" spc="0" strike="noStrike" sz="3600" u="none">
+        <a:defRPr sz="3600" b="0" i="0" u="none" strike="noStrike" cap="none" spc="0" baseline="0">
           <a:solidFill>
             <a:schemeClr val="accent1"/>
           </a:solidFill>
@@ -3139,7 +3233,7 @@
         <a:buFontTx/>
         <a:buNone/>
         <a:tabLst/>
-        <a:defRPr b="0" baseline="0" cap="none" i="0" spc="0" strike="noStrike" sz="3600" u="none">
+        <a:defRPr sz="3600" b="0" i="0" u="none" strike="noStrike" cap="none" spc="0" baseline="0">
           <a:solidFill>
             <a:schemeClr val="accent1"/>
           </a:solidFill>
@@ -3165,7 +3259,7 @@
         <a:buFontTx/>
         <a:buNone/>
         <a:tabLst/>
-        <a:defRPr b="0" baseline="0" cap="none" i="0" spc="0" strike="noStrike" sz="3600" u="none">
+        <a:defRPr sz="3600" b="0" i="0" u="none" strike="noStrike" cap="none" spc="0" baseline="0">
           <a:solidFill>
             <a:schemeClr val="accent1"/>
           </a:solidFill>
@@ -3191,7 +3285,7 @@
         <a:buFontTx/>
         <a:buNone/>
         <a:tabLst/>
-        <a:defRPr b="0" baseline="0" cap="none" i="0" spc="0" strike="noStrike" sz="3600" u="none">
+        <a:defRPr sz="3600" b="0" i="0" u="none" strike="noStrike" cap="none" spc="0" baseline="0">
           <a:solidFill>
             <a:schemeClr val="accent1"/>
           </a:solidFill>
@@ -3217,7 +3311,7 @@
         <a:buFontTx/>
         <a:buNone/>
         <a:tabLst/>
-        <a:defRPr b="0" baseline="0" cap="none" i="0" spc="0" strike="noStrike" sz="3600" u="none">
+        <a:defRPr sz="3600" b="0" i="0" u="none" strike="noStrike" cap="none" spc="0" baseline="0">
           <a:solidFill>
             <a:schemeClr val="accent1"/>
           </a:solidFill>
@@ -3243,7 +3337,7 @@
         <a:buFontTx/>
         <a:buNone/>
         <a:tabLst/>
-        <a:defRPr b="0" baseline="0" cap="none" i="0" spc="0" strike="noStrike" sz="3600" u="none">
+        <a:defRPr sz="3600" b="0" i="0" u="none" strike="noStrike" cap="none" spc="0" baseline="0">
           <a:solidFill>
             <a:schemeClr val="accent1"/>
           </a:solidFill>
@@ -3269,7 +3363,7 @@
         <a:buFontTx/>
         <a:buNone/>
         <a:tabLst/>
-        <a:defRPr b="0" baseline="0" cap="none" i="0" spc="0" strike="noStrike" sz="3600" u="none">
+        <a:defRPr sz="3600" b="0" i="0" u="none" strike="noStrike" cap="none" spc="0" baseline="0">
           <a:solidFill>
             <a:schemeClr val="accent1"/>
           </a:solidFill>
@@ -3299,7 +3393,7 @@
         <a:buFont typeface="Arial"/>
         <a:buChar char="•"/>
         <a:tabLst/>
-        <a:defRPr b="0" baseline="0" cap="none" i="0" spc="0" strike="noStrike" sz="1800" u="none">
+        <a:defRPr sz="1800" b="0" i="0" u="none" strike="noStrike" cap="none" spc="0" baseline="0">
           <a:solidFill>
             <a:schemeClr val="accent4"/>
           </a:solidFill>
@@ -3327,7 +3421,7 @@
         <a:buFont typeface="Arial"/>
         <a:buChar char="-"/>
         <a:tabLst/>
-        <a:defRPr b="0" baseline="0" cap="none" i="0" spc="0" strike="noStrike" sz="1800" u="none">
+        <a:defRPr sz="1800" b="0" i="0" u="none" strike="noStrike" cap="none" spc="0" baseline="0">
           <a:solidFill>
             <a:schemeClr val="accent4"/>
           </a:solidFill>
@@ -3355,7 +3449,7 @@
         <a:buFont typeface="Arial"/>
         <a:buChar char="-"/>
         <a:tabLst/>
-        <a:defRPr b="0" baseline="0" cap="none" i="0" spc="0" strike="noStrike" sz="1800" u="none">
+        <a:defRPr sz="1800" b="0" i="0" u="none" strike="noStrike" cap="none" spc="0" baseline="0">
           <a:solidFill>
             <a:schemeClr val="accent4"/>
           </a:solidFill>
@@ -3383,7 +3477,7 @@
         <a:buFont typeface="Arial"/>
         <a:buChar char="-"/>
         <a:tabLst/>
-        <a:defRPr b="0" baseline="0" cap="none" i="0" spc="0" strike="noStrike" sz="1800" u="none">
+        <a:defRPr sz="1800" b="0" i="0" u="none" strike="noStrike" cap="none" spc="0" baseline="0">
           <a:solidFill>
             <a:schemeClr val="accent4"/>
           </a:solidFill>
@@ -3411,7 +3505,7 @@
         <a:buFont typeface="Arial"/>
         <a:buChar char="-"/>
         <a:tabLst/>
-        <a:defRPr b="0" baseline="0" cap="none" i="0" spc="0" strike="noStrike" sz="1800" u="none">
+        <a:defRPr sz="1800" b="0" i="0" u="none" strike="noStrike" cap="none" spc="0" baseline="0">
           <a:solidFill>
             <a:schemeClr val="accent4"/>
           </a:solidFill>
@@ -3439,7 +3533,7 @@
         <a:buFont typeface="Arial"/>
         <a:buChar char="•"/>
         <a:tabLst/>
-        <a:defRPr b="0" baseline="0" cap="none" i="0" spc="0" strike="noStrike" sz="1800" u="none">
+        <a:defRPr sz="1800" b="0" i="0" u="none" strike="noStrike" cap="none" spc="0" baseline="0">
           <a:solidFill>
             <a:schemeClr val="accent4"/>
           </a:solidFill>
@@ -3467,7 +3561,7 @@
         <a:buFont typeface="Arial"/>
         <a:buChar char="•"/>
         <a:tabLst/>
-        <a:defRPr b="0" baseline="0" cap="none" i="0" spc="0" strike="noStrike" sz="1800" u="none">
+        <a:defRPr sz="1800" b="0" i="0" u="none" strike="noStrike" cap="none" spc="0" baseline="0">
           <a:solidFill>
             <a:schemeClr val="accent4"/>
           </a:solidFill>
@@ -3495,7 +3589,7 @@
         <a:buFont typeface="Arial"/>
         <a:buChar char="•"/>
         <a:tabLst/>
-        <a:defRPr b="0" baseline="0" cap="none" i="0" spc="0" strike="noStrike" sz="1800" u="none">
+        <a:defRPr sz="1800" b="0" i="0" u="none" strike="noStrike" cap="none" spc="0" baseline="0">
           <a:solidFill>
             <a:schemeClr val="accent4"/>
           </a:solidFill>
@@ -3523,7 +3617,7 @@
         <a:buFont typeface="Arial"/>
         <a:buChar char="•"/>
         <a:tabLst/>
-        <a:defRPr b="0" baseline="0" cap="none" i="0" spc="0" strike="noStrike" sz="1800" u="none">
+        <a:defRPr sz="1800" b="0" i="0" u="none" strike="noStrike" cap="none" spc="0" baseline="0">
           <a:solidFill>
             <a:schemeClr val="accent4"/>
           </a:solidFill>
@@ -3551,7 +3645,7 @@
         <a:buFontTx/>
         <a:buNone/>
         <a:tabLst/>
-        <a:defRPr b="0" baseline="0" cap="none" i="0" spc="0" strike="noStrike" sz="1200" u="none">
+        <a:defRPr sz="1200" b="0" i="0" u="none" strike="noStrike" cap="none" spc="0" baseline="0">
           <a:solidFill>
             <a:schemeClr val="tx1"/>
           </a:solidFill>
@@ -3577,7 +3671,7 @@
         <a:buFontTx/>
         <a:buNone/>
         <a:tabLst/>
-        <a:defRPr b="0" baseline="0" cap="none" i="0" spc="0" strike="noStrike" sz="1200" u="none">
+        <a:defRPr sz="1200" b="0" i="0" u="none" strike="noStrike" cap="none" spc="0" baseline="0">
           <a:solidFill>
             <a:schemeClr val="tx1"/>
           </a:solidFill>
@@ -3603,7 +3697,7 @@
         <a:buFontTx/>
         <a:buNone/>
         <a:tabLst/>
-        <a:defRPr b="0" baseline="0" cap="none" i="0" spc="0" strike="noStrike" sz="1200" u="none">
+        <a:defRPr sz="1200" b="0" i="0" u="none" strike="noStrike" cap="none" spc="0" baseline="0">
           <a:solidFill>
             <a:schemeClr val="tx1"/>
           </a:solidFill>
@@ -3629,7 +3723,7 @@
         <a:buFontTx/>
         <a:buNone/>
         <a:tabLst/>
-        <a:defRPr b="0" baseline="0" cap="none" i="0" spc="0" strike="noStrike" sz="1200" u="none">
+        <a:defRPr sz="1200" b="0" i="0" u="none" strike="noStrike" cap="none" spc="0" baseline="0">
           <a:solidFill>
             <a:schemeClr val="tx1"/>
           </a:solidFill>
@@ -3655,7 +3749,7 @@
         <a:buFontTx/>
         <a:buNone/>
         <a:tabLst/>
-        <a:defRPr b="0" baseline="0" cap="none" i="0" spc="0" strike="noStrike" sz="1200" u="none">
+        <a:defRPr sz="1200" b="0" i="0" u="none" strike="noStrike" cap="none" spc="0" baseline="0">
           <a:solidFill>
             <a:schemeClr val="tx1"/>
           </a:solidFill>
@@ -3681,7 +3775,7 @@
         <a:buFontTx/>
         <a:buNone/>
         <a:tabLst/>
-        <a:defRPr b="0" baseline="0" cap="none" i="0" spc="0" strike="noStrike" sz="1200" u="none">
+        <a:defRPr sz="1200" b="0" i="0" u="none" strike="noStrike" cap="none" spc="0" baseline="0">
           <a:solidFill>
             <a:schemeClr val="tx1"/>
           </a:solidFill>
@@ -3707,7 +3801,7 @@
         <a:buFontTx/>
         <a:buNone/>
         <a:tabLst/>
-        <a:defRPr b="0" baseline="0" cap="none" i="0" spc="0" strike="noStrike" sz="1200" u="none">
+        <a:defRPr sz="1200" b="0" i="0" u="none" strike="noStrike" cap="none" spc="0" baseline="0">
           <a:solidFill>
             <a:schemeClr val="tx1"/>
           </a:solidFill>
@@ -3733,7 +3827,7 @@
         <a:buFontTx/>
         <a:buNone/>
         <a:tabLst/>
-        <a:defRPr b="0" baseline="0" cap="none" i="0" spc="0" strike="noStrike" sz="1200" u="none">
+        <a:defRPr sz="1200" b="0" i="0" u="none" strike="noStrike" cap="none" spc="0" baseline="0">
           <a:solidFill>
             <a:schemeClr val="tx1"/>
           </a:solidFill>
@@ -3759,7 +3853,7 @@
         <a:buFontTx/>
         <a:buNone/>
         <a:tabLst/>
-        <a:defRPr b="0" baseline="0" cap="none" i="0" spc="0" strike="noStrike" sz="1200" u="none">
+        <a:defRPr sz="1200" b="0" i="0" u="none" strike="noStrike" cap="none" spc="0" baseline="0">
           <a:solidFill>
             <a:schemeClr val="tx1"/>
           </a:solidFill>
@@ -3776,7 +3870,7 @@
 </file>
 
 <file path=ppt/slides/slide1.xml><?xml version="1.0" encoding="utf-8"?>
-<p:sld xmlns:a="http://schemas.openxmlformats.org/drawingml/2006/main" xmlns:r="http://schemas.openxmlformats.org/officeDocument/2006/relationships" xmlns:p="http://schemas.openxmlformats.org/presentationml/2006/main" xmlns:m="http://schemas.openxmlformats.org/officeDocument/2006/math" xmlns:a14="http://schemas.microsoft.com/office/drawing/2010/main" showMasterSp="1" showMasterPhAnim="1">
+<p:sld xmlns:a="http://schemas.openxmlformats.org/drawingml/2006/main" xmlns:r="http://schemas.openxmlformats.org/officeDocument/2006/relationships" xmlns:p="http://schemas.openxmlformats.org/presentationml/2006/main">
   <p:cSld>
     <p:spTree>
       <p:nvGrpSpPr>
@@ -3795,7 +3889,9 @@
       <p:sp>
         <p:nvSpPr>
           <p:cNvPr id="126" name="Presentation Title"/>
-          <p:cNvSpPr txBox="1"/>
+          <p:cNvSpPr txBox="1">
+            <a:spLocks noGrp="1"/>
+          </p:cNvSpPr>
           <p:nvPr>
             <p:ph type="title"/>
           </p:nvPr>
@@ -3813,7 +3909,6 @@
           <a:bodyPr/>
           <a:lstStyle/>
           <a:p>
-            <a:pPr/>
             <a:r>
               <a:t>EAS508 Project 2</a:t>
             </a:r>
@@ -3823,7 +3918,9 @@
       <p:sp>
         <p:nvSpPr>
           <p:cNvPr id="127" name="Sub-topic"/>
-          <p:cNvSpPr txBox="1"/>
+          <p:cNvSpPr txBox="1">
+            <a:spLocks noGrp="1"/>
+          </p:cNvSpPr>
           <p:nvPr>
             <p:ph type="body" sz="quarter" idx="1"/>
           </p:nvPr>
@@ -3841,7 +3938,6 @@
           <a:bodyPr/>
           <a:lstStyle/>
           <a:p>
-            <a:pPr/>
             <a:r>
               <a:t>Minimizing Test Misclassification Rate</a:t>
             </a:r>
@@ -3867,13 +3963,13 @@
           </a:ln>
           <a:extLst>
             <a:ext uri="{C572A759-6A51-4108-AA02-DFA0A04FC94B}">
-              <ma14:wrappingTextBoxFlag xmlns:ma14="http://schemas.microsoft.com/office/mac/drawingml/2011/main" val="1"/>
+              <ma14:wrappingTextBoxFlag xmlns:ma14="http://schemas.microsoft.com/office/mac/drawingml/2011/main" xmlns:a14="http://schemas.microsoft.com/office/drawing/2010/main" xmlns:m="http://schemas.openxmlformats.org/officeDocument/2006/math" xmlns="" val="1"/>
             </a:ext>
           </a:extLst>
         </p:spPr>
         <p:txBody>
           <a:bodyPr lIns="0" tIns="0" rIns="0" bIns="0">
-            <a:normAutofit fontScale="100000" lnSpcReduction="0"/>
+            <a:normAutofit/>
           </a:bodyPr>
           <a:lstStyle>
             <a:lvl1pPr defTabSz="630936">
@@ -3895,7 +3991,6 @@
             </a:lvl1pPr>
           </a:lstStyle>
           <a:p>
-            <a:pPr/>
             <a:r>
               <a:t>Nicholas Cruz, Sean Grzenda, Priya Patil</a:t>
             </a:r>
@@ -3907,12 +4002,259 @@
   <p:clrMapOvr>
     <a:masterClrMapping/>
   </p:clrMapOvr>
-  <p:transition xmlns:p14="http://schemas.microsoft.com/office/powerpoint/2010/main" spd="med" advClick="1"/>
+  <p:transition spd="med"/>
 </p:sld>
 </file>
 
 <file path=ppt/slides/slide10.xml><?xml version="1.0" encoding="utf-8"?>
-<p:sld xmlns:a="http://schemas.openxmlformats.org/drawingml/2006/main" xmlns:r="http://schemas.openxmlformats.org/officeDocument/2006/relationships" xmlns:p="http://schemas.openxmlformats.org/presentationml/2006/main" xmlns:m="http://schemas.openxmlformats.org/officeDocument/2006/math" xmlns:a14="http://schemas.microsoft.com/office/drawing/2010/main" showMasterSp="1" showMasterPhAnim="1">
+<p:sld xmlns:a="http://schemas.openxmlformats.org/drawingml/2006/main" xmlns:r="http://schemas.openxmlformats.org/officeDocument/2006/relationships" xmlns:p="http://schemas.openxmlformats.org/presentationml/2006/main">
+  <p:cSld>
+    <p:spTree>
+      <p:nvGrpSpPr>
+        <p:cNvPr id="1" name=""/>
+        <p:cNvGrpSpPr/>
+        <p:nvPr/>
+      </p:nvGrpSpPr>
+      <p:grpSpPr>
+        <a:xfrm>
+          <a:off x="0" y="0"/>
+          <a:ext cx="0" cy="0"/>
+          <a:chOff x="0" y="0"/>
+          <a:chExt cx="0" cy="0"/>
+        </a:xfrm>
+      </p:grpSpPr>
+      <p:sp>
+        <p:nvSpPr>
+          <p:cNvPr id="160" name="Title 1"/>
+          <p:cNvSpPr txBox="1">
+            <a:spLocks noGrp="1"/>
+          </p:cNvSpPr>
+          <p:nvPr>
+            <p:ph type="title"/>
+          </p:nvPr>
+        </p:nvSpPr>
+        <p:spPr>
+          <a:xfrm>
+            <a:off x="566927" y="1499616"/>
+            <a:ext cx="10515601" cy="590932"/>
+          </a:xfrm>
+          <a:prstGeom prst="rect">
+            <a:avLst/>
+          </a:prstGeom>
+        </p:spPr>
+        <p:txBody>
+          <a:bodyPr/>
+          <a:lstStyle>
+            <a:lvl1pPr defTabSz="896111">
+              <a:defRPr sz="3528"/>
+            </a:lvl1pPr>
+          </a:lstStyle>
+          <a:p>
+            <a:r>
+              <a:t>Full-width Photo</a:t>
+            </a:r>
+          </a:p>
+        </p:txBody>
+      </p:sp>
+      <p:pic>
+        <p:nvPicPr>
+          <p:cNvPr id="161" name="Picture Placeholder 2" descr="Picture Placeholder 2"/>
+          <p:cNvPicPr>
+            <a:picLocks noGrp="1" noChangeAspect="1"/>
+          </p:cNvPicPr>
+          <p:nvPr>
+            <p:ph type="pic" idx="13"/>
+          </p:nvPr>
+        </p:nvPicPr>
+        <p:blipFill>
+          <a:blip r:embed="rId2"/>
+          <a:stretch>
+            <a:fillRect/>
+          </a:stretch>
+        </p:blipFill>
+        <p:spPr>
+          <a:xfrm>
+            <a:off x="0" y="932329"/>
+            <a:ext cx="12192000" cy="5925671"/>
+          </a:xfrm>
+          <a:prstGeom prst="rect">
+            <a:avLst/>
+          </a:prstGeom>
+        </p:spPr>
+      </p:pic>
+      <p:pic>
+        <p:nvPicPr>
+          <p:cNvPr id="162" name="Screen Shot 2023-12-04 at 4.00.33 PM.png" descr="Screen Shot 2023-12-04 at 4.00.33 PM.png"/>
+          <p:cNvPicPr>
+            <a:picLocks noChangeAspect="1"/>
+          </p:cNvPicPr>
+          <p:nvPr/>
+        </p:nvPicPr>
+        <p:blipFill>
+          <a:blip r:embed="rId3"/>
+          <a:stretch>
+            <a:fillRect/>
+          </a:stretch>
+        </p:blipFill>
+        <p:spPr>
+          <a:xfrm>
+            <a:off x="305643" y="4036219"/>
+            <a:ext cx="3652331" cy="2344034"/>
+          </a:xfrm>
+          <a:prstGeom prst="rect">
+            <a:avLst/>
+          </a:prstGeom>
+          <a:ln w="12700">
+            <a:miter lim="400000"/>
+          </a:ln>
+        </p:spPr>
+      </p:pic>
+      <p:pic>
+        <p:nvPicPr>
+          <p:cNvPr id="163" name="Screen Shot 2023-12-04 at 4.00.26 PM.png" descr="Screen Shot 2023-12-04 at 4.00.26 PM.png"/>
+          <p:cNvPicPr>
+            <a:picLocks noChangeAspect="1"/>
+          </p:cNvPicPr>
+          <p:nvPr/>
+        </p:nvPicPr>
+        <p:blipFill>
+          <a:blip r:embed="rId4"/>
+          <a:stretch>
+            <a:fillRect/>
+          </a:stretch>
+        </p:blipFill>
+        <p:spPr>
+          <a:xfrm>
+            <a:off x="4236629" y="4036219"/>
+            <a:ext cx="3771813" cy="2344034"/>
+          </a:xfrm>
+          <a:prstGeom prst="rect">
+            <a:avLst/>
+          </a:prstGeom>
+          <a:ln w="12700">
+            <a:miter lim="400000"/>
+          </a:ln>
+        </p:spPr>
+      </p:pic>
+      <p:pic>
+        <p:nvPicPr>
+          <p:cNvPr id="164" name="Screen Shot 2023-12-04 at 4.00.14 PM.png" descr="Screen Shot 2023-12-04 at 4.00.14 PM.png"/>
+          <p:cNvPicPr>
+            <a:picLocks noChangeAspect="1"/>
+          </p:cNvPicPr>
+          <p:nvPr/>
+        </p:nvPicPr>
+        <p:blipFill>
+          <a:blip r:embed="rId5"/>
+          <a:stretch>
+            <a:fillRect/>
+          </a:stretch>
+        </p:blipFill>
+        <p:spPr>
+          <a:xfrm>
+            <a:off x="8287097" y="4040757"/>
+            <a:ext cx="3618374" cy="2334957"/>
+          </a:xfrm>
+          <a:prstGeom prst="rect">
+            <a:avLst/>
+          </a:prstGeom>
+          <a:ln w="12700">
+            <a:miter lim="400000"/>
+          </a:ln>
+        </p:spPr>
+      </p:pic>
+      <p:pic>
+        <p:nvPicPr>
+          <p:cNvPr id="165" name="Screen Shot 2023-12-04 at 4.00.06 PM.png" descr="Screen Shot 2023-12-04 at 4.00.06 PM.png"/>
+          <p:cNvPicPr>
+            <a:picLocks noChangeAspect="1"/>
+          </p:cNvPicPr>
+          <p:nvPr/>
+        </p:nvPicPr>
+        <p:blipFill>
+          <a:blip r:embed="rId6"/>
+          <a:stretch>
+            <a:fillRect/>
+          </a:stretch>
+        </p:blipFill>
+        <p:spPr>
+          <a:xfrm>
+            <a:off x="8241447" y="1189219"/>
+            <a:ext cx="3690559" cy="2334957"/>
+          </a:xfrm>
+          <a:prstGeom prst="rect">
+            <a:avLst/>
+          </a:prstGeom>
+          <a:ln w="12700">
+            <a:miter lim="400000"/>
+          </a:ln>
+        </p:spPr>
+      </p:pic>
+      <p:pic>
+        <p:nvPicPr>
+          <p:cNvPr id="166" name="Screen Shot 2023-12-04 at 3.59.58 PM.png" descr="Screen Shot 2023-12-04 at 3.59.58 PM.png"/>
+          <p:cNvPicPr>
+            <a:picLocks noChangeAspect="1"/>
+          </p:cNvPicPr>
+          <p:nvPr/>
+        </p:nvPicPr>
+        <p:blipFill>
+          <a:blip r:embed="rId7"/>
+          <a:stretch>
+            <a:fillRect/>
+          </a:stretch>
+        </p:blipFill>
+        <p:spPr>
+          <a:xfrm>
+            <a:off x="4294359" y="1201204"/>
+            <a:ext cx="3584168" cy="2310986"/>
+          </a:xfrm>
+          <a:prstGeom prst="rect">
+            <a:avLst/>
+          </a:prstGeom>
+          <a:ln w="12700">
+            <a:miter lim="400000"/>
+          </a:ln>
+        </p:spPr>
+      </p:pic>
+      <p:pic>
+        <p:nvPicPr>
+          <p:cNvPr id="167" name="Screen Shot 2023-12-04 at 3.59.38 PM.png" descr="Screen Shot 2023-12-04 at 3.59.38 PM.png"/>
+          <p:cNvPicPr>
+            <a:picLocks noChangeAspect="1"/>
+          </p:cNvPicPr>
+          <p:nvPr/>
+        </p:nvPicPr>
+        <p:blipFill>
+          <a:blip r:embed="rId8"/>
+          <a:stretch>
+            <a:fillRect/>
+          </a:stretch>
+        </p:blipFill>
+        <p:spPr>
+          <a:xfrm>
+            <a:off x="313065" y="1201204"/>
+            <a:ext cx="3618374" cy="2310986"/>
+          </a:xfrm>
+          <a:prstGeom prst="rect">
+            <a:avLst/>
+          </a:prstGeom>
+          <a:ln w="12700">
+            <a:miter lim="400000"/>
+          </a:ln>
+        </p:spPr>
+      </p:pic>
+    </p:spTree>
+  </p:cSld>
+  <p:clrMapOvr>
+    <a:masterClrMapping/>
+  </p:clrMapOvr>
+  <p:transition spd="med"/>
+</p:sld>
+</file>
+
+<file path=ppt/slides/slide11.xml><?xml version="1.0" encoding="utf-8"?>
+<p:sld xmlns:a="http://schemas.openxmlformats.org/drawingml/2006/main" xmlns:r="http://schemas.openxmlformats.org/officeDocument/2006/relationships" xmlns:p="http://schemas.openxmlformats.org/presentationml/2006/main">
   <p:cSld>
     <p:spTree>
       <p:nvGrpSpPr>
@@ -3947,7 +4289,7 @@
           </a:ln>
           <a:extLst>
             <a:ext uri="{C572A759-6A51-4108-AA02-DFA0A04FC94B}">
-              <ma14:wrappingTextBoxFlag xmlns:ma14="http://schemas.microsoft.com/office/mac/drawingml/2011/main" val="1"/>
+              <ma14:wrappingTextBoxFlag xmlns:ma14="http://schemas.microsoft.com/office/mac/drawingml/2011/main" xmlns:a14="http://schemas.microsoft.com/office/drawing/2010/main" xmlns:m="http://schemas.openxmlformats.org/officeDocument/2006/math" xmlns="" val="1"/>
             </a:ext>
           </a:extLst>
         </p:spPr>
@@ -3957,11 +4299,10 @@
           </a:bodyPr>
           <a:lstStyle>
             <a:lvl1pPr algn="r">
-              <a:defRPr b="1" sz="1600"/>
+              <a:defRPr sz="1600" b="1"/>
             </a:lvl1pPr>
           </a:lstStyle>
           <a:p>
-            <a:pPr/>
             <a:r>
               <a:t>3</a:t>
             </a:r>
@@ -3971,7 +4312,9 @@
       <p:sp>
         <p:nvSpPr>
           <p:cNvPr id="170" name="Slide Title"/>
-          <p:cNvSpPr txBox="1"/>
+          <p:cNvSpPr txBox="1">
+            <a:spLocks noGrp="1"/>
+          </p:cNvSpPr>
           <p:nvPr>
             <p:ph type="title"/>
           </p:nvPr>
@@ -3993,7 +4336,6 @@
             </a:lvl1pPr>
           </a:lstStyle>
           <a:p>
-            <a:pPr/>
             <a:r>
               <a:t>Title and Content Slide</a:t>
             </a:r>
@@ -4003,7 +4345,9 @@
       <p:sp>
         <p:nvSpPr>
           <p:cNvPr id="171" name="Slide Text"/>
-          <p:cNvSpPr txBox="1"/>
+          <p:cNvSpPr txBox="1">
+            <a:spLocks noGrp="1"/>
+          </p:cNvSpPr>
           <p:nvPr>
             <p:ph type="body" sz="half" idx="1"/>
           </p:nvPr>
@@ -4038,7 +4382,7 @@
                     <a:schemeClr val="accent1"/>
                   </a:solidFill>
                 </a:uFill>
-                <a:hlinkClick r:id="rId2" invalidUrl="" action="" tgtFrame="" tooltip="" history="1" highlightClick="0" endSnd="0"/>
+                <a:hlinkClick r:id="rId2"/>
               </a:rPr>
               <a:t>ad litora torquent</a:t>
             </a:r>
@@ -4067,7 +4411,7 @@
           </a:ln>
           <a:extLst>
             <a:ext uri="{C572A759-6A51-4108-AA02-DFA0A04FC94B}">
-              <ma14:wrappingTextBoxFlag xmlns:ma14="http://schemas.microsoft.com/office/mac/drawingml/2011/main" val="1"/>
+              <ma14:wrappingTextBoxFlag xmlns:ma14="http://schemas.microsoft.com/office/mac/drawingml/2011/main" xmlns:a14="http://schemas.microsoft.com/office/drawing/2010/main" xmlns:m="http://schemas.openxmlformats.org/officeDocument/2006/math" xmlns="" val="1"/>
             </a:ext>
           </a:extLst>
         </p:spPr>
@@ -4078,7 +4422,7 @@
           <a:lstStyle/>
           <a:p>
             <a:pPr>
-              <a:defRPr b="1" sz="1600">
+              <a:defRPr sz="1600" b="1">
                 <a:solidFill>
                   <a:schemeClr val="accent1"/>
                 </a:solidFill>
@@ -4125,7 +4469,7 @@
             </a:cxnLst>
             <a:rect l="0" t="0" r="r" b="b"/>
             <a:pathLst>
-              <a:path w="21600" h="21600" fill="norm" stroke="1" extrusionOk="0">
+              <a:path w="21600" h="21600" extrusionOk="0">
                 <a:moveTo>
                   <a:pt x="0" y="0"/>
                 </a:moveTo>
@@ -4157,6 +4501,7 @@
           <a:lstStyle/>
           <a:p>
             <a:pPr algn="ctr"/>
+            <a:endParaRPr/>
           </a:p>
         </p:txBody>
       </p:sp>
@@ -4165,12 +4510,12 @@
   <p:clrMapOvr>
     <a:masterClrMapping/>
   </p:clrMapOvr>
-  <p:transition xmlns:p14="http://schemas.microsoft.com/office/powerpoint/2010/main" spd="med" advClick="1"/>
+  <p:transition spd="med"/>
 </p:sld>
 </file>
 
-<file path=ppt/slides/slide11.xml><?xml version="1.0" encoding="utf-8"?>
-<p:sld xmlns:a="http://schemas.openxmlformats.org/drawingml/2006/main" xmlns:r="http://schemas.openxmlformats.org/officeDocument/2006/relationships" xmlns:p="http://schemas.openxmlformats.org/presentationml/2006/main" xmlns:m="http://schemas.openxmlformats.org/officeDocument/2006/math" xmlns:a14="http://schemas.microsoft.com/office/drawing/2010/main" showMasterSp="1" showMasterPhAnim="1">
+<file path=ppt/slides/slide12.xml><?xml version="1.0" encoding="utf-8"?>
+<p:sld xmlns:a="http://schemas.openxmlformats.org/drawingml/2006/main" xmlns:r="http://schemas.openxmlformats.org/officeDocument/2006/relationships" xmlns:p="http://schemas.openxmlformats.org/presentationml/2006/main">
   <p:cSld>
     <p:spTree>
       <p:nvGrpSpPr>
@@ -4205,7 +4550,7 @@
           </a:ln>
           <a:extLst>
             <a:ext uri="{C572A759-6A51-4108-AA02-DFA0A04FC94B}">
-              <ma14:wrappingTextBoxFlag xmlns:ma14="http://schemas.microsoft.com/office/mac/drawingml/2011/main" val="1"/>
+              <ma14:wrappingTextBoxFlag xmlns:ma14="http://schemas.microsoft.com/office/mac/drawingml/2011/main" xmlns:a14="http://schemas.microsoft.com/office/drawing/2010/main" xmlns:m="http://schemas.openxmlformats.org/officeDocument/2006/math" xmlns="" val="1"/>
             </a:ext>
           </a:extLst>
         </p:spPr>
@@ -4215,11 +4560,10 @@
           </a:bodyPr>
           <a:lstStyle>
             <a:lvl1pPr algn="r">
-              <a:defRPr b="1" sz="1600"/>
+              <a:defRPr sz="1600" b="1"/>
             </a:lvl1pPr>
           </a:lstStyle>
           <a:p>
-            <a:pPr/>
             <a:r>
               <a:t>4</a:t>
             </a:r>
@@ -4229,7 +4573,9 @@
       <p:sp>
         <p:nvSpPr>
           <p:cNvPr id="176" name="Slide Title"/>
-          <p:cNvSpPr txBox="1"/>
+          <p:cNvSpPr txBox="1">
+            <a:spLocks noGrp="1"/>
+          </p:cNvSpPr>
           <p:nvPr>
             <p:ph type="title"/>
           </p:nvPr>
@@ -4251,7 +4597,6 @@
             </a:lvl1pPr>
           </a:lstStyle>
           <a:p>
-            <a:pPr/>
             <a:r>
               <a:t>Double Content Slide</a:t>
             </a:r>
@@ -4261,7 +4606,9 @@
       <p:sp>
         <p:nvSpPr>
           <p:cNvPr id="177" name="Side Text - Column 1"/>
-          <p:cNvSpPr txBox="1"/>
+          <p:cNvSpPr txBox="1">
+            <a:spLocks noGrp="1"/>
+          </p:cNvSpPr>
           <p:nvPr>
             <p:ph type="body" sz="half" idx="1"/>
           </p:nvPr>
@@ -4284,7 +4631,6 @@
             </a:lvl1pPr>
           </a:lstStyle>
           <a:p>
-            <a:pPr/>
             <a:r>
               <a:t>Lorem ipsum and dolor sit amet, punit et consectetur adipiscing elit. A mauris and vehicula dui in neque dignissim, in nisl varius. Sed and erat ut magna vulputate feugiat. Quisque varius et placerat erat lobortis congue. Integer a arcu vel aante bibendum scelerisque. aliquet vulputate feugiat. Quisque varius.</a:t>
             </a:r>
@@ -4310,13 +4656,13 @@
           </a:ln>
           <a:extLst>
             <a:ext uri="{C572A759-6A51-4108-AA02-DFA0A04FC94B}">
-              <ma14:wrappingTextBoxFlag xmlns:ma14="http://schemas.microsoft.com/office/mac/drawingml/2011/main" val="1"/>
+              <ma14:wrappingTextBoxFlag xmlns:ma14="http://schemas.microsoft.com/office/mac/drawingml/2011/main" xmlns:a14="http://schemas.microsoft.com/office/drawing/2010/main" xmlns:m="http://schemas.openxmlformats.org/officeDocument/2006/math" xmlns="" val="1"/>
             </a:ext>
           </a:extLst>
         </p:spPr>
         <p:txBody>
           <a:bodyPr lIns="45719" rIns="45719">
-            <a:normAutofit fontScale="100000" lnSpcReduction="0"/>
+            <a:normAutofit/>
           </a:bodyPr>
           <a:lstStyle>
             <a:lvl1pPr>
@@ -4329,7 +4675,6 @@
             </a:lvl1pPr>
           </a:lstStyle>
           <a:p>
-            <a:pPr/>
             <a:r>
               <a:t>Etiam molestie velit vitae dolor and a euismod, sit amet finibus risus mattis. In ornare convallis velit vitae cursus. Integer egestas sit amet mi vehicula sollicitudin. Pellentesque habitant malesuada fames ac libero et turpis.</a:t>
             </a:r>
@@ -4341,12 +4686,12 @@
   <p:clrMapOvr>
     <a:masterClrMapping/>
   </p:clrMapOvr>
-  <p:transition xmlns:p14="http://schemas.microsoft.com/office/powerpoint/2010/main" spd="med" advClick="1"/>
+  <p:transition spd="med"/>
 </p:sld>
 </file>
 
-<file path=ppt/slides/slide12.xml><?xml version="1.0" encoding="utf-8"?>
-<p:sld xmlns:a="http://schemas.openxmlformats.org/drawingml/2006/main" xmlns:r="http://schemas.openxmlformats.org/officeDocument/2006/relationships" xmlns:p="http://schemas.openxmlformats.org/presentationml/2006/main" xmlns:m="http://schemas.openxmlformats.org/officeDocument/2006/math" xmlns:a14="http://schemas.microsoft.com/office/drawing/2010/main" showMasterSp="1" showMasterPhAnim="1">
+<file path=ppt/slides/slide13.xml><?xml version="1.0" encoding="utf-8"?>
+<p:sld xmlns:a="http://schemas.openxmlformats.org/drawingml/2006/main" xmlns:r="http://schemas.openxmlformats.org/officeDocument/2006/relationships" xmlns:p="http://schemas.openxmlformats.org/presentationml/2006/main">
   <p:cSld>
     <p:spTree>
       <p:nvGrpSpPr>
@@ -4365,7 +4710,9 @@
       <p:sp>
         <p:nvSpPr>
           <p:cNvPr id="180" name="Sub-topic"/>
-          <p:cNvSpPr txBox="1"/>
+          <p:cNvSpPr txBox="1">
+            <a:spLocks noGrp="1"/>
+          </p:cNvSpPr>
           <p:nvPr>
             <p:ph type="title"/>
           </p:nvPr>
@@ -4383,7 +4730,6 @@
           <a:bodyPr/>
           <a:lstStyle/>
           <a:p>
-            <a:pPr/>
             <a:r>
               <a:t>Divider Slide Title</a:t>
             </a:r>
@@ -4393,7 +4739,9 @@
       <p:sp>
         <p:nvSpPr>
           <p:cNvPr id="181" name="Section Divider Title"/>
-          <p:cNvSpPr txBox="1"/>
+          <p:cNvSpPr txBox="1">
+            <a:spLocks noGrp="1"/>
+          </p:cNvSpPr>
           <p:nvPr>
             <p:ph type="body" sz="quarter" idx="1"/>
           </p:nvPr>
@@ -4411,7 +4759,6 @@
           <a:bodyPr/>
           <a:lstStyle/>
           <a:p>
-            <a:pPr/>
             <a:r>
               <a:t>Sub-topic</a:t>
             </a:r>
@@ -4423,12 +4770,12 @@
   <p:clrMapOvr>
     <a:masterClrMapping/>
   </p:clrMapOvr>
-  <p:transition xmlns:p14="http://schemas.microsoft.com/office/powerpoint/2010/main" spd="med" advClick="1"/>
+  <p:transition spd="med"/>
 </p:sld>
 </file>
 
-<file path=ppt/slides/slide13.xml><?xml version="1.0" encoding="utf-8"?>
-<p:sld xmlns:a="http://schemas.openxmlformats.org/drawingml/2006/main" xmlns:r="http://schemas.openxmlformats.org/officeDocument/2006/relationships" xmlns:p="http://schemas.openxmlformats.org/presentationml/2006/main" xmlns:m="http://schemas.openxmlformats.org/officeDocument/2006/math" xmlns:a14="http://schemas.microsoft.com/office/drawing/2010/main" showMasterSp="1" showMasterPhAnim="1">
+<file path=ppt/slides/slide14.xml><?xml version="1.0" encoding="utf-8"?>
+<p:sld xmlns:a="http://schemas.openxmlformats.org/drawingml/2006/main" xmlns:r="http://schemas.openxmlformats.org/officeDocument/2006/relationships" xmlns:p="http://schemas.openxmlformats.org/presentationml/2006/main">
   <p:cSld>
     <p:spTree>
       <p:nvGrpSpPr>
@@ -4463,7 +4810,7 @@
           </a:ln>
           <a:extLst>
             <a:ext uri="{C572A759-6A51-4108-AA02-DFA0A04FC94B}">
-              <ma14:wrappingTextBoxFlag xmlns:ma14="http://schemas.microsoft.com/office/mac/drawingml/2011/main" val="1"/>
+              <ma14:wrappingTextBoxFlag xmlns:ma14="http://schemas.microsoft.com/office/mac/drawingml/2011/main" xmlns:a14="http://schemas.microsoft.com/office/drawing/2010/main" xmlns:m="http://schemas.openxmlformats.org/officeDocument/2006/math" xmlns="" val="1"/>
             </a:ext>
           </a:extLst>
         </p:spPr>
@@ -4473,11 +4820,10 @@
           </a:bodyPr>
           <a:lstStyle>
             <a:lvl1pPr algn="r">
-              <a:defRPr b="1" sz="1600"/>
+              <a:defRPr sz="1600" b="1"/>
             </a:lvl1pPr>
           </a:lstStyle>
           <a:p>
-            <a:pPr/>
             <a:r>
               <a:t>5</a:t>
             </a:r>
@@ -4487,7 +4833,9 @@
       <p:sp>
         <p:nvSpPr>
           <p:cNvPr id="184" name="Slide Title"/>
-          <p:cNvSpPr txBox="1"/>
+          <p:cNvSpPr txBox="1">
+            <a:spLocks noGrp="1"/>
+          </p:cNvSpPr>
           <p:nvPr>
             <p:ph type="title"/>
           </p:nvPr>
@@ -4509,7 +4857,6 @@
             </a:lvl1pPr>
           </a:lstStyle>
           <a:p>
-            <a:pPr/>
             <a:r>
               <a:t>Bulleted List Slide</a:t>
             </a:r>
@@ -4519,7 +4866,9 @@
       <p:sp>
         <p:nvSpPr>
           <p:cNvPr id="185" name="Slide Text"/>
-          <p:cNvSpPr txBox="1"/>
+          <p:cNvSpPr txBox="1">
+            <a:spLocks noGrp="1"/>
+          </p:cNvSpPr>
           <p:nvPr>
             <p:ph type="body" sz="half" idx="1"/>
           </p:nvPr>
@@ -4537,43 +4886,36 @@
           <a:bodyPr/>
           <a:lstStyle/>
           <a:p>
-            <a:pPr/>
             <a:r>
               <a:t>Lorem ipsum dolor sit amet, consectetur adipiscing elit.</a:t>
             </a:r>
           </a:p>
           <a:p>
-            <a:pPr/>
             <a:r>
               <a:t>Quisque ac orci in turpis dapibus sagittis.</a:t>
             </a:r>
           </a:p>
           <a:p>
-            <a:pPr/>
             <a:r>
               <a:t>Donec vitae justo et neque mollis consectetur.</a:t>
             </a:r>
           </a:p>
           <a:p>
-            <a:pPr/>
             <a:r>
               <a:t>Etiam aliquet ex sed bibendum consequat.</a:t>
             </a:r>
           </a:p>
           <a:p>
-            <a:pPr/>
             <a:r>
               <a:t>Cras lacinia est ac elit dignissim varius.</a:t>
             </a:r>
           </a:p>
           <a:p>
-            <a:pPr/>
             <a:r>
               <a:t>Duis sit amet odio facilisis turpis sodales placerat.</a:t>
             </a:r>
           </a:p>
           <a:p>
-            <a:pPr/>
             <a:r>
               <a:t>Justo et neque odio facilisis turpis sodales placerat.</a:t>
             </a:r>
@@ -4585,12 +4927,12 @@
   <p:clrMapOvr>
     <a:masterClrMapping/>
   </p:clrMapOvr>
-  <p:transition xmlns:p14="http://schemas.microsoft.com/office/powerpoint/2010/main" spd="med" advClick="1"/>
+  <p:transition spd="med"/>
 </p:sld>
 </file>
 
-<file path=ppt/slides/slide14.xml><?xml version="1.0" encoding="utf-8"?>
-<p:sld xmlns:a="http://schemas.openxmlformats.org/drawingml/2006/main" xmlns:r="http://schemas.openxmlformats.org/officeDocument/2006/relationships" xmlns:p="http://schemas.openxmlformats.org/presentationml/2006/main" xmlns:m="http://schemas.openxmlformats.org/officeDocument/2006/math" xmlns:a14="http://schemas.microsoft.com/office/drawing/2010/main" showMasterSp="1" showMasterPhAnim="1">
+<file path=ppt/slides/slide15.xml><?xml version="1.0" encoding="utf-8"?>
+<p:sld xmlns:a="http://schemas.openxmlformats.org/drawingml/2006/main" xmlns:r="http://schemas.openxmlformats.org/officeDocument/2006/relationships" xmlns:p="http://schemas.openxmlformats.org/presentationml/2006/main">
   <p:cSld>
     <p:spTree>
       <p:nvGrpSpPr>
@@ -4625,7 +4967,7 @@
           </a:ln>
           <a:extLst>
             <a:ext uri="{C572A759-6A51-4108-AA02-DFA0A04FC94B}">
-              <ma14:wrappingTextBoxFlag xmlns:ma14="http://schemas.microsoft.com/office/mac/drawingml/2011/main" val="1"/>
+              <ma14:wrappingTextBoxFlag xmlns:ma14="http://schemas.microsoft.com/office/mac/drawingml/2011/main" xmlns:a14="http://schemas.microsoft.com/office/drawing/2010/main" xmlns:m="http://schemas.openxmlformats.org/officeDocument/2006/math" xmlns="" val="1"/>
             </a:ext>
           </a:extLst>
         </p:spPr>
@@ -4635,11 +4977,10 @@
           </a:bodyPr>
           <a:lstStyle>
             <a:lvl1pPr algn="r">
-              <a:defRPr b="1" sz="1600"/>
+              <a:defRPr sz="1600" b="1"/>
             </a:lvl1pPr>
           </a:lstStyle>
           <a:p>
-            <a:pPr/>
             <a:r>
               <a:t>6</a:t>
             </a:r>
@@ -4649,7 +4990,9 @@
       <p:sp>
         <p:nvSpPr>
           <p:cNvPr id="188" name="Slide Title"/>
-          <p:cNvSpPr txBox="1"/>
+          <p:cNvSpPr txBox="1">
+            <a:spLocks noGrp="1"/>
+          </p:cNvSpPr>
           <p:nvPr>
             <p:ph type="title"/>
           </p:nvPr>
@@ -4671,7 +5014,6 @@
             </a:lvl1pPr>
           </a:lstStyle>
           <a:p>
-            <a:pPr/>
             <a:r>
               <a:t>Comparison Slide</a:t>
             </a:r>
@@ -4681,7 +5023,9 @@
       <p:sp>
         <p:nvSpPr>
           <p:cNvPr id="189" name="Compare Section"/>
-          <p:cNvSpPr txBox="1"/>
+          <p:cNvSpPr txBox="1">
+            <a:spLocks noGrp="1"/>
+          </p:cNvSpPr>
           <p:nvPr>
             <p:ph type="body" sz="quarter" idx="1"/>
           </p:nvPr>
@@ -4699,7 +5043,6 @@
           <a:bodyPr/>
           <a:lstStyle/>
           <a:p>
-            <a:pPr/>
             <a:r>
               <a:t>Compare Section</a:t>
             </a:r>
@@ -4725,13 +5068,13 @@
           </a:ln>
           <a:extLst>
             <a:ext uri="{C572A759-6A51-4108-AA02-DFA0A04FC94B}">
-              <ma14:wrappingTextBoxFlag xmlns:ma14="http://schemas.microsoft.com/office/mac/drawingml/2011/main" val="1"/>
+              <ma14:wrappingTextBoxFlag xmlns:ma14="http://schemas.microsoft.com/office/mac/drawingml/2011/main" xmlns:a14="http://schemas.microsoft.com/office/drawing/2010/main" xmlns:m="http://schemas.openxmlformats.org/officeDocument/2006/math" xmlns="" val="1"/>
             </a:ext>
           </a:extLst>
         </p:spPr>
         <p:txBody>
           <a:bodyPr lIns="45719" rIns="45719">
-            <a:normAutofit fontScale="100000" lnSpcReduction="0"/>
+            <a:normAutofit/>
           </a:bodyPr>
           <a:lstStyle/>
           <a:p>
@@ -4786,7 +5129,7 @@
             </a:r>
           </a:p>
           <a:p>
-            <a:pPr lvl="1" marL="685800" indent="-182880">
+            <a:pPr marL="685800" lvl="1" indent="-182880">
               <a:lnSpc>
                 <a:spcPct val="130000"/>
               </a:lnSpc>
@@ -4805,7 +5148,7 @@
             </a:r>
           </a:p>
           <a:p>
-            <a:pPr lvl="1" marL="685800" indent="-182880">
+            <a:pPr marL="685800" lvl="1" indent="-182880">
               <a:lnSpc>
                 <a:spcPct val="130000"/>
               </a:lnSpc>
@@ -4824,7 +5167,7 @@
             </a:r>
           </a:p>
           <a:p>
-            <a:pPr lvl="1" marL="685800" indent="-182880">
+            <a:pPr marL="685800" lvl="1" indent="-182880">
               <a:lnSpc>
                 <a:spcPct val="130000"/>
               </a:lnSpc>
@@ -4847,7 +5190,9 @@
       <p:sp>
         <p:nvSpPr>
           <p:cNvPr id="191" name="Contrast Section"/>
-          <p:cNvSpPr/>
+          <p:cNvSpPr>
+            <a:spLocks noGrp="1"/>
+          </p:cNvSpPr>
           <p:nvPr>
             <p:ph type="body" idx="13"/>
           </p:nvPr>
@@ -4858,7 +5203,7 @@
           </a:prstGeom>
           <a:extLst>
             <a:ext uri="{C572A759-6A51-4108-AA02-DFA0A04FC94B}">
-              <ma14:wrappingTextBoxFlag xmlns:ma14="http://schemas.microsoft.com/office/mac/drawingml/2011/main" val="1"/>
+              <ma14:wrappingTextBoxFlag xmlns:ma14="http://schemas.microsoft.com/office/mac/drawingml/2011/main" xmlns:a14="http://schemas.microsoft.com/office/drawing/2010/main" xmlns:m="http://schemas.openxmlformats.org/officeDocument/2006/math" xmlns="" val="1"/>
             </a:ext>
           </a:extLst>
         </p:spPr>
@@ -4870,7 +5215,7 @@
               <a:buSzTx/>
               <a:buFontTx/>
               <a:buNone/>
-              <a:defRPr b="1" cap="all" sz="1600">
+              <a:defRPr sz="1600" b="1" cap="all">
                 <a:solidFill>
                   <a:schemeClr val="accent1"/>
                 </a:solidFill>
@@ -4878,7 +5223,6 @@
             </a:lvl1pPr>
           </a:lstStyle>
           <a:p>
-            <a:pPr/>
             <a:r>
               <a:t>Contrast Section</a:t>
             </a:r>
@@ -4904,13 +5248,13 @@
           </a:ln>
           <a:extLst>
             <a:ext uri="{C572A759-6A51-4108-AA02-DFA0A04FC94B}">
-              <ma14:wrappingTextBoxFlag xmlns:ma14="http://schemas.microsoft.com/office/mac/drawingml/2011/main" val="1"/>
+              <ma14:wrappingTextBoxFlag xmlns:ma14="http://schemas.microsoft.com/office/mac/drawingml/2011/main" xmlns:a14="http://schemas.microsoft.com/office/drawing/2010/main" xmlns:m="http://schemas.openxmlformats.org/officeDocument/2006/math" xmlns="" val="1"/>
             </a:ext>
           </a:extLst>
         </p:spPr>
         <p:txBody>
           <a:bodyPr lIns="45719" rIns="45719">
-            <a:normAutofit fontScale="100000" lnSpcReduction="0"/>
+            <a:normAutofit/>
           </a:bodyPr>
           <a:lstStyle/>
           <a:p>
@@ -4965,7 +5309,7 @@
             </a:r>
           </a:p>
           <a:p>
-            <a:pPr lvl="1" marL="685800" indent="-182880">
+            <a:pPr marL="685800" lvl="1" indent="-182880">
               <a:lnSpc>
                 <a:spcPct val="130000"/>
               </a:lnSpc>
@@ -4984,7 +5328,7 @@
             </a:r>
           </a:p>
           <a:p>
-            <a:pPr lvl="1" marL="685800" indent="-182880">
+            <a:pPr marL="685800" lvl="1" indent="-182880">
               <a:lnSpc>
                 <a:spcPct val="130000"/>
               </a:lnSpc>
@@ -5003,7 +5347,7 @@
             </a:r>
           </a:p>
           <a:p>
-            <a:pPr lvl="1" marL="685800" indent="-182880">
+            <a:pPr marL="685800" lvl="1" indent="-182880">
               <a:lnSpc>
                 <a:spcPct val="130000"/>
               </a:lnSpc>
@@ -5028,12 +5372,12 @@
   <p:clrMapOvr>
     <a:masterClrMapping/>
   </p:clrMapOvr>
-  <p:transition xmlns:p14="http://schemas.microsoft.com/office/powerpoint/2010/main" spd="med" advClick="1"/>
+  <p:transition spd="med"/>
 </p:sld>
 </file>
 
-<file path=ppt/slides/slide15.xml><?xml version="1.0" encoding="utf-8"?>
-<p:sld xmlns:a="http://schemas.openxmlformats.org/drawingml/2006/main" xmlns:r="http://schemas.openxmlformats.org/officeDocument/2006/relationships" xmlns:p="http://schemas.openxmlformats.org/presentationml/2006/main" xmlns:m="http://schemas.openxmlformats.org/officeDocument/2006/math" xmlns:a14="http://schemas.microsoft.com/office/drawing/2010/main" showMasterSp="1" showMasterPhAnim="1">
+<file path=ppt/slides/slide16.xml><?xml version="1.0" encoding="utf-8"?>
+<p:sld xmlns:a="http://schemas.openxmlformats.org/drawingml/2006/main" xmlns:r="http://schemas.openxmlformats.org/officeDocument/2006/relationships" xmlns:p="http://schemas.openxmlformats.org/presentationml/2006/main">
   <p:cSld>
     <p:spTree>
       <p:nvGrpSpPr>
@@ -5052,7 +5396,9 @@
       <p:sp>
         <p:nvSpPr>
           <p:cNvPr id="194" name="Slide Title"/>
-          <p:cNvSpPr txBox="1"/>
+          <p:cNvSpPr txBox="1">
+            <a:spLocks noGrp="1"/>
+          </p:cNvSpPr>
           <p:nvPr>
             <p:ph type="title"/>
           </p:nvPr>
@@ -5074,7 +5420,6 @@
             </a:lvl1pPr>
           </a:lstStyle>
           <a:p>
-            <a:pPr/>
             <a:r>
               <a:t>Content and Photo</a:t>
             </a:r>
@@ -5084,7 +5429,9 @@
       <p:sp>
         <p:nvSpPr>
           <p:cNvPr id="195" name="Slide Text"/>
-          <p:cNvSpPr txBox="1"/>
+          <p:cNvSpPr txBox="1">
+            <a:spLocks noGrp="1"/>
+          </p:cNvSpPr>
           <p:nvPr>
             <p:ph type="body" sz="half" idx="1"/>
           </p:nvPr>
@@ -5107,7 +5454,6 @@
             </a:lvl1pPr>
           </a:lstStyle>
           <a:p>
-            <a:pPr/>
             <a:r>
               <a:t>Em psum dolor sit amet, consectetur adipiscing elit. Mauris vehicula dui in neque dignissim, in aliquet nisl varius. Sed a erat ut magna vulputate feugiat. Quisque varius et libero placerat erat.</a:t>
             </a:r>
@@ -5118,16 +5464,14 @@
         <p:nvPicPr>
           <p:cNvPr id="196" name="Picture" descr="Picture"/>
           <p:cNvPicPr>
-            <a:picLocks noChangeAspect="1"/>
+            <a:picLocks noGrp="1" noChangeAspect="1"/>
           </p:cNvPicPr>
           <p:nvPr>
             <p:ph type="pic" idx="13"/>
           </p:nvPr>
         </p:nvPicPr>
         <p:blipFill>
-          <a:blip r:embed="rId2">
-            <a:extLst/>
-          </a:blip>
+          <a:blip r:embed="rId2"/>
           <a:stretch>
             <a:fillRect/>
           </a:stretch>
@@ -5157,7 +5501,7 @@
           </a:ln>
           <a:extLst>
             <a:ext uri="{C572A759-6A51-4108-AA02-DFA0A04FC94B}">
-              <ma14:wrappingTextBoxFlag xmlns:ma14="http://schemas.microsoft.com/office/mac/drawingml/2011/main" val="1"/>
+              <ma14:wrappingTextBoxFlag xmlns:ma14="http://schemas.microsoft.com/office/mac/drawingml/2011/main" xmlns:a14="http://schemas.microsoft.com/office/drawing/2010/main" xmlns:m="http://schemas.openxmlformats.org/officeDocument/2006/math" xmlns="" val="1"/>
             </a:ext>
           </a:extLst>
         </p:spPr>
@@ -5168,7 +5512,7 @@
           <a:lstStyle/>
           <a:p>
             <a:pPr>
-              <a:defRPr b="1" sz="1600">
+              <a:defRPr sz="1600" b="1">
                 <a:solidFill>
                   <a:schemeClr val="accent1"/>
                 </a:solidFill>
@@ -5191,7 +5535,7 @@
           <p:nvPr/>
         </p:nvSpPr>
         <p:spPr>
-          <a:xfrm flipV="1" rot="14218706">
+          <a:xfrm rot="14218706" flipV="1">
             <a:off x="4176953" y="4093574"/>
             <a:ext cx="699566" cy="1572726"/>
           </a:xfrm>
@@ -5215,7 +5559,7 @@
             </a:cxnLst>
             <a:rect l="0" t="0" r="r" b="b"/>
             <a:pathLst>
-              <a:path w="21600" h="21600" fill="norm" stroke="1" extrusionOk="0">
+              <a:path w="21600" h="21600" extrusionOk="0">
                 <a:moveTo>
                   <a:pt x="0" y="0"/>
                 </a:moveTo>
@@ -5247,6 +5591,7 @@
           <a:lstStyle/>
           <a:p>
             <a:pPr algn="ctr"/>
+            <a:endParaRPr/>
           </a:p>
         </p:txBody>
       </p:sp>
@@ -5255,12 +5600,12 @@
   <p:clrMapOvr>
     <a:masterClrMapping/>
   </p:clrMapOvr>
-  <p:transition xmlns:p14="http://schemas.microsoft.com/office/powerpoint/2010/main" spd="med" advClick="1"/>
+  <p:transition spd="med"/>
 </p:sld>
 </file>
 
-<file path=ppt/slides/slide16.xml><?xml version="1.0" encoding="utf-8"?>
-<p:sld xmlns:a="http://schemas.openxmlformats.org/drawingml/2006/main" xmlns:r="http://schemas.openxmlformats.org/officeDocument/2006/relationships" xmlns:p="http://schemas.openxmlformats.org/presentationml/2006/main" xmlns:m="http://schemas.openxmlformats.org/officeDocument/2006/math" xmlns:a14="http://schemas.microsoft.com/office/drawing/2010/main" showMasterSp="1" showMasterPhAnim="1">
+<file path=ppt/slides/slide17.xml><?xml version="1.0" encoding="utf-8"?>
+<p:sld xmlns:a="http://schemas.openxmlformats.org/drawingml/2006/main" xmlns:r="http://schemas.openxmlformats.org/officeDocument/2006/relationships" xmlns:p="http://schemas.openxmlformats.org/presentationml/2006/main">
   <p:cSld>
     <p:spTree>
       <p:nvGrpSpPr>
@@ -5279,7 +5624,9 @@
       <p:sp>
         <p:nvSpPr>
           <p:cNvPr id="200" name="Slide Title"/>
-          <p:cNvSpPr txBox="1"/>
+          <p:cNvSpPr txBox="1">
+            <a:spLocks noGrp="1"/>
+          </p:cNvSpPr>
           <p:nvPr>
             <p:ph type="title"/>
           </p:nvPr>
@@ -5301,7 +5648,6 @@
             </a:lvl1pPr>
           </a:lstStyle>
           <a:p>
-            <a:pPr/>
             <a:r>
               <a:t>Content and Photos</a:t>
             </a:r>
@@ -5311,7 +5657,9 @@
       <p:sp>
         <p:nvSpPr>
           <p:cNvPr id="201" name="Slide Text"/>
-          <p:cNvSpPr txBox="1"/>
+          <p:cNvSpPr txBox="1">
+            <a:spLocks noGrp="1"/>
+          </p:cNvSpPr>
           <p:nvPr>
             <p:ph type="body" sz="half" idx="1"/>
           </p:nvPr>
@@ -5352,16 +5700,14 @@
         <p:nvPicPr>
           <p:cNvPr id="202" name="Picture 1" descr="Picture 1"/>
           <p:cNvPicPr>
-            <a:picLocks noChangeAspect="1"/>
+            <a:picLocks noGrp="1" noChangeAspect="1"/>
           </p:cNvPicPr>
           <p:nvPr>
             <p:ph type="pic" idx="13"/>
           </p:nvPr>
         </p:nvPicPr>
         <p:blipFill>
-          <a:blip r:embed="rId2">
-            <a:extLst/>
-          </a:blip>
+          <a:blip r:embed="rId2"/>
           <a:stretch>
             <a:fillRect/>
           </a:stretch>
@@ -5376,16 +5722,14 @@
         <p:nvPicPr>
           <p:cNvPr id="203" name="Picture 2" descr="Picture 2"/>
           <p:cNvPicPr>
-            <a:picLocks noChangeAspect="1"/>
+            <a:picLocks noGrp="1" noChangeAspect="1"/>
           </p:cNvPicPr>
           <p:nvPr>
             <p:ph type="pic" idx="15"/>
           </p:nvPr>
         </p:nvPicPr>
         <p:blipFill>
-          <a:blip r:embed="rId2">
-            <a:extLst/>
-          </a:blip>
+          <a:blip r:embed="rId2"/>
           <a:stretch>
             <a:fillRect/>
           </a:stretch>
@@ -5400,16 +5744,14 @@
         <p:nvPicPr>
           <p:cNvPr id="204" name="Picture 3" descr="Picture 3"/>
           <p:cNvPicPr>
-            <a:picLocks noChangeAspect="1"/>
+            <a:picLocks noGrp="1" noChangeAspect="1"/>
           </p:cNvPicPr>
           <p:nvPr>
             <p:ph type="pic" idx="14"/>
           </p:nvPr>
         </p:nvPicPr>
         <p:blipFill>
-          <a:blip r:embed="rId2">
-            <a:extLst/>
-          </a:blip>
+          <a:blip r:embed="rId2"/>
           <a:stretch>
             <a:fillRect/>
           </a:stretch>
@@ -5425,12 +5767,12 @@
   <p:clrMapOvr>
     <a:masterClrMapping/>
   </p:clrMapOvr>
-  <p:transition xmlns:p14="http://schemas.microsoft.com/office/powerpoint/2010/main" spd="med" advClick="1"/>
+  <p:transition spd="med"/>
 </p:sld>
 </file>
 
-<file path=ppt/slides/slide17.xml><?xml version="1.0" encoding="utf-8"?>
-<p:sld xmlns:a="http://schemas.openxmlformats.org/drawingml/2006/main" xmlns:r="http://schemas.openxmlformats.org/officeDocument/2006/relationships" xmlns:p="http://schemas.openxmlformats.org/presentationml/2006/main" xmlns:m="http://schemas.openxmlformats.org/officeDocument/2006/math" xmlns:a14="http://schemas.microsoft.com/office/drawing/2010/main" showMasterSp="1" showMasterPhAnim="1">
+<file path=ppt/slides/slide18.xml><?xml version="1.0" encoding="utf-8"?>
+<p:sld xmlns:a="http://schemas.openxmlformats.org/drawingml/2006/main" xmlns:r="http://schemas.openxmlformats.org/officeDocument/2006/relationships" xmlns:p="http://schemas.openxmlformats.org/presentationml/2006/main">
   <p:cSld>
     <p:spTree>
       <p:nvGrpSpPr>
@@ -5465,7 +5807,7 @@
           </a:ln>
           <a:extLst>
             <a:ext uri="{C572A759-6A51-4108-AA02-DFA0A04FC94B}">
-              <ma14:wrappingTextBoxFlag xmlns:ma14="http://schemas.microsoft.com/office/mac/drawingml/2011/main" val="1"/>
+              <ma14:wrappingTextBoxFlag xmlns:ma14="http://schemas.microsoft.com/office/mac/drawingml/2011/main" xmlns:a14="http://schemas.microsoft.com/office/drawing/2010/main" xmlns:m="http://schemas.openxmlformats.org/officeDocument/2006/math" xmlns="" val="1"/>
             </a:ext>
           </a:extLst>
         </p:spPr>
@@ -5475,11 +5817,10 @@
           </a:bodyPr>
           <a:lstStyle>
             <a:lvl1pPr algn="r">
-              <a:defRPr b="1" sz="1600"/>
+              <a:defRPr sz="1600" b="1"/>
             </a:lvl1pPr>
           </a:lstStyle>
           <a:p>
-            <a:pPr/>
             <a:r>
               <a:t>10</a:t>
             </a:r>
@@ -5489,7 +5830,9 @@
       <p:sp>
         <p:nvSpPr>
           <p:cNvPr id="207" name="Slide Title"/>
-          <p:cNvSpPr txBox="1"/>
+          <p:cNvSpPr txBox="1">
+            <a:spLocks noGrp="1"/>
+          </p:cNvSpPr>
           <p:nvPr>
             <p:ph type="title"/>
           </p:nvPr>
@@ -5507,7 +5850,6 @@
             </a:lvl1pPr>
           </a:lstStyle>
           <a:p>
-            <a:pPr/>
             <a:r>
               <a:t>Content and Graph</a:t>
             </a:r>
@@ -5517,7 +5859,9 @@
       <p:sp>
         <p:nvSpPr>
           <p:cNvPr id="208" name="Slide Text"/>
-          <p:cNvSpPr txBox="1"/>
+          <p:cNvSpPr txBox="1">
+            <a:spLocks noGrp="1"/>
+          </p:cNvSpPr>
           <p:nvPr>
             <p:ph type="body" sz="half" idx="1"/>
           </p:nvPr>
@@ -5544,25 +5888,21 @@
             </a:r>
           </a:p>
           <a:p>
-            <a:pPr/>
             <a:r>
               <a:t>Lorem ipsum dolor sit amet</a:t>
             </a:r>
           </a:p>
           <a:p>
-            <a:pPr/>
             <a:r>
               <a:t>consectetur adipiscing elit</a:t>
             </a:r>
           </a:p>
           <a:p>
-            <a:pPr/>
             <a:r>
               <a:t>Quisque ac orci in turpis</a:t>
             </a:r>
           </a:p>
           <a:p>
-            <a:pPr/>
             <a:r>
               <a:t>Donec vitae justo consectetur</a:t>
             </a:r>
@@ -5579,9 +5919,9 @@
           <a:off x="5080344" y="2210909"/>
           <a:ext cx="6243348" cy="3664261"/>
         </p:xfrm>
-        <a:graphic xmlns:a="http://schemas.openxmlformats.org/drawingml/2006/main">
+        <a:graphic>
           <a:graphicData uri="http://schemas.openxmlformats.org/drawingml/2006/chart">
-            <c:chart xmlns:c="http://schemas.openxmlformats.org/drawingml/2006/chart" r:id="rId2"/>
+            <c:chart xmlns:c="http://schemas.openxmlformats.org/drawingml/2006/chart" xmlns:r="http://schemas.openxmlformats.org/officeDocument/2006/relationships" r:id="rId2"/>
           </a:graphicData>
         </a:graphic>
       </p:graphicFrame>
@@ -5590,12 +5930,12 @@
   <p:clrMapOvr>
     <a:masterClrMapping/>
   </p:clrMapOvr>
-  <p:transition xmlns:p14="http://schemas.microsoft.com/office/powerpoint/2010/main" spd="med" advClick="1"/>
+  <p:transition spd="med"/>
 </p:sld>
 </file>
 
-<file path=ppt/slides/slide18.xml><?xml version="1.0" encoding="utf-8"?>
-<p:sld xmlns:a="http://schemas.openxmlformats.org/drawingml/2006/main" xmlns:r="http://schemas.openxmlformats.org/officeDocument/2006/relationships" xmlns:p="http://schemas.openxmlformats.org/presentationml/2006/main" xmlns:m="http://schemas.openxmlformats.org/officeDocument/2006/math" xmlns:a14="http://schemas.microsoft.com/office/drawing/2010/main" showMasterSp="1" showMasterPhAnim="1">
+<file path=ppt/slides/slide19.xml><?xml version="1.0" encoding="utf-8"?>
+<p:sld xmlns:a="http://schemas.openxmlformats.org/drawingml/2006/main" xmlns:r="http://schemas.openxmlformats.org/officeDocument/2006/relationships" xmlns:p="http://schemas.openxmlformats.org/presentationml/2006/main">
   <p:cSld>
     <p:spTree>
       <p:nvGrpSpPr>
@@ -5630,7 +5970,7 @@
           </a:ln>
           <a:extLst>
             <a:ext uri="{C572A759-6A51-4108-AA02-DFA0A04FC94B}">
-              <ma14:wrappingTextBoxFlag xmlns:ma14="http://schemas.microsoft.com/office/mac/drawingml/2011/main" val="1"/>
+              <ma14:wrappingTextBoxFlag xmlns:ma14="http://schemas.microsoft.com/office/mac/drawingml/2011/main" xmlns:a14="http://schemas.microsoft.com/office/drawing/2010/main" xmlns:m="http://schemas.openxmlformats.org/officeDocument/2006/math" xmlns="" val="1"/>
             </a:ext>
           </a:extLst>
         </p:spPr>
@@ -5640,11 +5980,10 @@
           </a:bodyPr>
           <a:lstStyle>
             <a:lvl1pPr algn="r">
-              <a:defRPr b="1" sz="1600"/>
+              <a:defRPr sz="1600" b="1"/>
             </a:lvl1pPr>
           </a:lstStyle>
           <a:p>
-            <a:pPr/>
             <a:r>
               <a:t>11</a:t>
             </a:r>
@@ -5654,7 +5993,9 @@
       <p:sp>
         <p:nvSpPr>
           <p:cNvPr id="212" name="Slide Title"/>
-          <p:cNvSpPr txBox="1"/>
+          <p:cNvSpPr txBox="1">
+            <a:spLocks noGrp="1"/>
+          </p:cNvSpPr>
           <p:nvPr>
             <p:ph type="title"/>
           </p:nvPr>
@@ -5676,7 +6017,6 @@
             </a:lvl1pPr>
           </a:lstStyle>
           <a:p>
-            <a:pPr/>
             <a:r>
               <a:t>Graphic Elements</a:t>
             </a:r>
@@ -5686,7 +6026,9 @@
       <p:sp>
         <p:nvSpPr>
           <p:cNvPr id="213" name="Slide Text"/>
-          <p:cNvSpPr txBox="1"/>
+          <p:cNvSpPr txBox="1">
+            <a:spLocks noGrp="1"/>
+          </p:cNvSpPr>
           <p:nvPr>
             <p:ph type="body" sz="quarter" idx="1"/>
           </p:nvPr>
@@ -5721,7 +6063,7 @@
                     <a:schemeClr val="accent1"/>
                   </a:solidFill>
                 </a:uFill>
-                <a:hlinkClick r:id="rId2" invalidUrl="" action="" tgtFrame="" tooltip="" history="1" highlightClick="0" endSnd="0"/>
+                <a:hlinkClick r:id="rId2"/>
               </a:rPr>
               <a:t>buffalo.edu/brand/creative/color/color-palette</a:t>
             </a:r>
@@ -5784,6 +6126,7 @@
                   </a:solidFill>
                 </a:defRPr>
               </a:pPr>
+              <a:endParaRPr/>
             </a:p>
           </p:txBody>
         </p:sp>
@@ -5809,7 +6152,7 @@
             <a:effectLst/>
             <a:extLst>
               <a:ext uri="{C572A759-6A51-4108-AA02-DFA0A04FC94B}">
-                <ma14:wrappingTextBoxFlag xmlns:ma14="http://schemas.microsoft.com/office/mac/drawingml/2011/main" val="1"/>
+                <ma14:wrappingTextBoxFlag xmlns:ma14="http://schemas.microsoft.com/office/mac/drawingml/2011/main" xmlns:a14="http://schemas.microsoft.com/office/drawing/2010/main" xmlns:m="http://schemas.openxmlformats.org/officeDocument/2006/math" xmlns="" val="1"/>
               </a:ext>
             </a:extLst>
           </p:spPr>
@@ -5819,7 +6162,7 @@
             </a:bodyPr>
             <a:lstStyle>
               <a:lvl1pPr algn="ctr">
-                <a:defRPr b="1" sz="1300">
+                <a:defRPr sz="1300" b="1">
                   <a:solidFill>
                     <a:srgbClr val="FFFFFF"/>
                   </a:solidFill>
@@ -5827,7 +6170,6 @@
               </a:lvl1pPr>
             </a:lstStyle>
             <a:p>
-              <a:pPr/>
               <a:r>
                 <a:t>1</a:t>
               </a:r>
@@ -5888,6 +6230,7 @@
                   </a:solidFill>
                 </a:defRPr>
               </a:pPr>
+              <a:endParaRPr/>
             </a:p>
           </p:txBody>
         </p:sp>
@@ -5913,7 +6256,7 @@
             <a:effectLst/>
             <a:extLst>
               <a:ext uri="{C572A759-6A51-4108-AA02-DFA0A04FC94B}">
-                <ma14:wrappingTextBoxFlag xmlns:ma14="http://schemas.microsoft.com/office/mac/drawingml/2011/main" val="1"/>
+                <ma14:wrappingTextBoxFlag xmlns:ma14="http://schemas.microsoft.com/office/mac/drawingml/2011/main" xmlns:a14="http://schemas.microsoft.com/office/drawing/2010/main" xmlns:m="http://schemas.openxmlformats.org/officeDocument/2006/math" xmlns="" val="1"/>
               </a:ext>
             </a:extLst>
           </p:spPr>
@@ -5923,7 +6266,7 @@
             </a:bodyPr>
             <a:lstStyle>
               <a:lvl1pPr algn="ctr">
-                <a:defRPr b="1" sz="1300">
+                <a:defRPr sz="1300" b="1">
                   <a:solidFill>
                     <a:srgbClr val="FFFFFF"/>
                   </a:solidFill>
@@ -5931,7 +6274,6 @@
               </a:lvl1pPr>
             </a:lstStyle>
             <a:p>
-              <a:pPr/>
               <a:r>
                 <a:t>2</a:t>
               </a:r>
@@ -5992,6 +6334,7 @@
                   </a:solidFill>
                 </a:defRPr>
               </a:pPr>
+              <a:endParaRPr/>
             </a:p>
           </p:txBody>
         </p:sp>
@@ -6017,7 +6360,7 @@
             <a:effectLst/>
             <a:extLst>
               <a:ext uri="{C572A759-6A51-4108-AA02-DFA0A04FC94B}">
-                <ma14:wrappingTextBoxFlag xmlns:ma14="http://schemas.microsoft.com/office/mac/drawingml/2011/main" val="1"/>
+                <ma14:wrappingTextBoxFlag xmlns:ma14="http://schemas.microsoft.com/office/mac/drawingml/2011/main" xmlns:a14="http://schemas.microsoft.com/office/drawing/2010/main" xmlns:m="http://schemas.openxmlformats.org/officeDocument/2006/math" xmlns="" val="1"/>
               </a:ext>
             </a:extLst>
           </p:spPr>
@@ -6027,7 +6370,7 @@
             </a:bodyPr>
             <a:lstStyle>
               <a:lvl1pPr algn="ctr">
-                <a:defRPr b="1" sz="1300">
+                <a:defRPr sz="1300" b="1">
                   <a:solidFill>
                     <a:srgbClr val="FFFFFF"/>
                   </a:solidFill>
@@ -6035,7 +6378,6 @@
               </a:lvl1pPr>
             </a:lstStyle>
             <a:p>
-              <a:pPr/>
               <a:r>
                 <a:t>3</a:t>
               </a:r>
@@ -6096,6 +6438,7 @@
                   </a:solidFill>
                 </a:defRPr>
               </a:pPr>
+              <a:endParaRPr/>
             </a:p>
           </p:txBody>
         </p:sp>
@@ -6121,7 +6464,7 @@
             <a:effectLst/>
             <a:extLst>
               <a:ext uri="{C572A759-6A51-4108-AA02-DFA0A04FC94B}">
-                <ma14:wrappingTextBoxFlag xmlns:ma14="http://schemas.microsoft.com/office/mac/drawingml/2011/main" val="1"/>
+                <ma14:wrappingTextBoxFlag xmlns:ma14="http://schemas.microsoft.com/office/mac/drawingml/2011/main" xmlns:a14="http://schemas.microsoft.com/office/drawing/2010/main" xmlns:m="http://schemas.openxmlformats.org/officeDocument/2006/math" xmlns="" val="1"/>
               </a:ext>
             </a:extLst>
           </p:spPr>
@@ -6139,7 +6482,6 @@
               </a:lvl1pPr>
             </a:lstStyle>
             <a:p>
-              <a:pPr/>
               <a:r>
                 <a:t>4</a:t>
               </a:r>
@@ -6200,6 +6542,7 @@
                   </a:solidFill>
                 </a:defRPr>
               </a:pPr>
+              <a:endParaRPr/>
             </a:p>
           </p:txBody>
         </p:sp>
@@ -6225,7 +6568,7 @@
             <a:effectLst/>
             <a:extLst>
               <a:ext uri="{C572A759-6A51-4108-AA02-DFA0A04FC94B}">
-                <ma14:wrappingTextBoxFlag xmlns:ma14="http://schemas.microsoft.com/office/mac/drawingml/2011/main" val="1"/>
+                <ma14:wrappingTextBoxFlag xmlns:ma14="http://schemas.microsoft.com/office/mac/drawingml/2011/main" xmlns:a14="http://schemas.microsoft.com/office/drawing/2010/main" xmlns:m="http://schemas.openxmlformats.org/officeDocument/2006/math" xmlns="" val="1"/>
               </a:ext>
             </a:extLst>
           </p:spPr>
@@ -6235,7 +6578,7 @@
             </a:bodyPr>
             <a:lstStyle>
               <a:lvl1pPr algn="ctr">
-                <a:defRPr b="1" sz="1300">
+                <a:defRPr sz="1300" b="1">
                   <a:solidFill>
                     <a:srgbClr val="FFFFFF"/>
                   </a:solidFill>
@@ -6243,7 +6586,6 @@
               </a:lvl1pPr>
             </a:lstStyle>
             <a:p>
-              <a:pPr/>
               <a:r>
                 <a:t>5</a:t>
               </a:r>
@@ -6304,6 +6646,7 @@
                   </a:solidFill>
                 </a:defRPr>
               </a:pPr>
+              <a:endParaRPr/>
             </a:p>
           </p:txBody>
         </p:sp>
@@ -6329,7 +6672,7 @@
             <a:effectLst/>
             <a:extLst>
               <a:ext uri="{C572A759-6A51-4108-AA02-DFA0A04FC94B}">
-                <ma14:wrappingTextBoxFlag xmlns:ma14="http://schemas.microsoft.com/office/mac/drawingml/2011/main" val="1"/>
+                <ma14:wrappingTextBoxFlag xmlns:ma14="http://schemas.microsoft.com/office/mac/drawingml/2011/main" xmlns:a14="http://schemas.microsoft.com/office/drawing/2010/main" xmlns:m="http://schemas.openxmlformats.org/officeDocument/2006/math" xmlns="" val="1"/>
               </a:ext>
             </a:extLst>
           </p:spPr>
@@ -6339,7 +6682,7 @@
             </a:bodyPr>
             <a:lstStyle>
               <a:lvl1pPr algn="ctr">
-                <a:defRPr b="1" sz="1300">
+                <a:defRPr sz="1300" b="1">
                   <a:solidFill>
                     <a:srgbClr val="FFFFFF"/>
                   </a:solidFill>
@@ -6347,7 +6690,6 @@
               </a:lvl1pPr>
             </a:lstStyle>
             <a:p>
-              <a:pPr/>
               <a:r>
                 <a:t>6</a:t>
               </a:r>
@@ -6408,6 +6750,7 @@
                   </a:solidFill>
                 </a:defRPr>
               </a:pPr>
+              <a:endParaRPr/>
             </a:p>
           </p:txBody>
         </p:sp>
@@ -6433,7 +6776,7 @@
             <a:effectLst/>
             <a:extLst>
               <a:ext uri="{C572A759-6A51-4108-AA02-DFA0A04FC94B}">
-                <ma14:wrappingTextBoxFlag xmlns:ma14="http://schemas.microsoft.com/office/mac/drawingml/2011/main" val="1"/>
+                <ma14:wrappingTextBoxFlag xmlns:ma14="http://schemas.microsoft.com/office/mac/drawingml/2011/main" xmlns:a14="http://schemas.microsoft.com/office/drawing/2010/main" xmlns:m="http://schemas.openxmlformats.org/officeDocument/2006/math" xmlns="" val="1"/>
               </a:ext>
             </a:extLst>
           </p:spPr>
@@ -6443,7 +6786,7 @@
             </a:bodyPr>
             <a:lstStyle>
               <a:lvl1pPr algn="ctr">
-                <a:defRPr b="1" sz="1300">
+                <a:defRPr sz="1300" b="1">
                   <a:solidFill>
                     <a:srgbClr val="FFFFFF"/>
                   </a:solidFill>
@@ -6451,7 +6794,6 @@
               </a:lvl1pPr>
             </a:lstStyle>
             <a:p>
-              <a:pPr/>
               <a:r>
                 <a:t>7</a:t>
               </a:r>
@@ -6512,6 +6854,7 @@
                   </a:solidFill>
                 </a:defRPr>
               </a:pPr>
+              <a:endParaRPr/>
             </a:p>
           </p:txBody>
         </p:sp>
@@ -6537,7 +6880,7 @@
             <a:effectLst/>
             <a:extLst>
               <a:ext uri="{C572A759-6A51-4108-AA02-DFA0A04FC94B}">
-                <ma14:wrappingTextBoxFlag xmlns:ma14="http://schemas.microsoft.com/office/mac/drawingml/2011/main" val="1"/>
+                <ma14:wrappingTextBoxFlag xmlns:ma14="http://schemas.microsoft.com/office/mac/drawingml/2011/main" xmlns:a14="http://schemas.microsoft.com/office/drawing/2010/main" xmlns:m="http://schemas.openxmlformats.org/officeDocument/2006/math" xmlns="" val="1"/>
               </a:ext>
             </a:extLst>
           </p:spPr>
@@ -6547,7 +6890,7 @@
             </a:bodyPr>
             <a:lstStyle>
               <a:lvl1pPr algn="ctr">
-                <a:defRPr b="1" sz="1300">
+                <a:defRPr sz="1300" b="1">
                   <a:solidFill>
                     <a:srgbClr val="FFFFFF"/>
                   </a:solidFill>
@@ -6555,7 +6898,6 @@
               </a:lvl1pPr>
             </a:lstStyle>
             <a:p>
-              <a:pPr/>
               <a:r>
                 <a:t>8</a:t>
               </a:r>
@@ -6616,6 +6958,7 @@
                   </a:solidFill>
                 </a:defRPr>
               </a:pPr>
+              <a:endParaRPr/>
             </a:p>
           </p:txBody>
         </p:sp>
@@ -6641,7 +6984,7 @@
             <a:effectLst/>
             <a:extLst>
               <a:ext uri="{C572A759-6A51-4108-AA02-DFA0A04FC94B}">
-                <ma14:wrappingTextBoxFlag xmlns:ma14="http://schemas.microsoft.com/office/mac/drawingml/2011/main" val="1"/>
+                <ma14:wrappingTextBoxFlag xmlns:ma14="http://schemas.microsoft.com/office/mac/drawingml/2011/main" xmlns:a14="http://schemas.microsoft.com/office/drawing/2010/main" xmlns:m="http://schemas.openxmlformats.org/officeDocument/2006/math" xmlns="" val="1"/>
               </a:ext>
             </a:extLst>
           </p:spPr>
@@ -6651,7 +6994,7 @@
             </a:bodyPr>
             <a:lstStyle>
               <a:lvl1pPr algn="ctr">
-                <a:defRPr b="1" sz="1300">
+                <a:defRPr sz="1300" b="1">
                   <a:solidFill>
                     <a:srgbClr val="FFFFFF"/>
                   </a:solidFill>
@@ -6659,7 +7002,6 @@
               </a:lvl1pPr>
             </a:lstStyle>
             <a:p>
-              <a:pPr/>
               <a:r>
                 <a:t>9</a:t>
               </a:r>
@@ -6720,6 +7062,7 @@
                   </a:solidFill>
                 </a:defRPr>
               </a:pPr>
+              <a:endParaRPr/>
             </a:p>
           </p:txBody>
         </p:sp>
@@ -6745,7 +7088,7 @@
             <a:effectLst/>
             <a:extLst>
               <a:ext uri="{C572A759-6A51-4108-AA02-DFA0A04FC94B}">
-                <ma14:wrappingTextBoxFlag xmlns:ma14="http://schemas.microsoft.com/office/mac/drawingml/2011/main" val="1"/>
+                <ma14:wrappingTextBoxFlag xmlns:ma14="http://schemas.microsoft.com/office/mac/drawingml/2011/main" xmlns:a14="http://schemas.microsoft.com/office/drawing/2010/main" xmlns:m="http://schemas.openxmlformats.org/officeDocument/2006/math" xmlns="" val="1"/>
               </a:ext>
             </a:extLst>
           </p:spPr>
@@ -6755,7 +7098,7 @@
             </a:bodyPr>
             <a:lstStyle>
               <a:lvl1pPr algn="ctr">
-                <a:defRPr b="1" sz="1300">
+                <a:defRPr sz="1300" b="1">
                   <a:solidFill>
                     <a:srgbClr val="FFFFFF"/>
                   </a:solidFill>
@@ -6763,7 +7106,6 @@
               </a:lvl1pPr>
             </a:lstStyle>
             <a:p>
-              <a:pPr/>
               <a:r>
                 <a:t>0</a:t>
               </a:r>
@@ -6822,6 +7164,7 @@
                   </a:solidFill>
                 </a:defRPr>
               </a:pPr>
+              <a:endParaRPr/>
             </a:p>
           </p:txBody>
         </p:sp>
@@ -6847,7 +7190,7 @@
             <a:effectLst/>
             <a:extLst>
               <a:ext uri="{C572A759-6A51-4108-AA02-DFA0A04FC94B}">
-                <ma14:wrappingTextBoxFlag xmlns:ma14="http://schemas.microsoft.com/office/mac/drawingml/2011/main" val="1"/>
+                <ma14:wrappingTextBoxFlag xmlns:ma14="http://schemas.microsoft.com/office/mac/drawingml/2011/main" xmlns:a14="http://schemas.microsoft.com/office/drawing/2010/main" xmlns:m="http://schemas.openxmlformats.org/officeDocument/2006/math" xmlns="" val="1"/>
               </a:ext>
             </a:extLst>
           </p:spPr>
@@ -6857,7 +7200,7 @@
             </a:bodyPr>
             <a:lstStyle>
               <a:lvl1pPr algn="ctr">
-                <a:defRPr b="1" sz="1300">
+                <a:defRPr sz="1300" b="1">
                   <a:solidFill>
                     <a:schemeClr val="accent1"/>
                   </a:solidFill>
@@ -6865,7 +7208,6 @@
               </a:lvl1pPr>
             </a:lstStyle>
             <a:p>
-              <a:pPr/>
               <a:r>
                 <a:t>1</a:t>
               </a:r>
@@ -6924,6 +7266,7 @@
                   </a:solidFill>
                 </a:defRPr>
               </a:pPr>
+              <a:endParaRPr/>
             </a:p>
           </p:txBody>
         </p:sp>
@@ -6949,7 +7292,7 @@
             <a:effectLst/>
             <a:extLst>
               <a:ext uri="{C572A759-6A51-4108-AA02-DFA0A04FC94B}">
-                <ma14:wrappingTextBoxFlag xmlns:ma14="http://schemas.microsoft.com/office/mac/drawingml/2011/main" val="1"/>
+                <ma14:wrappingTextBoxFlag xmlns:ma14="http://schemas.microsoft.com/office/mac/drawingml/2011/main" xmlns:a14="http://schemas.microsoft.com/office/drawing/2010/main" xmlns:m="http://schemas.openxmlformats.org/officeDocument/2006/math" xmlns="" val="1"/>
               </a:ext>
             </a:extLst>
           </p:spPr>
@@ -6959,7 +7302,7 @@
             </a:bodyPr>
             <a:lstStyle>
               <a:lvl1pPr algn="ctr">
-                <a:defRPr b="1" sz="1300">
+                <a:defRPr sz="1300" b="1">
                   <a:solidFill>
                     <a:schemeClr val="accent1"/>
                   </a:solidFill>
@@ -6967,7 +7310,6 @@
               </a:lvl1pPr>
             </a:lstStyle>
             <a:p>
-              <a:pPr/>
               <a:r>
                 <a:t>2</a:t>
               </a:r>
@@ -7026,6 +7368,7 @@
                   </a:solidFill>
                 </a:defRPr>
               </a:pPr>
+              <a:endParaRPr/>
             </a:p>
           </p:txBody>
         </p:sp>
@@ -7051,7 +7394,7 @@
             <a:effectLst/>
             <a:extLst>
               <a:ext uri="{C572A759-6A51-4108-AA02-DFA0A04FC94B}">
-                <ma14:wrappingTextBoxFlag xmlns:ma14="http://schemas.microsoft.com/office/mac/drawingml/2011/main" val="1"/>
+                <ma14:wrappingTextBoxFlag xmlns:ma14="http://schemas.microsoft.com/office/mac/drawingml/2011/main" xmlns:a14="http://schemas.microsoft.com/office/drawing/2010/main" xmlns:m="http://schemas.openxmlformats.org/officeDocument/2006/math" xmlns="" val="1"/>
               </a:ext>
             </a:extLst>
           </p:spPr>
@@ -7061,7 +7404,7 @@
             </a:bodyPr>
             <a:lstStyle>
               <a:lvl1pPr algn="ctr">
-                <a:defRPr b="1" sz="1300">
+                <a:defRPr sz="1300" b="1">
                   <a:solidFill>
                     <a:schemeClr val="accent1"/>
                   </a:solidFill>
@@ -7069,7 +7412,6 @@
               </a:lvl1pPr>
             </a:lstStyle>
             <a:p>
-              <a:pPr/>
               <a:r>
                 <a:t>3</a:t>
               </a:r>
@@ -7128,6 +7470,7 @@
                   </a:solidFill>
                 </a:defRPr>
               </a:pPr>
+              <a:endParaRPr/>
             </a:p>
           </p:txBody>
         </p:sp>
@@ -7153,7 +7496,7 @@
             <a:effectLst/>
             <a:extLst>
               <a:ext uri="{C572A759-6A51-4108-AA02-DFA0A04FC94B}">
-                <ma14:wrappingTextBoxFlag xmlns:ma14="http://schemas.microsoft.com/office/mac/drawingml/2011/main" val="1"/>
+                <ma14:wrappingTextBoxFlag xmlns:ma14="http://schemas.microsoft.com/office/mac/drawingml/2011/main" xmlns:a14="http://schemas.microsoft.com/office/drawing/2010/main" xmlns:m="http://schemas.openxmlformats.org/officeDocument/2006/math" xmlns="" val="1"/>
               </a:ext>
             </a:extLst>
           </p:spPr>
@@ -7163,7 +7506,7 @@
             </a:bodyPr>
             <a:lstStyle>
               <a:lvl1pPr algn="ctr">
-                <a:defRPr b="1" sz="1300">
+                <a:defRPr sz="1300" b="1">
                   <a:solidFill>
                     <a:schemeClr val="accent1"/>
                   </a:solidFill>
@@ -7171,7 +7514,6 @@
               </a:lvl1pPr>
             </a:lstStyle>
             <a:p>
-              <a:pPr/>
               <a:r>
                 <a:t>4</a:t>
               </a:r>
@@ -7230,6 +7572,7 @@
                   </a:solidFill>
                 </a:defRPr>
               </a:pPr>
+              <a:endParaRPr/>
             </a:p>
           </p:txBody>
         </p:sp>
@@ -7255,7 +7598,7 @@
             <a:effectLst/>
             <a:extLst>
               <a:ext uri="{C572A759-6A51-4108-AA02-DFA0A04FC94B}">
-                <ma14:wrappingTextBoxFlag xmlns:ma14="http://schemas.microsoft.com/office/mac/drawingml/2011/main" val="1"/>
+                <ma14:wrappingTextBoxFlag xmlns:ma14="http://schemas.microsoft.com/office/mac/drawingml/2011/main" xmlns:a14="http://schemas.microsoft.com/office/drawing/2010/main" xmlns:m="http://schemas.openxmlformats.org/officeDocument/2006/math" xmlns="" val="1"/>
               </a:ext>
             </a:extLst>
           </p:spPr>
@@ -7265,7 +7608,7 @@
             </a:bodyPr>
             <a:lstStyle>
               <a:lvl1pPr algn="ctr">
-                <a:defRPr b="1" sz="1300">
+                <a:defRPr sz="1300" b="1">
                   <a:solidFill>
                     <a:schemeClr val="accent1"/>
                   </a:solidFill>
@@ -7273,7 +7616,6 @@
               </a:lvl1pPr>
             </a:lstStyle>
             <a:p>
-              <a:pPr/>
               <a:r>
                 <a:t>5</a:t>
               </a:r>
@@ -7332,6 +7674,7 @@
                   </a:solidFill>
                 </a:defRPr>
               </a:pPr>
+              <a:endParaRPr/>
             </a:p>
           </p:txBody>
         </p:sp>
@@ -7357,7 +7700,7 @@
             <a:effectLst/>
             <a:extLst>
               <a:ext uri="{C572A759-6A51-4108-AA02-DFA0A04FC94B}">
-                <ma14:wrappingTextBoxFlag xmlns:ma14="http://schemas.microsoft.com/office/mac/drawingml/2011/main" val="1"/>
+                <ma14:wrappingTextBoxFlag xmlns:ma14="http://schemas.microsoft.com/office/mac/drawingml/2011/main" xmlns:a14="http://schemas.microsoft.com/office/drawing/2010/main" xmlns:m="http://schemas.openxmlformats.org/officeDocument/2006/math" xmlns="" val="1"/>
               </a:ext>
             </a:extLst>
           </p:spPr>
@@ -7367,7 +7710,7 @@
             </a:bodyPr>
             <a:lstStyle>
               <a:lvl1pPr algn="ctr">
-                <a:defRPr b="1" sz="1300">
+                <a:defRPr sz="1300" b="1">
                   <a:solidFill>
                     <a:schemeClr val="accent1"/>
                   </a:solidFill>
@@ -7375,7 +7718,6 @@
               </a:lvl1pPr>
             </a:lstStyle>
             <a:p>
-              <a:pPr/>
               <a:r>
                 <a:t>6</a:t>
               </a:r>
@@ -7434,6 +7776,7 @@
                   </a:solidFill>
                 </a:defRPr>
               </a:pPr>
+              <a:endParaRPr/>
             </a:p>
           </p:txBody>
         </p:sp>
@@ -7459,7 +7802,7 @@
             <a:effectLst/>
             <a:extLst>
               <a:ext uri="{C572A759-6A51-4108-AA02-DFA0A04FC94B}">
-                <ma14:wrappingTextBoxFlag xmlns:ma14="http://schemas.microsoft.com/office/mac/drawingml/2011/main" val="1"/>
+                <ma14:wrappingTextBoxFlag xmlns:ma14="http://schemas.microsoft.com/office/mac/drawingml/2011/main" xmlns:a14="http://schemas.microsoft.com/office/drawing/2010/main" xmlns:m="http://schemas.openxmlformats.org/officeDocument/2006/math" xmlns="" val="1"/>
               </a:ext>
             </a:extLst>
           </p:spPr>
@@ -7469,7 +7812,7 @@
             </a:bodyPr>
             <a:lstStyle>
               <a:lvl1pPr algn="ctr">
-                <a:defRPr b="1" sz="1300">
+                <a:defRPr sz="1300" b="1">
                   <a:solidFill>
                     <a:schemeClr val="accent1"/>
                   </a:solidFill>
@@ -7477,7 +7820,6 @@
               </a:lvl1pPr>
             </a:lstStyle>
             <a:p>
-              <a:pPr/>
               <a:r>
                 <a:t>7</a:t>
               </a:r>
@@ -7536,6 +7878,7 @@
                   </a:solidFill>
                 </a:defRPr>
               </a:pPr>
+              <a:endParaRPr/>
             </a:p>
           </p:txBody>
         </p:sp>
@@ -7561,7 +7904,7 @@
             <a:effectLst/>
             <a:extLst>
               <a:ext uri="{C572A759-6A51-4108-AA02-DFA0A04FC94B}">
-                <ma14:wrappingTextBoxFlag xmlns:ma14="http://schemas.microsoft.com/office/mac/drawingml/2011/main" val="1"/>
+                <ma14:wrappingTextBoxFlag xmlns:ma14="http://schemas.microsoft.com/office/mac/drawingml/2011/main" xmlns:a14="http://schemas.microsoft.com/office/drawing/2010/main" xmlns:m="http://schemas.openxmlformats.org/officeDocument/2006/math" xmlns="" val="1"/>
               </a:ext>
             </a:extLst>
           </p:spPr>
@@ -7571,7 +7914,7 @@
             </a:bodyPr>
             <a:lstStyle>
               <a:lvl1pPr algn="ctr">
-                <a:defRPr b="1" sz="1300">
+                <a:defRPr sz="1300" b="1">
                   <a:solidFill>
                     <a:schemeClr val="accent1"/>
                   </a:solidFill>
@@ -7579,7 +7922,6 @@
               </a:lvl1pPr>
             </a:lstStyle>
             <a:p>
-              <a:pPr/>
               <a:r>
                 <a:t>8</a:t>
               </a:r>
@@ -7638,6 +7980,7 @@
                   </a:solidFill>
                 </a:defRPr>
               </a:pPr>
+              <a:endParaRPr/>
             </a:p>
           </p:txBody>
         </p:sp>
@@ -7663,7 +8006,7 @@
             <a:effectLst/>
             <a:extLst>
               <a:ext uri="{C572A759-6A51-4108-AA02-DFA0A04FC94B}">
-                <ma14:wrappingTextBoxFlag xmlns:ma14="http://schemas.microsoft.com/office/mac/drawingml/2011/main" val="1"/>
+                <ma14:wrappingTextBoxFlag xmlns:ma14="http://schemas.microsoft.com/office/mac/drawingml/2011/main" xmlns:a14="http://schemas.microsoft.com/office/drawing/2010/main" xmlns:m="http://schemas.openxmlformats.org/officeDocument/2006/math" xmlns="" val="1"/>
               </a:ext>
             </a:extLst>
           </p:spPr>
@@ -7681,7 +8024,6 @@
               </a:lvl1pPr>
             </a:lstStyle>
             <a:p>
-              <a:pPr/>
               <a:r>
                 <a:t>9</a:t>
               </a:r>
@@ -7740,6 +8082,7 @@
                   </a:solidFill>
                 </a:defRPr>
               </a:pPr>
+              <a:endParaRPr/>
             </a:p>
           </p:txBody>
         </p:sp>
@@ -7765,7 +8108,7 @@
             <a:effectLst/>
             <a:extLst>
               <a:ext uri="{C572A759-6A51-4108-AA02-DFA0A04FC94B}">
-                <ma14:wrappingTextBoxFlag xmlns:ma14="http://schemas.microsoft.com/office/mac/drawingml/2011/main" val="1"/>
+                <ma14:wrappingTextBoxFlag xmlns:ma14="http://schemas.microsoft.com/office/mac/drawingml/2011/main" xmlns:a14="http://schemas.microsoft.com/office/drawing/2010/main" xmlns:m="http://schemas.openxmlformats.org/officeDocument/2006/math" xmlns="" val="1"/>
               </a:ext>
             </a:extLst>
           </p:spPr>
@@ -7775,7 +8118,7 @@
             </a:bodyPr>
             <a:lstStyle>
               <a:lvl1pPr algn="ctr">
-                <a:defRPr b="1" sz="1300">
+                <a:defRPr sz="1300" b="1">
                   <a:solidFill>
                     <a:schemeClr val="accent1"/>
                   </a:solidFill>
@@ -7783,7 +8126,6 @@
               </a:lvl1pPr>
             </a:lstStyle>
             <a:p>
-              <a:pPr/>
               <a:r>
                 <a:t>0</a:t>
               </a:r>
@@ -7844,6 +8186,7 @@
                   </a:solidFill>
                 </a:defRPr>
               </a:pPr>
+              <a:endParaRPr/>
             </a:p>
           </p:txBody>
         </p:sp>
@@ -7869,7 +8212,7 @@
             <a:effectLst/>
             <a:extLst>
               <a:ext uri="{C572A759-6A51-4108-AA02-DFA0A04FC94B}">
-                <ma14:wrappingTextBoxFlag xmlns:ma14="http://schemas.microsoft.com/office/mac/drawingml/2011/main" val="1"/>
+                <ma14:wrappingTextBoxFlag xmlns:ma14="http://schemas.microsoft.com/office/mac/drawingml/2011/main" xmlns:a14="http://schemas.microsoft.com/office/drawing/2010/main" xmlns:m="http://schemas.openxmlformats.org/officeDocument/2006/math" xmlns="" val="1"/>
               </a:ext>
             </a:extLst>
           </p:spPr>
@@ -7879,7 +8222,7 @@
             </a:bodyPr>
             <a:lstStyle>
               <a:lvl1pPr algn="ctr">
-                <a:defRPr b="1" sz="1300">
+                <a:defRPr sz="1300" b="1">
                   <a:solidFill>
                     <a:srgbClr val="FFFFFF"/>
                   </a:solidFill>
@@ -7887,7 +8230,6 @@
               </a:lvl1pPr>
             </a:lstStyle>
             <a:p>
-              <a:pPr/>
               <a:r>
                 <a:t>A</a:t>
               </a:r>
@@ -7948,6 +8290,7 @@
                   </a:solidFill>
                 </a:defRPr>
               </a:pPr>
+              <a:endParaRPr/>
             </a:p>
           </p:txBody>
         </p:sp>
@@ -7973,7 +8316,7 @@
             <a:effectLst/>
             <a:extLst>
               <a:ext uri="{C572A759-6A51-4108-AA02-DFA0A04FC94B}">
-                <ma14:wrappingTextBoxFlag xmlns:ma14="http://schemas.microsoft.com/office/mac/drawingml/2011/main" val="1"/>
+                <ma14:wrappingTextBoxFlag xmlns:ma14="http://schemas.microsoft.com/office/mac/drawingml/2011/main" xmlns:a14="http://schemas.microsoft.com/office/drawing/2010/main" xmlns:m="http://schemas.openxmlformats.org/officeDocument/2006/math" xmlns="" val="1"/>
               </a:ext>
             </a:extLst>
           </p:spPr>
@@ -7983,7 +8326,7 @@
             </a:bodyPr>
             <a:lstStyle>
               <a:lvl1pPr algn="ctr">
-                <a:defRPr b="1" sz="1300">
+                <a:defRPr sz="1300" b="1">
                   <a:solidFill>
                     <a:srgbClr val="FFFFFF"/>
                   </a:solidFill>
@@ -7991,7 +8334,6 @@
               </a:lvl1pPr>
             </a:lstStyle>
             <a:p>
-              <a:pPr/>
               <a:r>
                 <a:t>B</a:t>
               </a:r>
@@ -8052,6 +8394,7 @@
                   </a:solidFill>
                 </a:defRPr>
               </a:pPr>
+              <a:endParaRPr/>
             </a:p>
           </p:txBody>
         </p:sp>
@@ -8077,7 +8420,7 @@
             <a:effectLst/>
             <a:extLst>
               <a:ext uri="{C572A759-6A51-4108-AA02-DFA0A04FC94B}">
-                <ma14:wrappingTextBoxFlag xmlns:ma14="http://schemas.microsoft.com/office/mac/drawingml/2011/main" val="1"/>
+                <ma14:wrappingTextBoxFlag xmlns:ma14="http://schemas.microsoft.com/office/mac/drawingml/2011/main" xmlns:a14="http://schemas.microsoft.com/office/drawing/2010/main" xmlns:m="http://schemas.openxmlformats.org/officeDocument/2006/math" xmlns="" val="1"/>
               </a:ext>
             </a:extLst>
           </p:spPr>
@@ -8087,7 +8430,7 @@
             </a:bodyPr>
             <a:lstStyle>
               <a:lvl1pPr algn="ctr">
-                <a:defRPr b="1" sz="1300">
+                <a:defRPr sz="1300" b="1">
                   <a:solidFill>
                     <a:srgbClr val="FFFFFF"/>
                   </a:solidFill>
@@ -8095,7 +8438,6 @@
               </a:lvl1pPr>
             </a:lstStyle>
             <a:p>
-              <a:pPr/>
               <a:r>
                 <a:t>C</a:t>
               </a:r>
@@ -8156,6 +8498,7 @@
                   </a:solidFill>
                 </a:defRPr>
               </a:pPr>
+              <a:endParaRPr/>
             </a:p>
           </p:txBody>
         </p:sp>
@@ -8181,7 +8524,7 @@
             <a:effectLst/>
             <a:extLst>
               <a:ext uri="{C572A759-6A51-4108-AA02-DFA0A04FC94B}">
-                <ma14:wrappingTextBoxFlag xmlns:ma14="http://schemas.microsoft.com/office/mac/drawingml/2011/main" val="1"/>
+                <ma14:wrappingTextBoxFlag xmlns:ma14="http://schemas.microsoft.com/office/mac/drawingml/2011/main" xmlns:a14="http://schemas.microsoft.com/office/drawing/2010/main" xmlns:m="http://schemas.openxmlformats.org/officeDocument/2006/math" xmlns="" val="1"/>
               </a:ext>
             </a:extLst>
           </p:spPr>
@@ -8191,7 +8534,7 @@
             </a:bodyPr>
             <a:lstStyle>
               <a:lvl1pPr algn="ctr">
-                <a:defRPr b="1" sz="1300">
+                <a:defRPr sz="1300" b="1">
                   <a:solidFill>
                     <a:srgbClr val="FFFFFF"/>
                   </a:solidFill>
@@ -8199,7 +8542,6 @@
               </a:lvl1pPr>
             </a:lstStyle>
             <a:p>
-              <a:pPr/>
               <a:r>
                 <a:t>D</a:t>
               </a:r>
@@ -8260,6 +8602,7 @@
                   </a:solidFill>
                 </a:defRPr>
               </a:pPr>
+              <a:endParaRPr/>
             </a:p>
           </p:txBody>
         </p:sp>
@@ -8285,7 +8628,7 @@
             <a:effectLst/>
             <a:extLst>
               <a:ext uri="{C572A759-6A51-4108-AA02-DFA0A04FC94B}">
-                <ma14:wrappingTextBoxFlag xmlns:ma14="http://schemas.microsoft.com/office/mac/drawingml/2011/main" val="1"/>
+                <ma14:wrappingTextBoxFlag xmlns:ma14="http://schemas.microsoft.com/office/mac/drawingml/2011/main" xmlns:a14="http://schemas.microsoft.com/office/drawing/2010/main" xmlns:m="http://schemas.openxmlformats.org/officeDocument/2006/math" xmlns="" val="1"/>
               </a:ext>
             </a:extLst>
           </p:spPr>
@@ -8295,7 +8638,7 @@
             </a:bodyPr>
             <a:lstStyle>
               <a:lvl1pPr algn="ctr">
-                <a:defRPr b="1" sz="1300">
+                <a:defRPr sz="1300" b="1">
                   <a:solidFill>
                     <a:srgbClr val="FFFFFF"/>
                   </a:solidFill>
@@ -8303,7 +8646,6 @@
               </a:lvl1pPr>
             </a:lstStyle>
             <a:p>
-              <a:pPr/>
               <a:r>
                 <a:t>E</a:t>
               </a:r>
@@ -8364,6 +8706,7 @@
                   </a:solidFill>
                 </a:defRPr>
               </a:pPr>
+              <a:endParaRPr/>
             </a:p>
           </p:txBody>
         </p:sp>
@@ -8389,7 +8732,7 @@
             <a:effectLst/>
             <a:extLst>
               <a:ext uri="{C572A759-6A51-4108-AA02-DFA0A04FC94B}">
-                <ma14:wrappingTextBoxFlag xmlns:ma14="http://schemas.microsoft.com/office/mac/drawingml/2011/main" val="1"/>
+                <ma14:wrappingTextBoxFlag xmlns:ma14="http://schemas.microsoft.com/office/mac/drawingml/2011/main" xmlns:a14="http://schemas.microsoft.com/office/drawing/2010/main" xmlns:m="http://schemas.openxmlformats.org/officeDocument/2006/math" xmlns="" val="1"/>
               </a:ext>
             </a:extLst>
           </p:spPr>
@@ -8399,7 +8742,7 @@
             </a:bodyPr>
             <a:lstStyle>
               <a:lvl1pPr algn="ctr">
-                <a:defRPr b="1" sz="1300">
+                <a:defRPr sz="1300" b="1">
                   <a:solidFill>
                     <a:srgbClr val="FFFFFF"/>
                   </a:solidFill>
@@ -8407,7 +8750,6 @@
               </a:lvl1pPr>
             </a:lstStyle>
             <a:p>
-              <a:pPr/>
               <a:r>
                 <a:t>F</a:t>
               </a:r>
@@ -8468,6 +8810,7 @@
                   </a:solidFill>
                 </a:defRPr>
               </a:pPr>
+              <a:endParaRPr/>
             </a:p>
           </p:txBody>
         </p:sp>
@@ -8493,7 +8836,7 @@
             <a:effectLst/>
             <a:extLst>
               <a:ext uri="{C572A759-6A51-4108-AA02-DFA0A04FC94B}">
-                <ma14:wrappingTextBoxFlag xmlns:ma14="http://schemas.microsoft.com/office/mac/drawingml/2011/main" val="1"/>
+                <ma14:wrappingTextBoxFlag xmlns:ma14="http://schemas.microsoft.com/office/mac/drawingml/2011/main" xmlns:a14="http://schemas.microsoft.com/office/drawing/2010/main" xmlns:m="http://schemas.openxmlformats.org/officeDocument/2006/math" xmlns="" val="1"/>
               </a:ext>
             </a:extLst>
           </p:spPr>
@@ -8503,7 +8846,7 @@
             </a:bodyPr>
             <a:lstStyle>
               <a:lvl1pPr algn="ctr">
-                <a:defRPr b="1" sz="1300">
+                <a:defRPr sz="1300" b="1">
                   <a:solidFill>
                     <a:srgbClr val="FFFFFF"/>
                   </a:solidFill>
@@ -8511,7 +8854,6 @@
               </a:lvl1pPr>
             </a:lstStyle>
             <a:p>
-              <a:pPr/>
               <a:r>
                 <a:t>G</a:t>
               </a:r>
@@ -8572,6 +8914,7 @@
                   </a:solidFill>
                 </a:defRPr>
               </a:pPr>
+              <a:endParaRPr/>
             </a:p>
           </p:txBody>
         </p:sp>
@@ -8597,7 +8940,7 @@
             <a:effectLst/>
             <a:extLst>
               <a:ext uri="{C572A759-6A51-4108-AA02-DFA0A04FC94B}">
-                <ma14:wrappingTextBoxFlag xmlns:ma14="http://schemas.microsoft.com/office/mac/drawingml/2011/main" val="1"/>
+                <ma14:wrappingTextBoxFlag xmlns:ma14="http://schemas.microsoft.com/office/mac/drawingml/2011/main" xmlns:a14="http://schemas.microsoft.com/office/drawing/2010/main" xmlns:m="http://schemas.openxmlformats.org/officeDocument/2006/math" xmlns="" val="1"/>
               </a:ext>
             </a:extLst>
           </p:spPr>
@@ -8607,7 +8950,7 @@
             </a:bodyPr>
             <a:lstStyle>
               <a:lvl1pPr algn="ctr">
-                <a:defRPr b="1" sz="1300">
+                <a:defRPr sz="1300" b="1">
                   <a:solidFill>
                     <a:srgbClr val="FFFFFF"/>
                   </a:solidFill>
@@ -8615,7 +8958,6 @@
               </a:lvl1pPr>
             </a:lstStyle>
             <a:p>
-              <a:pPr/>
               <a:r>
                 <a:t>H</a:t>
               </a:r>
@@ -8676,6 +9018,7 @@
                   </a:solidFill>
                 </a:defRPr>
               </a:pPr>
+              <a:endParaRPr/>
             </a:p>
           </p:txBody>
         </p:sp>
@@ -8701,7 +9044,7 @@
             <a:effectLst/>
             <a:extLst>
               <a:ext uri="{C572A759-6A51-4108-AA02-DFA0A04FC94B}">
-                <ma14:wrappingTextBoxFlag xmlns:ma14="http://schemas.microsoft.com/office/mac/drawingml/2011/main" val="1"/>
+                <ma14:wrappingTextBoxFlag xmlns:ma14="http://schemas.microsoft.com/office/mac/drawingml/2011/main" xmlns:a14="http://schemas.microsoft.com/office/drawing/2010/main" xmlns:m="http://schemas.openxmlformats.org/officeDocument/2006/math" xmlns="" val="1"/>
               </a:ext>
             </a:extLst>
           </p:spPr>
@@ -8711,7 +9054,7 @@
             </a:bodyPr>
             <a:lstStyle>
               <a:lvl1pPr algn="ctr">
-                <a:defRPr b="1" sz="1300">
+                <a:defRPr sz="1300" b="1">
                   <a:solidFill>
                     <a:srgbClr val="FFFFFF"/>
                   </a:solidFill>
@@ -8719,7 +9062,6 @@
               </a:lvl1pPr>
             </a:lstStyle>
             <a:p>
-              <a:pPr/>
               <a:r>
                 <a:t>I</a:t>
               </a:r>
@@ -8780,6 +9122,7 @@
                   </a:solidFill>
                 </a:defRPr>
               </a:pPr>
+              <a:endParaRPr/>
             </a:p>
           </p:txBody>
         </p:sp>
@@ -8805,7 +9148,7 @@
             <a:effectLst/>
             <a:extLst>
               <a:ext uri="{C572A759-6A51-4108-AA02-DFA0A04FC94B}">
-                <ma14:wrappingTextBoxFlag xmlns:ma14="http://schemas.microsoft.com/office/mac/drawingml/2011/main" val="1"/>
+                <ma14:wrappingTextBoxFlag xmlns:ma14="http://schemas.microsoft.com/office/mac/drawingml/2011/main" xmlns:a14="http://schemas.microsoft.com/office/drawing/2010/main" xmlns:m="http://schemas.openxmlformats.org/officeDocument/2006/math" xmlns="" val="1"/>
               </a:ext>
             </a:extLst>
           </p:spPr>
@@ -8815,7 +9158,7 @@
             </a:bodyPr>
             <a:lstStyle>
               <a:lvl1pPr algn="ctr">
-                <a:defRPr b="1" sz="1300">
+                <a:defRPr sz="1300" b="1">
                   <a:solidFill>
                     <a:srgbClr val="FFFFFF"/>
                   </a:solidFill>
@@ -8823,7 +9166,6 @@
               </a:lvl1pPr>
             </a:lstStyle>
             <a:p>
-              <a:pPr/>
               <a:r>
                 <a:t>J</a:t>
               </a:r>
@@ -8882,6 +9224,7 @@
                   </a:solidFill>
                 </a:defRPr>
               </a:pPr>
+              <a:endParaRPr/>
             </a:p>
           </p:txBody>
         </p:sp>
@@ -8907,7 +9250,7 @@
             <a:effectLst/>
             <a:extLst>
               <a:ext uri="{C572A759-6A51-4108-AA02-DFA0A04FC94B}">
-                <ma14:wrappingTextBoxFlag xmlns:ma14="http://schemas.microsoft.com/office/mac/drawingml/2011/main" val="1"/>
+                <ma14:wrappingTextBoxFlag xmlns:ma14="http://schemas.microsoft.com/office/mac/drawingml/2011/main" xmlns:a14="http://schemas.microsoft.com/office/drawing/2010/main" xmlns:m="http://schemas.openxmlformats.org/officeDocument/2006/math" xmlns="" val="1"/>
               </a:ext>
             </a:extLst>
           </p:spPr>
@@ -8917,7 +9260,7 @@
             </a:bodyPr>
             <a:lstStyle>
               <a:lvl1pPr algn="ctr">
-                <a:defRPr b="1" sz="1300">
+                <a:defRPr sz="1300" b="1">
                   <a:solidFill>
                     <a:schemeClr val="accent1"/>
                   </a:solidFill>
@@ -8925,7 +9268,6 @@
               </a:lvl1pPr>
             </a:lstStyle>
             <a:p>
-              <a:pPr/>
               <a:r>
                 <a:t>A</a:t>
               </a:r>
@@ -8984,6 +9326,7 @@
                   </a:solidFill>
                 </a:defRPr>
               </a:pPr>
+              <a:endParaRPr/>
             </a:p>
           </p:txBody>
         </p:sp>
@@ -9009,7 +9352,7 @@
             <a:effectLst/>
             <a:extLst>
               <a:ext uri="{C572A759-6A51-4108-AA02-DFA0A04FC94B}">
-                <ma14:wrappingTextBoxFlag xmlns:ma14="http://schemas.microsoft.com/office/mac/drawingml/2011/main" val="1"/>
+                <ma14:wrappingTextBoxFlag xmlns:ma14="http://schemas.microsoft.com/office/mac/drawingml/2011/main" xmlns:a14="http://schemas.microsoft.com/office/drawing/2010/main" xmlns:m="http://schemas.openxmlformats.org/officeDocument/2006/math" xmlns="" val="1"/>
               </a:ext>
             </a:extLst>
           </p:spPr>
@@ -9019,7 +9362,7 @@
             </a:bodyPr>
             <a:lstStyle>
               <a:lvl1pPr algn="ctr">
-                <a:defRPr b="1" sz="1300">
+                <a:defRPr sz="1300" b="1">
                   <a:solidFill>
                     <a:schemeClr val="accent1"/>
                   </a:solidFill>
@@ -9027,7 +9370,6 @@
               </a:lvl1pPr>
             </a:lstStyle>
             <a:p>
-              <a:pPr/>
               <a:r>
                 <a:t>B</a:t>
               </a:r>
@@ -9086,6 +9428,7 @@
                   </a:solidFill>
                 </a:defRPr>
               </a:pPr>
+              <a:endParaRPr/>
             </a:p>
           </p:txBody>
         </p:sp>
@@ -9111,7 +9454,7 @@
             <a:effectLst/>
             <a:extLst>
               <a:ext uri="{C572A759-6A51-4108-AA02-DFA0A04FC94B}">
-                <ma14:wrappingTextBoxFlag xmlns:ma14="http://schemas.microsoft.com/office/mac/drawingml/2011/main" val="1"/>
+                <ma14:wrappingTextBoxFlag xmlns:ma14="http://schemas.microsoft.com/office/mac/drawingml/2011/main" xmlns:a14="http://schemas.microsoft.com/office/drawing/2010/main" xmlns:m="http://schemas.openxmlformats.org/officeDocument/2006/math" xmlns="" val="1"/>
               </a:ext>
             </a:extLst>
           </p:spPr>
@@ -9121,7 +9464,7 @@
             </a:bodyPr>
             <a:lstStyle>
               <a:lvl1pPr algn="ctr">
-                <a:defRPr b="1" sz="1300">
+                <a:defRPr sz="1300" b="1">
                   <a:solidFill>
                     <a:schemeClr val="accent1"/>
                   </a:solidFill>
@@ -9129,7 +9472,6 @@
               </a:lvl1pPr>
             </a:lstStyle>
             <a:p>
-              <a:pPr/>
               <a:r>
                 <a:t>C</a:t>
               </a:r>
@@ -9188,6 +9530,7 @@
                   </a:solidFill>
                 </a:defRPr>
               </a:pPr>
+              <a:endParaRPr/>
             </a:p>
           </p:txBody>
         </p:sp>
@@ -9213,7 +9556,7 @@
             <a:effectLst/>
             <a:extLst>
               <a:ext uri="{C572A759-6A51-4108-AA02-DFA0A04FC94B}">
-                <ma14:wrappingTextBoxFlag xmlns:ma14="http://schemas.microsoft.com/office/mac/drawingml/2011/main" val="1"/>
+                <ma14:wrappingTextBoxFlag xmlns:ma14="http://schemas.microsoft.com/office/mac/drawingml/2011/main" xmlns:a14="http://schemas.microsoft.com/office/drawing/2010/main" xmlns:m="http://schemas.openxmlformats.org/officeDocument/2006/math" xmlns="" val="1"/>
               </a:ext>
             </a:extLst>
           </p:spPr>
@@ -9223,7 +9566,7 @@
             </a:bodyPr>
             <a:lstStyle>
               <a:lvl1pPr algn="ctr">
-                <a:defRPr b="1" sz="1300">
+                <a:defRPr sz="1300" b="1">
                   <a:solidFill>
                     <a:schemeClr val="accent1"/>
                   </a:solidFill>
@@ -9231,7 +9574,6 @@
               </a:lvl1pPr>
             </a:lstStyle>
             <a:p>
-              <a:pPr/>
               <a:r>
                 <a:t>D</a:t>
               </a:r>
@@ -9290,6 +9632,7 @@
                   </a:solidFill>
                 </a:defRPr>
               </a:pPr>
+              <a:endParaRPr/>
             </a:p>
           </p:txBody>
         </p:sp>
@@ -9315,7 +9658,7 @@
             <a:effectLst/>
             <a:extLst>
               <a:ext uri="{C572A759-6A51-4108-AA02-DFA0A04FC94B}">
-                <ma14:wrappingTextBoxFlag xmlns:ma14="http://schemas.microsoft.com/office/mac/drawingml/2011/main" val="1"/>
+                <ma14:wrappingTextBoxFlag xmlns:ma14="http://schemas.microsoft.com/office/mac/drawingml/2011/main" xmlns:a14="http://schemas.microsoft.com/office/drawing/2010/main" xmlns:m="http://schemas.openxmlformats.org/officeDocument/2006/math" xmlns="" val="1"/>
               </a:ext>
             </a:extLst>
           </p:spPr>
@@ -9325,7 +9668,7 @@
             </a:bodyPr>
             <a:lstStyle>
               <a:lvl1pPr algn="ctr">
-                <a:defRPr b="1" sz="1300">
+                <a:defRPr sz="1300" b="1">
                   <a:solidFill>
                     <a:schemeClr val="accent1"/>
                   </a:solidFill>
@@ -9333,7 +9676,6 @@
               </a:lvl1pPr>
             </a:lstStyle>
             <a:p>
-              <a:pPr/>
               <a:r>
                 <a:t>E</a:t>
               </a:r>
@@ -9392,6 +9734,7 @@
                   </a:solidFill>
                 </a:defRPr>
               </a:pPr>
+              <a:endParaRPr/>
             </a:p>
           </p:txBody>
         </p:sp>
@@ -9417,7 +9760,7 @@
             <a:effectLst/>
             <a:extLst>
               <a:ext uri="{C572A759-6A51-4108-AA02-DFA0A04FC94B}">
-                <ma14:wrappingTextBoxFlag xmlns:ma14="http://schemas.microsoft.com/office/mac/drawingml/2011/main" val="1"/>
+                <ma14:wrappingTextBoxFlag xmlns:ma14="http://schemas.microsoft.com/office/mac/drawingml/2011/main" xmlns:a14="http://schemas.microsoft.com/office/drawing/2010/main" xmlns:m="http://schemas.openxmlformats.org/officeDocument/2006/math" xmlns="" val="1"/>
               </a:ext>
             </a:extLst>
           </p:spPr>
@@ -9427,7 +9770,7 @@
             </a:bodyPr>
             <a:lstStyle>
               <a:lvl1pPr algn="ctr">
-                <a:defRPr b="1" sz="1300">
+                <a:defRPr sz="1300" b="1">
                   <a:solidFill>
                     <a:schemeClr val="accent1"/>
                   </a:solidFill>
@@ -9435,7 +9778,6 @@
               </a:lvl1pPr>
             </a:lstStyle>
             <a:p>
-              <a:pPr/>
               <a:r>
                 <a:t>F</a:t>
               </a:r>
@@ -9494,6 +9836,7 @@
                   </a:solidFill>
                 </a:defRPr>
               </a:pPr>
+              <a:endParaRPr/>
             </a:p>
           </p:txBody>
         </p:sp>
@@ -9519,7 +9862,7 @@
             <a:effectLst/>
             <a:extLst>
               <a:ext uri="{C572A759-6A51-4108-AA02-DFA0A04FC94B}">
-                <ma14:wrappingTextBoxFlag xmlns:ma14="http://schemas.microsoft.com/office/mac/drawingml/2011/main" val="1"/>
+                <ma14:wrappingTextBoxFlag xmlns:ma14="http://schemas.microsoft.com/office/mac/drawingml/2011/main" xmlns:a14="http://schemas.microsoft.com/office/drawing/2010/main" xmlns:m="http://schemas.openxmlformats.org/officeDocument/2006/math" xmlns="" val="1"/>
               </a:ext>
             </a:extLst>
           </p:spPr>
@@ -9529,7 +9872,7 @@
             </a:bodyPr>
             <a:lstStyle>
               <a:lvl1pPr algn="ctr">
-                <a:defRPr b="1" sz="1300">
+                <a:defRPr sz="1300" b="1">
                   <a:solidFill>
                     <a:schemeClr val="accent1"/>
                   </a:solidFill>
@@ -9537,7 +9880,6 @@
               </a:lvl1pPr>
             </a:lstStyle>
             <a:p>
-              <a:pPr/>
               <a:r>
                 <a:t>G</a:t>
               </a:r>
@@ -9596,6 +9938,7 @@
                   </a:solidFill>
                 </a:defRPr>
               </a:pPr>
+              <a:endParaRPr/>
             </a:p>
           </p:txBody>
         </p:sp>
@@ -9621,7 +9964,7 @@
             <a:effectLst/>
             <a:extLst>
               <a:ext uri="{C572A759-6A51-4108-AA02-DFA0A04FC94B}">
-                <ma14:wrappingTextBoxFlag xmlns:ma14="http://schemas.microsoft.com/office/mac/drawingml/2011/main" val="1"/>
+                <ma14:wrappingTextBoxFlag xmlns:ma14="http://schemas.microsoft.com/office/mac/drawingml/2011/main" xmlns:a14="http://schemas.microsoft.com/office/drawing/2010/main" xmlns:m="http://schemas.openxmlformats.org/officeDocument/2006/math" xmlns="" val="1"/>
               </a:ext>
             </a:extLst>
           </p:spPr>
@@ -9631,7 +9974,7 @@
             </a:bodyPr>
             <a:lstStyle>
               <a:lvl1pPr algn="ctr">
-                <a:defRPr b="1" sz="1300">
+                <a:defRPr sz="1300" b="1">
                   <a:solidFill>
                     <a:schemeClr val="accent1"/>
                   </a:solidFill>
@@ -9639,7 +9982,6 @@
               </a:lvl1pPr>
             </a:lstStyle>
             <a:p>
-              <a:pPr/>
               <a:r>
                 <a:t>H</a:t>
               </a:r>
@@ -9698,6 +10040,7 @@
                   </a:solidFill>
                 </a:defRPr>
               </a:pPr>
+              <a:endParaRPr/>
             </a:p>
           </p:txBody>
         </p:sp>
@@ -9723,7 +10066,7 @@
             <a:effectLst/>
             <a:extLst>
               <a:ext uri="{C572A759-6A51-4108-AA02-DFA0A04FC94B}">
-                <ma14:wrappingTextBoxFlag xmlns:ma14="http://schemas.microsoft.com/office/mac/drawingml/2011/main" val="1"/>
+                <ma14:wrappingTextBoxFlag xmlns:ma14="http://schemas.microsoft.com/office/mac/drawingml/2011/main" xmlns:a14="http://schemas.microsoft.com/office/drawing/2010/main" xmlns:m="http://schemas.openxmlformats.org/officeDocument/2006/math" xmlns="" val="1"/>
               </a:ext>
             </a:extLst>
           </p:spPr>
@@ -9733,7 +10076,7 @@
             </a:bodyPr>
             <a:lstStyle>
               <a:lvl1pPr algn="ctr">
-                <a:defRPr b="1" sz="1300">
+                <a:defRPr sz="1300" b="1">
                   <a:solidFill>
                     <a:schemeClr val="accent1"/>
                   </a:solidFill>
@@ -9741,7 +10084,6 @@
               </a:lvl1pPr>
             </a:lstStyle>
             <a:p>
-              <a:pPr/>
               <a:r>
                 <a:t>I</a:t>
               </a:r>
@@ -9800,6 +10142,7 @@
                   </a:solidFill>
                 </a:defRPr>
               </a:pPr>
+              <a:endParaRPr/>
             </a:p>
           </p:txBody>
         </p:sp>
@@ -9825,7 +10168,7 @@
             <a:effectLst/>
             <a:extLst>
               <a:ext uri="{C572A759-6A51-4108-AA02-DFA0A04FC94B}">
-                <ma14:wrappingTextBoxFlag xmlns:ma14="http://schemas.microsoft.com/office/mac/drawingml/2011/main" val="1"/>
+                <ma14:wrappingTextBoxFlag xmlns:ma14="http://schemas.microsoft.com/office/mac/drawingml/2011/main" xmlns:a14="http://schemas.microsoft.com/office/drawing/2010/main" xmlns:m="http://schemas.openxmlformats.org/officeDocument/2006/math" xmlns="" val="1"/>
               </a:ext>
             </a:extLst>
           </p:spPr>
@@ -9835,7 +10178,7 @@
             </a:bodyPr>
             <a:lstStyle>
               <a:lvl1pPr algn="ctr">
-                <a:defRPr b="1" sz="1300">
+                <a:defRPr sz="1300" b="1">
                   <a:solidFill>
                     <a:schemeClr val="accent1"/>
                   </a:solidFill>
@@ -9843,7 +10186,6 @@
               </a:lvl1pPr>
             </a:lstStyle>
             <a:p>
-              <a:pPr/>
               <a:r>
                 <a:t>J</a:t>
               </a:r>
@@ -9879,7 +10221,7 @@
           <a:bodyPr lIns="45719" rIns="45719"/>
           <a:lstStyle/>
           <a:p>
-            <a:pPr/>
+            <a:endParaRPr/>
           </a:p>
         </p:txBody>
       </p:sp>
@@ -9911,7 +10253,7 @@
           <a:bodyPr lIns="45719" rIns="45719"/>
           <a:lstStyle/>
           <a:p>
-            <a:pPr/>
+            <a:endParaRPr/>
           </a:p>
         </p:txBody>
       </p:sp>
@@ -9943,7 +10285,7 @@
           <a:bodyPr lIns="45719" rIns="45719"/>
           <a:lstStyle/>
           <a:p>
-            <a:pPr/>
+            <a:endParaRPr/>
           </a:p>
         </p:txBody>
       </p:sp>
@@ -9974,7 +10316,7 @@
           <a:bodyPr lIns="45719" rIns="45719"/>
           <a:lstStyle/>
           <a:p>
-            <a:pPr/>
+            <a:endParaRPr/>
           </a:p>
         </p:txBody>
       </p:sp>
@@ -10005,7 +10347,7 @@
           <a:bodyPr lIns="45719" rIns="45719"/>
           <a:lstStyle/>
           <a:p>
-            <a:pPr/>
+            <a:endParaRPr/>
           </a:p>
         </p:txBody>
       </p:sp>
@@ -10036,7 +10378,7 @@
           <a:bodyPr lIns="45719" rIns="45719"/>
           <a:lstStyle/>
           <a:p>
-            <a:pPr/>
+            <a:endParaRPr/>
           </a:p>
         </p:txBody>
       </p:sp>
@@ -10047,7 +10389,7 @@
           <p:nvPr/>
         </p:nvSpPr>
         <p:spPr>
-          <a:xfrm flipV="1" rot="16200000">
+          <a:xfrm rot="16200000" flipV="1">
             <a:off x="9224069" y="3631014"/>
             <a:ext cx="699566" cy="1571786"/>
           </a:xfrm>
@@ -10071,7 +10413,7 @@
             </a:cxnLst>
             <a:rect l="0" t="0" r="r" b="b"/>
             <a:pathLst>
-              <a:path w="21600" h="21600" fill="norm" stroke="1" extrusionOk="0">
+              <a:path w="21600" h="21600" extrusionOk="0">
                 <a:moveTo>
                   <a:pt x="0" y="0"/>
                 </a:moveTo>
@@ -10102,6 +10444,7 @@
           <a:lstStyle/>
           <a:p>
             <a:pPr algn="ctr"/>
+            <a:endParaRPr/>
           </a:p>
         </p:txBody>
       </p:sp>
@@ -10112,7 +10455,7 @@
           <p:nvPr/>
         </p:nvSpPr>
         <p:spPr>
-          <a:xfrm flipV="1" rot="16200000">
+          <a:xfrm rot="16200000" flipV="1">
             <a:off x="9219814" y="4318911"/>
             <a:ext cx="699566" cy="1571786"/>
           </a:xfrm>
@@ -10136,7 +10479,7 @@
             </a:cxnLst>
             <a:rect l="0" t="0" r="r" b="b"/>
             <a:pathLst>
-              <a:path w="21600" h="21600" fill="norm" stroke="1" extrusionOk="0">
+              <a:path w="21600" h="21600" extrusionOk="0">
                 <a:moveTo>
                   <a:pt x="0" y="0"/>
                 </a:moveTo>
@@ -10168,6 +10511,7 @@
           <a:lstStyle/>
           <a:p>
             <a:pPr algn="ctr"/>
+            <a:endParaRPr/>
           </a:p>
         </p:txBody>
       </p:sp>
@@ -10198,7 +10542,7 @@
           <a:bodyPr lIns="45719" rIns="45719"/>
           <a:lstStyle/>
           <a:p>
-            <a:pPr/>
+            <a:endParaRPr/>
           </a:p>
         </p:txBody>
       </p:sp>
@@ -10230,7 +10574,7 @@
           <a:bodyPr lIns="45719" rIns="45719"/>
           <a:lstStyle/>
           <a:p>
-            <a:pPr/>
+            <a:endParaRPr/>
           </a:p>
         </p:txBody>
       </p:sp>
@@ -10239,12 +10583,12 @@
   <p:clrMapOvr>
     <a:masterClrMapping/>
   </p:clrMapOvr>
-  <p:transition xmlns:p14="http://schemas.microsoft.com/office/powerpoint/2010/main" spd="med" advClick="1"/>
+  <p:transition spd="med"/>
 </p:sld>
 </file>
 
 <file path=ppt/slides/slide2.xml><?xml version="1.0" encoding="utf-8"?>
-<p:sld xmlns:a="http://schemas.openxmlformats.org/drawingml/2006/main" xmlns:r="http://schemas.openxmlformats.org/officeDocument/2006/relationships" xmlns:p="http://schemas.openxmlformats.org/presentationml/2006/main" xmlns:m="http://schemas.openxmlformats.org/officeDocument/2006/math" xmlns:a14="http://schemas.microsoft.com/office/drawing/2010/main" showMasterSp="1" showMasterPhAnim="1">
+<p:sld xmlns:a="http://schemas.openxmlformats.org/drawingml/2006/main" xmlns:r="http://schemas.openxmlformats.org/officeDocument/2006/relationships" xmlns:p="http://schemas.openxmlformats.org/presentationml/2006/main">
   <p:cSld>
     <p:spTree>
       <p:nvGrpSpPr>
@@ -10263,7 +10607,9 @@
       <p:sp>
         <p:nvSpPr>
           <p:cNvPr id="130" name="Slide Title"/>
-          <p:cNvSpPr txBox="1"/>
+          <p:cNvSpPr txBox="1">
+            <a:spLocks noGrp="1"/>
+          </p:cNvSpPr>
           <p:nvPr>
             <p:ph type="title"/>
           </p:nvPr>
@@ -10285,7 +10631,6 @@
             </a:lvl1pPr>
           </a:lstStyle>
           <a:p>
-            <a:pPr/>
             <a:r>
               <a:t>Iris Dataset</a:t>
             </a:r>
@@ -10295,7 +10640,9 @@
       <p:sp>
         <p:nvSpPr>
           <p:cNvPr id="131" name="Slide Text"/>
-          <p:cNvSpPr txBox="1"/>
+          <p:cNvSpPr txBox="1">
+            <a:spLocks noGrp="1"/>
+          </p:cNvSpPr>
           <p:nvPr>
             <p:ph type="body" sz="half" idx="1"/>
           </p:nvPr>
@@ -10322,13 +10669,11 @@
             </a:r>
           </a:p>
           <a:p>
-            <a:pPr/>
             <a:r>
               <a:t>Quantitative Predictors: Sepal.Length, Sepal.Width, Petal.Length, Petal.Width</a:t>
             </a:r>
           </a:p>
           <a:p>
-            <a:pPr/>
             <a:r>
               <a:t>Qualitative Response: Class</a:t>
             </a:r>
@@ -10339,14 +10684,12 @@
         <p:nvPicPr>
           <p:cNvPr id="132" name="Screen Shot 2023-12-04 at 3.02.43 PM.png" descr="Screen Shot 2023-12-04 at 3.02.43 PM.png"/>
           <p:cNvPicPr>
-            <a:picLocks noChangeAspect="0"/>
+            <a:picLocks/>
           </p:cNvPicPr>
           <p:nvPr/>
         </p:nvPicPr>
         <p:blipFill>
-          <a:blip r:embed="rId2">
-            <a:extLst/>
-          </a:blip>
+          <a:blip r:embed="rId2"/>
           <a:stretch>
             <a:fillRect/>
           </a:stretch>
@@ -10368,14 +10711,12 @@
         <p:nvPicPr>
           <p:cNvPr id="133" name="Screen Shot 2023-12-04 at 3.12.09 PM.png" descr="Screen Shot 2023-12-04 at 3.12.09 PM.png"/>
           <p:cNvPicPr>
-            <a:picLocks noChangeAspect="0"/>
+            <a:picLocks/>
           </p:cNvPicPr>
           <p:nvPr/>
         </p:nvPicPr>
         <p:blipFill>
-          <a:blip r:embed="rId3">
-            <a:extLst/>
-          </a:blip>
+          <a:blip r:embed="rId3"/>
           <a:stretch>
             <a:fillRect/>
           </a:stretch>
@@ -10398,12 +10739,12 @@
   <p:clrMapOvr>
     <a:masterClrMapping/>
   </p:clrMapOvr>
-  <p:transition xmlns:p14="http://schemas.microsoft.com/office/powerpoint/2010/main" spd="med" advClick="1"/>
+  <p:transition spd="med"/>
 </p:sld>
 </file>
 
 <file path=ppt/slides/slide3.xml><?xml version="1.0" encoding="utf-8"?>
-<p:sld xmlns:a="http://schemas.openxmlformats.org/drawingml/2006/main" xmlns:r="http://schemas.openxmlformats.org/officeDocument/2006/relationships" xmlns:p="http://schemas.openxmlformats.org/presentationml/2006/main" xmlns:m="http://schemas.openxmlformats.org/officeDocument/2006/math" xmlns:a14="http://schemas.microsoft.com/office/drawing/2010/main" showMasterSp="1" showMasterPhAnim="1">
+<p:sld xmlns:a="http://schemas.openxmlformats.org/drawingml/2006/main" xmlns:r="http://schemas.openxmlformats.org/officeDocument/2006/relationships" xmlns:p="http://schemas.openxmlformats.org/presentationml/2006/main">
   <p:cSld>
     <p:spTree>
       <p:nvGrpSpPr>
@@ -10438,7 +10779,7 @@
           </a:ln>
           <a:extLst>
             <a:ext uri="{C572A759-6A51-4108-AA02-DFA0A04FC94B}">
-              <ma14:wrappingTextBoxFlag xmlns:ma14="http://schemas.microsoft.com/office/mac/drawingml/2011/main" val="1"/>
+              <ma14:wrappingTextBoxFlag xmlns:ma14="http://schemas.microsoft.com/office/mac/drawingml/2011/main" xmlns:a14="http://schemas.microsoft.com/office/drawing/2010/main" xmlns:m="http://schemas.openxmlformats.org/officeDocument/2006/math" xmlns="" val="1"/>
             </a:ext>
           </a:extLst>
         </p:spPr>
@@ -10448,11 +10789,10 @@
           </a:bodyPr>
           <a:lstStyle>
             <a:lvl1pPr algn="r">
-              <a:defRPr b="1" sz="1600"/>
+              <a:defRPr sz="1600" b="1"/>
             </a:lvl1pPr>
           </a:lstStyle>
           <a:p>
-            <a:pPr/>
             <a:r>
               <a:t>5</a:t>
             </a:r>
@@ -10462,7 +10802,9 @@
       <p:sp>
         <p:nvSpPr>
           <p:cNvPr id="136" name="Slide Title"/>
-          <p:cNvSpPr txBox="1"/>
+          <p:cNvSpPr txBox="1">
+            <a:spLocks noGrp="1"/>
+          </p:cNvSpPr>
           <p:nvPr>
             <p:ph type="title"/>
           </p:nvPr>
@@ -10484,7 +10826,6 @@
             </a:lvl1pPr>
           </a:lstStyle>
           <a:p>
-            <a:pPr/>
             <a:r>
               <a:t>Objective and Approach</a:t>
             </a:r>
@@ -10494,7 +10835,9 @@
       <p:sp>
         <p:nvSpPr>
           <p:cNvPr id="137" name="Slide Text"/>
-          <p:cNvSpPr txBox="1"/>
+          <p:cNvSpPr txBox="1">
+            <a:spLocks noGrp="1"/>
+          </p:cNvSpPr>
           <p:nvPr>
             <p:ph type="body" sz="half" idx="1"/>
           </p:nvPr>
@@ -10552,12 +10895,147 @@
   <p:clrMapOvr>
     <a:masterClrMapping/>
   </p:clrMapOvr>
-  <p:transition xmlns:p14="http://schemas.microsoft.com/office/powerpoint/2010/main" spd="med" advClick="1"/>
+  <p:transition spd="med"/>
 </p:sld>
 </file>
 
 <file path=ppt/slides/slide4.xml><?xml version="1.0" encoding="utf-8"?>
-<p:sld xmlns:a="http://schemas.openxmlformats.org/drawingml/2006/main" xmlns:r="http://schemas.openxmlformats.org/officeDocument/2006/relationships" xmlns:p="http://schemas.openxmlformats.org/presentationml/2006/main" xmlns:m="http://schemas.openxmlformats.org/officeDocument/2006/math" xmlns:a14="http://schemas.microsoft.com/office/drawing/2010/main" showMasterSp="1" showMasterPhAnim="1">
+<p:sld xmlns:a="http://schemas.openxmlformats.org/drawingml/2006/main" xmlns:r="http://schemas.openxmlformats.org/officeDocument/2006/relationships" xmlns:p="http://schemas.openxmlformats.org/presentationml/2006/main">
+  <p:cSld>
+    <p:spTree>
+      <p:nvGrpSpPr>
+        <p:cNvPr id="1" name=""/>
+        <p:cNvGrpSpPr/>
+        <p:nvPr/>
+      </p:nvGrpSpPr>
+      <p:grpSpPr>
+        <a:xfrm>
+          <a:off x="0" y="0"/>
+          <a:ext cx="0" cy="0"/>
+          <a:chOff x="0" y="0"/>
+          <a:chExt cx="0" cy="0"/>
+        </a:xfrm>
+      </p:grpSpPr>
+      <p:sp>
+        <p:nvSpPr>
+          <p:cNvPr id="135" name="Slide Number"/>
+          <p:cNvSpPr txBox="1"/>
+          <p:nvPr/>
+        </p:nvSpPr>
+        <p:spPr>
+          <a:xfrm>
+            <a:off x="7574280" y="6345640"/>
+            <a:ext cx="4114801" cy="313393"/>
+          </a:xfrm>
+          <a:prstGeom prst="rect">
+            <a:avLst/>
+          </a:prstGeom>
+          <a:ln w="12700">
+            <a:miter lim="400000"/>
+          </a:ln>
+          <a:extLst>
+            <a:ext uri="{C572A759-6A51-4108-AA02-DFA0A04FC94B}">
+              <ma14:wrappingTextBoxFlag xmlns="" xmlns:m="http://schemas.openxmlformats.org/officeDocument/2006/math" xmlns:a14="http://schemas.microsoft.com/office/drawing/2010/main" xmlns:ma14="http://schemas.microsoft.com/office/mac/drawingml/2011/main" val="1"/>
+            </a:ext>
+          </a:extLst>
+        </p:spPr>
+        <p:txBody>
+          <a:bodyPr lIns="45719" rIns="45719" anchor="ctr">
+            <a:spAutoFit/>
+          </a:bodyPr>
+          <a:lstStyle>
+            <a:lvl1pPr algn="r">
+              <a:defRPr sz="1600" b="1"/>
+            </a:lvl1pPr>
+          </a:lstStyle>
+          <a:p>
+            <a:r>
+              <a:t>5</a:t>
+            </a:r>
+          </a:p>
+        </p:txBody>
+      </p:sp>
+      <p:sp>
+        <p:nvSpPr>
+          <p:cNvPr id="136" name="Slide Title"/>
+          <p:cNvSpPr txBox="1">
+            <a:spLocks noGrp="1"/>
+          </p:cNvSpPr>
+          <p:nvPr>
+            <p:ph type="title"/>
+          </p:nvPr>
+        </p:nvSpPr>
+        <p:spPr>
+          <a:xfrm>
+            <a:off x="566928" y="1499616"/>
+            <a:ext cx="6951472" cy="590932"/>
+          </a:xfrm>
+          <a:prstGeom prst="rect">
+            <a:avLst/>
+          </a:prstGeom>
+        </p:spPr>
+        <p:txBody>
+          <a:bodyPr/>
+          <a:lstStyle>
+            <a:lvl1pPr defTabSz="896111">
+              <a:defRPr sz="3528"/>
+            </a:lvl1pPr>
+          </a:lstStyle>
+          <a:p>
+            <a:r>
+              <a:rPr lang="en-US" dirty="0"/>
+              <a:t>Cross Validation</a:t>
+            </a:r>
+            <a:endParaRPr dirty="0"/>
+          </a:p>
+        </p:txBody>
+      </p:sp>
+      <p:pic>
+        <p:nvPicPr>
+          <p:cNvPr id="3" name="Picture 2">
+            <a:extLst>
+              <a:ext uri="{FF2B5EF4-FFF2-40B4-BE49-F238E27FC236}">
+                <a16:creationId xmlns:a16="http://schemas.microsoft.com/office/drawing/2014/main" id="{2EE513C2-E022-9CD3-654A-3E04FB485B9C}"/>
+              </a:ext>
+            </a:extLst>
+          </p:cNvPr>
+          <p:cNvPicPr>
+            <a:picLocks noChangeAspect="1"/>
+          </p:cNvPicPr>
+          <p:nvPr/>
+        </p:nvPicPr>
+        <p:blipFill>
+          <a:blip r:embed="rId2"/>
+          <a:stretch>
+            <a:fillRect/>
+          </a:stretch>
+        </p:blipFill>
+        <p:spPr>
+          <a:xfrm>
+            <a:off x="888502" y="2274274"/>
+            <a:ext cx="5364130" cy="4071366"/>
+          </a:xfrm>
+          <a:prstGeom prst="rect">
+            <a:avLst/>
+          </a:prstGeom>
+        </p:spPr>
+      </p:pic>
+    </p:spTree>
+    <p:extLst>
+      <p:ext uri="{BB962C8B-B14F-4D97-AF65-F5344CB8AC3E}">
+        <p14:creationId xmlns:p14="http://schemas.microsoft.com/office/powerpoint/2010/main" val="3215877514"/>
+      </p:ext>
+    </p:extLst>
+  </p:cSld>
+  <p:clrMapOvr>
+    <a:masterClrMapping/>
+  </p:clrMapOvr>
+  <p:transition spd="med"/>
+</p:sld>
+</file>
+
+<file path=ppt/slides/slide5.xml><?xml version="1.0" encoding="utf-8"?>
+<p:sld xmlns:a="http://schemas.openxmlformats.org/drawingml/2006/main" xmlns:r="http://schemas.openxmlformats.org/officeDocument/2006/relationships" xmlns:p="http://schemas.openxmlformats.org/presentationml/2006/main">
   <p:cSld>
     <p:spTree>
       <p:nvGrpSpPr>
@@ -10576,7 +11054,9 @@
       <p:sp>
         <p:nvSpPr>
           <p:cNvPr id="139" name="Slide Title"/>
-          <p:cNvSpPr txBox="1"/>
+          <p:cNvSpPr txBox="1">
+            <a:spLocks noGrp="1"/>
+          </p:cNvSpPr>
           <p:nvPr>
             <p:ph type="title"/>
           </p:nvPr>
@@ -10594,7 +11074,6 @@
             </a:lvl1pPr>
           </a:lstStyle>
           <a:p>
-            <a:pPr/>
             <a:r>
               <a:t>LDA</a:t>
             </a:r>
@@ -10604,7 +11083,9 @@
       <p:sp>
         <p:nvSpPr>
           <p:cNvPr id="140" name="Slide Text"/>
-          <p:cNvSpPr txBox="1"/>
+          <p:cNvSpPr txBox="1">
+            <a:spLocks noGrp="1"/>
+          </p:cNvSpPr>
           <p:nvPr>
             <p:ph type="body" sz="half" idx="1"/>
           </p:nvPr>
@@ -10626,7 +11107,6 @@
             </a:lvl1pPr>
           </a:lstStyle>
           <a:p>
-            <a:pPr/>
             <a:r>
               <a:t>2% misclassification rate</a:t>
             </a:r>
@@ -10642,9 +11122,7 @@
           <p:nvPr/>
         </p:nvPicPr>
         <p:blipFill>
-          <a:blip r:embed="rId2">
-            <a:extLst/>
-          </a:blip>
+          <a:blip r:embed="rId2"/>
           <a:stretch>
             <a:fillRect/>
           </a:stretch>
@@ -10667,12 +11145,12 @@
   <p:clrMapOvr>
     <a:masterClrMapping/>
   </p:clrMapOvr>
-  <p:transition xmlns:p14="http://schemas.microsoft.com/office/powerpoint/2010/main" spd="med" advClick="1"/>
+  <p:transition spd="med"/>
 </p:sld>
 </file>
 
-<file path=ppt/slides/slide5.xml><?xml version="1.0" encoding="utf-8"?>
-<p:sld xmlns:a="http://schemas.openxmlformats.org/drawingml/2006/main" xmlns:r="http://schemas.openxmlformats.org/officeDocument/2006/relationships" xmlns:p="http://schemas.openxmlformats.org/presentationml/2006/main" xmlns:m="http://schemas.openxmlformats.org/officeDocument/2006/math" xmlns:a14="http://schemas.microsoft.com/office/drawing/2010/main" showMasterSp="1" showMasterPhAnim="1">
+<file path=ppt/slides/slide6.xml><?xml version="1.0" encoding="utf-8"?>
+<p:sld xmlns:a="http://schemas.openxmlformats.org/drawingml/2006/main" xmlns:r="http://schemas.openxmlformats.org/officeDocument/2006/relationships" xmlns:p="http://schemas.openxmlformats.org/presentationml/2006/main">
   <p:cSld>
     <p:spTree>
       <p:nvGrpSpPr>
@@ -10691,7 +11169,9 @@
       <p:sp>
         <p:nvSpPr>
           <p:cNvPr id="143" name="Slide Title"/>
-          <p:cNvSpPr txBox="1"/>
+          <p:cNvSpPr txBox="1">
+            <a:spLocks noGrp="1"/>
+          </p:cNvSpPr>
           <p:nvPr>
             <p:ph type="title"/>
           </p:nvPr>
@@ -10709,7 +11189,6 @@
             </a:lvl1pPr>
           </a:lstStyle>
           <a:p>
-            <a:pPr/>
             <a:r>
               <a:t>QDA</a:t>
             </a:r>
@@ -10719,7 +11198,9 @@
       <p:sp>
         <p:nvSpPr>
           <p:cNvPr id="144" name="Slide Text"/>
-          <p:cNvSpPr txBox="1"/>
+          <p:cNvSpPr txBox="1">
+            <a:spLocks noGrp="1"/>
+          </p:cNvSpPr>
           <p:nvPr>
             <p:ph type="body" sz="half" idx="1"/>
           </p:nvPr>
@@ -10741,7 +11222,6 @@
             </a:lvl1pPr>
           </a:lstStyle>
           <a:p>
-            <a:pPr/>
             <a:r>
               <a:t>2% misclassification rate</a:t>
             </a:r>
@@ -10757,9 +11237,7 @@
           <p:nvPr/>
         </p:nvPicPr>
         <p:blipFill>
-          <a:blip r:embed="rId2">
-            <a:extLst/>
-          </a:blip>
+          <a:blip r:embed="rId2"/>
           <a:stretch>
             <a:fillRect/>
           </a:stretch>
@@ -10782,12 +11260,12 @@
   <p:clrMapOvr>
     <a:masterClrMapping/>
   </p:clrMapOvr>
-  <p:transition xmlns:p14="http://schemas.microsoft.com/office/powerpoint/2010/main" spd="med" advClick="1"/>
+  <p:transition spd="med"/>
 </p:sld>
 </file>
 
-<file path=ppt/slides/slide6.xml><?xml version="1.0" encoding="utf-8"?>
-<p:sld xmlns:a="http://schemas.openxmlformats.org/drawingml/2006/main" xmlns:r="http://schemas.openxmlformats.org/officeDocument/2006/relationships" xmlns:p="http://schemas.openxmlformats.org/presentationml/2006/main" xmlns:m="http://schemas.openxmlformats.org/officeDocument/2006/math" xmlns:a14="http://schemas.microsoft.com/office/drawing/2010/main" showMasterSp="1" showMasterPhAnim="1">
+<file path=ppt/slides/slide7.xml><?xml version="1.0" encoding="utf-8"?>
+<p:sld xmlns:a="http://schemas.openxmlformats.org/drawingml/2006/main" xmlns:r="http://schemas.openxmlformats.org/officeDocument/2006/relationships" xmlns:p="http://schemas.openxmlformats.org/presentationml/2006/main">
   <p:cSld>
     <p:spTree>
       <p:nvGrpSpPr>
@@ -10806,7 +11284,9 @@
       <p:sp>
         <p:nvSpPr>
           <p:cNvPr id="147" name="Slide Title"/>
-          <p:cNvSpPr txBox="1"/>
+          <p:cNvSpPr txBox="1">
+            <a:spLocks noGrp="1"/>
+          </p:cNvSpPr>
           <p:nvPr>
             <p:ph type="title"/>
           </p:nvPr>
@@ -10824,7 +11304,6 @@
             </a:lvl1pPr>
           </a:lstStyle>
           <a:p>
-            <a:pPr/>
             <a:r>
               <a:t>KNN</a:t>
             </a:r>
@@ -10834,7 +11313,9 @@
       <p:sp>
         <p:nvSpPr>
           <p:cNvPr id="148" name="Slide Text"/>
-          <p:cNvSpPr txBox="1"/>
+          <p:cNvSpPr txBox="1">
+            <a:spLocks noGrp="1"/>
+          </p:cNvSpPr>
           <p:nvPr>
             <p:ph type="body" sz="half" idx="1"/>
           </p:nvPr>
@@ -10860,13 +11341,11 @@
             </a:r>
           </a:p>
           <a:p>
-            <a:pPr/>
             <a:r>
               <a:t>Find “best” k using cross validation</a:t>
             </a:r>
           </a:p>
           <a:p>
-            <a:pPr/>
             <a:r>
               <a:t>Find misclassification rate of best model</a:t>
             </a:r>
@@ -10882,9 +11361,7 @@
           <p:nvPr/>
         </p:nvPicPr>
         <p:blipFill>
-          <a:blip r:embed="rId2">
-            <a:extLst/>
-          </a:blip>
+          <a:blip r:embed="rId2"/>
           <a:stretch>
             <a:fillRect/>
           </a:stretch>
@@ -10907,12 +11384,12 @@
   <p:clrMapOvr>
     <a:masterClrMapping/>
   </p:clrMapOvr>
-  <p:transition xmlns:p14="http://schemas.microsoft.com/office/powerpoint/2010/main" spd="med" advClick="1"/>
+  <p:transition spd="med"/>
 </p:sld>
 </file>
 
-<file path=ppt/slides/slide7.xml><?xml version="1.0" encoding="utf-8"?>
-<p:sld xmlns:a="http://schemas.openxmlformats.org/drawingml/2006/main" xmlns:r="http://schemas.openxmlformats.org/officeDocument/2006/relationships" xmlns:p="http://schemas.openxmlformats.org/presentationml/2006/main" xmlns:m="http://schemas.openxmlformats.org/officeDocument/2006/math" xmlns:a14="http://schemas.microsoft.com/office/drawing/2010/main" showMasterSp="1" showMasterPhAnim="1">
+<file path=ppt/slides/slide8.xml><?xml version="1.0" encoding="utf-8"?>
+<p:sld xmlns:a="http://schemas.openxmlformats.org/drawingml/2006/main" xmlns:r="http://schemas.openxmlformats.org/officeDocument/2006/relationships" xmlns:p="http://schemas.openxmlformats.org/presentationml/2006/main">
   <p:cSld>
     <p:spTree>
       <p:nvGrpSpPr>
@@ -10931,7 +11408,9 @@
       <p:sp>
         <p:nvSpPr>
           <p:cNvPr id="151" name="Slide Title"/>
-          <p:cNvSpPr txBox="1"/>
+          <p:cNvSpPr txBox="1">
+            <a:spLocks noGrp="1"/>
+          </p:cNvSpPr>
           <p:nvPr>
             <p:ph type="title"/>
           </p:nvPr>
@@ -10949,7 +11428,6 @@
             </a:lvl1pPr>
           </a:lstStyle>
           <a:p>
-            <a:pPr/>
             <a:r>
               <a:t>Random Forest</a:t>
             </a:r>
@@ -10959,7 +11437,9 @@
       <p:sp>
         <p:nvSpPr>
           <p:cNvPr id="152" name="Slide Text"/>
-          <p:cNvSpPr txBox="1"/>
+          <p:cNvSpPr txBox="1">
+            <a:spLocks noGrp="1"/>
+          </p:cNvSpPr>
           <p:nvPr>
             <p:ph type="body" sz="half" idx="1"/>
           </p:nvPr>
@@ -10985,13 +11465,11 @@
             </a:r>
           </a:p>
           <a:p>
-            <a:pPr/>
             <a:r>
               <a:t>Find “best” number of trees</a:t>
             </a:r>
           </a:p>
           <a:p>
-            <a:pPr/>
             <a:r>
               <a:t>Find misclassification rate of best model</a:t>
             </a:r>
@@ -11022,9 +11500,7 @@
           <p:nvPr/>
         </p:nvPicPr>
         <p:blipFill>
-          <a:blip r:embed="rId2">
-            <a:extLst/>
-          </a:blip>
+          <a:blip r:embed="rId2"/>
           <a:stretch>
             <a:fillRect/>
           </a:stretch>
@@ -11051,9 +11527,7 @@
           <p:nvPr/>
         </p:nvPicPr>
         <p:blipFill>
-          <a:blip r:embed="rId3">
-            <a:extLst/>
-          </a:blip>
+          <a:blip r:embed="rId3"/>
           <a:stretch>
             <a:fillRect/>
           </a:stretch>
@@ -11076,12 +11550,12 @@
   <p:clrMapOvr>
     <a:masterClrMapping/>
   </p:clrMapOvr>
-  <p:transition xmlns:p14="http://schemas.microsoft.com/office/powerpoint/2010/main" spd="med" advClick="1"/>
+  <p:transition spd="med"/>
 </p:sld>
 </file>
 
-<file path=ppt/slides/slide8.xml><?xml version="1.0" encoding="utf-8"?>
-<p:sld xmlns:a="http://schemas.openxmlformats.org/drawingml/2006/main" xmlns:r="http://schemas.openxmlformats.org/officeDocument/2006/relationships" xmlns:p="http://schemas.openxmlformats.org/presentationml/2006/main" xmlns:m="http://schemas.openxmlformats.org/officeDocument/2006/math" xmlns:a14="http://schemas.microsoft.com/office/drawing/2010/main" showMasterSp="1" showMasterPhAnim="1">
+<file path=ppt/slides/slide9.xml><?xml version="1.0" encoding="utf-8"?>
+<p:sld xmlns:a="http://schemas.openxmlformats.org/drawingml/2006/main" xmlns:r="http://schemas.openxmlformats.org/officeDocument/2006/relationships" xmlns:p="http://schemas.openxmlformats.org/presentationml/2006/main">
   <p:cSld>
     <p:spTree>
       <p:nvGrpSpPr>
@@ -11116,7 +11590,7 @@
           </a:ln>
           <a:extLst>
             <a:ext uri="{C572A759-6A51-4108-AA02-DFA0A04FC94B}">
-              <ma14:wrappingTextBoxFlag xmlns:ma14="http://schemas.microsoft.com/office/mac/drawingml/2011/main" val="1"/>
+              <ma14:wrappingTextBoxFlag xmlns:ma14="http://schemas.microsoft.com/office/mac/drawingml/2011/main" xmlns:a14="http://schemas.microsoft.com/office/drawing/2010/main" xmlns:m="http://schemas.openxmlformats.org/officeDocument/2006/math" xmlns="" val="1"/>
             </a:ext>
           </a:extLst>
         </p:spPr>
@@ -11126,11 +11600,10 @@
           </a:bodyPr>
           <a:lstStyle>
             <a:lvl1pPr algn="r">
-              <a:defRPr b="1" sz="1600"/>
+              <a:defRPr sz="1600" b="1"/>
             </a:lvl1pPr>
           </a:lstStyle>
           <a:p>
-            <a:pPr/>
             <a:r>
               <a:t>5</a:t>
             </a:r>
@@ -11140,7 +11613,9 @@
       <p:sp>
         <p:nvSpPr>
           <p:cNvPr id="157" name="Slide Title"/>
-          <p:cNvSpPr txBox="1"/>
+          <p:cNvSpPr txBox="1">
+            <a:spLocks noGrp="1"/>
+          </p:cNvSpPr>
           <p:nvPr>
             <p:ph type="title"/>
           </p:nvPr>
@@ -11162,7 +11637,6 @@
             </a:lvl1pPr>
           </a:lstStyle>
           <a:p>
-            <a:pPr/>
             <a:r>
               <a:t>Conclusion</a:t>
             </a:r>
@@ -11172,7 +11646,9 @@
       <p:sp>
         <p:nvSpPr>
           <p:cNvPr id="158" name="Slide Text"/>
-          <p:cNvSpPr txBox="1"/>
+          <p:cNvSpPr txBox="1">
+            <a:spLocks noGrp="1"/>
+          </p:cNvSpPr>
           <p:nvPr>
             <p:ph type="body" sz="half" idx="1"/>
           </p:nvPr>
@@ -11236,272 +11712,12 @@
   <p:clrMapOvr>
     <a:masterClrMapping/>
   </p:clrMapOvr>
-  <p:transition xmlns:p14="http://schemas.microsoft.com/office/powerpoint/2010/main" spd="med" advClick="1"/>
-</p:sld>
-</file>
-
-<file path=ppt/slides/slide9.xml><?xml version="1.0" encoding="utf-8"?>
-<p:sld xmlns:a="http://schemas.openxmlformats.org/drawingml/2006/main" xmlns:r="http://schemas.openxmlformats.org/officeDocument/2006/relationships" xmlns:p="http://schemas.openxmlformats.org/presentationml/2006/main" xmlns:m="http://schemas.openxmlformats.org/officeDocument/2006/math" xmlns:a14="http://schemas.microsoft.com/office/drawing/2010/main" showMasterSp="1" showMasterPhAnim="1">
-  <p:cSld>
-    <p:spTree>
-      <p:nvGrpSpPr>
-        <p:cNvPr id="1" name=""/>
-        <p:cNvGrpSpPr/>
-        <p:nvPr/>
-      </p:nvGrpSpPr>
-      <p:grpSpPr>
-        <a:xfrm>
-          <a:off x="0" y="0"/>
-          <a:ext cx="0" cy="0"/>
-          <a:chOff x="0" y="0"/>
-          <a:chExt cx="0" cy="0"/>
-        </a:xfrm>
-      </p:grpSpPr>
-      <p:sp>
-        <p:nvSpPr>
-          <p:cNvPr id="160" name="Title 1"/>
-          <p:cNvSpPr txBox="1"/>
-          <p:nvPr>
-            <p:ph type="title"/>
-          </p:nvPr>
-        </p:nvSpPr>
-        <p:spPr>
-          <a:xfrm>
-            <a:off x="566927" y="1499616"/>
-            <a:ext cx="10515601" cy="590932"/>
-          </a:xfrm>
-          <a:prstGeom prst="rect">
-            <a:avLst/>
-          </a:prstGeom>
-        </p:spPr>
-        <p:txBody>
-          <a:bodyPr/>
-          <a:lstStyle>
-            <a:lvl1pPr defTabSz="896111">
-              <a:defRPr sz="3528"/>
-            </a:lvl1pPr>
-          </a:lstStyle>
-          <a:p>
-            <a:pPr/>
-            <a:r>
-              <a:t>Full-width Photo</a:t>
-            </a:r>
-          </a:p>
-        </p:txBody>
-      </p:sp>
-      <p:pic>
-        <p:nvPicPr>
-          <p:cNvPr id="161" name="Picture Placeholder 2" descr="Picture Placeholder 2"/>
-          <p:cNvPicPr>
-            <a:picLocks noChangeAspect="1"/>
-          </p:cNvPicPr>
-          <p:nvPr>
-            <p:ph type="pic" idx="13"/>
-          </p:nvPr>
-        </p:nvPicPr>
-        <p:blipFill>
-          <a:blip r:embed="rId2">
-            <a:extLst/>
-          </a:blip>
-          <a:stretch>
-            <a:fillRect/>
-          </a:stretch>
-        </p:blipFill>
-        <p:spPr>
-          <a:xfrm>
-            <a:off x="0" y="932329"/>
-            <a:ext cx="12192000" cy="5925671"/>
-          </a:xfrm>
-          <a:prstGeom prst="rect">
-            <a:avLst/>
-          </a:prstGeom>
-        </p:spPr>
-      </p:pic>
-      <p:pic>
-        <p:nvPicPr>
-          <p:cNvPr id="162" name="Screen Shot 2023-12-04 at 4.00.33 PM.png" descr="Screen Shot 2023-12-04 at 4.00.33 PM.png"/>
-          <p:cNvPicPr>
-            <a:picLocks noChangeAspect="1"/>
-          </p:cNvPicPr>
-          <p:nvPr/>
-        </p:nvPicPr>
-        <p:blipFill>
-          <a:blip r:embed="rId3">
-            <a:extLst/>
-          </a:blip>
-          <a:stretch>
-            <a:fillRect/>
-          </a:stretch>
-        </p:blipFill>
-        <p:spPr>
-          <a:xfrm>
-            <a:off x="305643" y="4036219"/>
-            <a:ext cx="3652331" cy="2344034"/>
-          </a:xfrm>
-          <a:prstGeom prst="rect">
-            <a:avLst/>
-          </a:prstGeom>
-          <a:ln w="12700">
-            <a:miter lim="400000"/>
-          </a:ln>
-        </p:spPr>
-      </p:pic>
-      <p:pic>
-        <p:nvPicPr>
-          <p:cNvPr id="163" name="Screen Shot 2023-12-04 at 4.00.26 PM.png" descr="Screen Shot 2023-12-04 at 4.00.26 PM.png"/>
-          <p:cNvPicPr>
-            <a:picLocks noChangeAspect="1"/>
-          </p:cNvPicPr>
-          <p:nvPr/>
-        </p:nvPicPr>
-        <p:blipFill>
-          <a:blip r:embed="rId4">
-            <a:extLst/>
-          </a:blip>
-          <a:stretch>
-            <a:fillRect/>
-          </a:stretch>
-        </p:blipFill>
-        <p:spPr>
-          <a:xfrm>
-            <a:off x="4236629" y="4036219"/>
-            <a:ext cx="3771813" cy="2344034"/>
-          </a:xfrm>
-          <a:prstGeom prst="rect">
-            <a:avLst/>
-          </a:prstGeom>
-          <a:ln w="12700">
-            <a:miter lim="400000"/>
-          </a:ln>
-        </p:spPr>
-      </p:pic>
-      <p:pic>
-        <p:nvPicPr>
-          <p:cNvPr id="164" name="Screen Shot 2023-12-04 at 4.00.14 PM.png" descr="Screen Shot 2023-12-04 at 4.00.14 PM.png"/>
-          <p:cNvPicPr>
-            <a:picLocks noChangeAspect="1"/>
-          </p:cNvPicPr>
-          <p:nvPr/>
-        </p:nvPicPr>
-        <p:blipFill>
-          <a:blip r:embed="rId5">
-            <a:extLst/>
-          </a:blip>
-          <a:stretch>
-            <a:fillRect/>
-          </a:stretch>
-        </p:blipFill>
-        <p:spPr>
-          <a:xfrm>
-            <a:off x="8287097" y="4040757"/>
-            <a:ext cx="3618374" cy="2334957"/>
-          </a:xfrm>
-          <a:prstGeom prst="rect">
-            <a:avLst/>
-          </a:prstGeom>
-          <a:ln w="12700">
-            <a:miter lim="400000"/>
-          </a:ln>
-        </p:spPr>
-      </p:pic>
-      <p:pic>
-        <p:nvPicPr>
-          <p:cNvPr id="165" name="Screen Shot 2023-12-04 at 4.00.06 PM.png" descr="Screen Shot 2023-12-04 at 4.00.06 PM.png"/>
-          <p:cNvPicPr>
-            <a:picLocks noChangeAspect="1"/>
-          </p:cNvPicPr>
-          <p:nvPr/>
-        </p:nvPicPr>
-        <p:blipFill>
-          <a:blip r:embed="rId6">
-            <a:extLst/>
-          </a:blip>
-          <a:stretch>
-            <a:fillRect/>
-          </a:stretch>
-        </p:blipFill>
-        <p:spPr>
-          <a:xfrm>
-            <a:off x="8241447" y="1189219"/>
-            <a:ext cx="3690559" cy="2334957"/>
-          </a:xfrm>
-          <a:prstGeom prst="rect">
-            <a:avLst/>
-          </a:prstGeom>
-          <a:ln w="12700">
-            <a:miter lim="400000"/>
-          </a:ln>
-        </p:spPr>
-      </p:pic>
-      <p:pic>
-        <p:nvPicPr>
-          <p:cNvPr id="166" name="Screen Shot 2023-12-04 at 3.59.58 PM.png" descr="Screen Shot 2023-12-04 at 3.59.58 PM.png"/>
-          <p:cNvPicPr>
-            <a:picLocks noChangeAspect="1"/>
-          </p:cNvPicPr>
-          <p:nvPr/>
-        </p:nvPicPr>
-        <p:blipFill>
-          <a:blip r:embed="rId7">
-            <a:extLst/>
-          </a:blip>
-          <a:stretch>
-            <a:fillRect/>
-          </a:stretch>
-        </p:blipFill>
-        <p:spPr>
-          <a:xfrm>
-            <a:off x="4294359" y="1201204"/>
-            <a:ext cx="3584168" cy="2310986"/>
-          </a:xfrm>
-          <a:prstGeom prst="rect">
-            <a:avLst/>
-          </a:prstGeom>
-          <a:ln w="12700">
-            <a:miter lim="400000"/>
-          </a:ln>
-        </p:spPr>
-      </p:pic>
-      <p:pic>
-        <p:nvPicPr>
-          <p:cNvPr id="167" name="Screen Shot 2023-12-04 at 3.59.38 PM.png" descr="Screen Shot 2023-12-04 at 3.59.38 PM.png"/>
-          <p:cNvPicPr>
-            <a:picLocks noChangeAspect="1"/>
-          </p:cNvPicPr>
-          <p:nvPr/>
-        </p:nvPicPr>
-        <p:blipFill>
-          <a:blip r:embed="rId8">
-            <a:extLst/>
-          </a:blip>
-          <a:stretch>
-            <a:fillRect/>
-          </a:stretch>
-        </p:blipFill>
-        <p:spPr>
-          <a:xfrm>
-            <a:off x="313065" y="1201204"/>
-            <a:ext cx="3618374" cy="2310986"/>
-          </a:xfrm>
-          <a:prstGeom prst="rect">
-            <a:avLst/>
-          </a:prstGeom>
-          <a:ln w="12700">
-            <a:miter lim="400000"/>
-          </a:ln>
-        </p:spPr>
-      </p:pic>
-    </p:spTree>
-  </p:cSld>
-  <p:clrMapOvr>
-    <a:masterClrMapping/>
-  </p:clrMapOvr>
-  <p:transition xmlns:p14="http://schemas.microsoft.com/office/powerpoint/2010/main" spd="med" advClick="1"/>
+  <p:transition spd="med"/>
 </p:sld>
 </file>
 
 <file path=ppt/theme/theme1.xml><?xml version="1.0" encoding="utf-8"?>
-<a:theme xmlns:a="http://schemas.openxmlformats.org/drawingml/2006/main" xmlns:r="http://schemas.openxmlformats.org/officeDocument/2006/relationships" name="Office Theme">
+<a:theme xmlns:a="http://schemas.openxmlformats.org/drawingml/2006/main" name="Office Theme">
   <a:themeElements>
     <a:clrScheme name="Office Theme">
       <a:dk1>
@@ -11703,7 +11919,7 @@
         <a:effectLst/>
         <a:sp3d/>
       </a:spPr>
-      <a:bodyPr rot="0" spcFirstLastPara="1" vertOverflow="overflow" horzOverflow="overflow" vert="horz" wrap="square" lIns="45719" tIns="45719" rIns="45719" bIns="45719" numCol="1" spcCol="38100" rtlCol="0" anchor="ctr" upright="0">
+      <a:bodyPr rot="0" spcFirstLastPara="1" vertOverflow="overflow" horzOverflow="overflow" vert="horz" wrap="square" lIns="45719" tIns="45719" rIns="45719" bIns="45719" numCol="1" spcCol="38100" rtlCol="0" anchor="ctr">
         <a:spAutoFit/>
       </a:bodyPr>
       <a:lstStyle>
@@ -11722,7 +11938,7 @@
           <a:buFontTx/>
           <a:buNone/>
           <a:tabLst/>
-          <a:defRPr b="0" baseline="0" cap="none" i="0" spc="0" strike="noStrike" sz="1800" u="none" kumimoji="0" normalizeH="0">
+          <a:defRPr kumimoji="0" sz="1800" b="0" i="0" u="none" strike="noStrike" cap="none" spc="0" normalizeH="0" baseline="0">
             <a:ln>
               <a:noFill/>
             </a:ln>
@@ -11752,7 +11968,7 @@
           <a:buFontTx/>
           <a:buNone/>
           <a:tabLst/>
-          <a:defRPr b="0" baseline="0" cap="none" i="0" spc="0" strike="noStrike" sz="1800" u="none" kumimoji="0" normalizeH="0">
+          <a:defRPr kumimoji="0" sz="1800" b="0" i="0" u="none" strike="noStrike" cap="none" spc="0" normalizeH="0" baseline="0">
             <a:ln>
               <a:noFill/>
             </a:ln>
@@ -11778,7 +11994,7 @@
           <a:buFontTx/>
           <a:buNone/>
           <a:tabLst/>
-          <a:defRPr b="0" baseline="0" cap="none" i="0" spc="0" strike="noStrike" sz="1800" u="none" kumimoji="0" normalizeH="0">
+          <a:defRPr kumimoji="0" sz="1800" b="0" i="0" u="none" strike="noStrike" cap="none" spc="0" normalizeH="0" baseline="0">
             <a:ln>
               <a:noFill/>
             </a:ln>
@@ -11804,7 +12020,7 @@
           <a:buFontTx/>
           <a:buNone/>
           <a:tabLst/>
-          <a:defRPr b="0" baseline="0" cap="none" i="0" spc="0" strike="noStrike" sz="1800" u="none" kumimoji="0" normalizeH="0">
+          <a:defRPr kumimoji="0" sz="1800" b="0" i="0" u="none" strike="noStrike" cap="none" spc="0" normalizeH="0" baseline="0">
             <a:ln>
               <a:noFill/>
             </a:ln>
@@ -11830,7 +12046,7 @@
           <a:buFontTx/>
           <a:buNone/>
           <a:tabLst/>
-          <a:defRPr b="0" baseline="0" cap="none" i="0" spc="0" strike="noStrike" sz="1800" u="none" kumimoji="0" normalizeH="0">
+          <a:defRPr kumimoji="0" sz="1800" b="0" i="0" u="none" strike="noStrike" cap="none" spc="0" normalizeH="0" baseline="0">
             <a:ln>
               <a:noFill/>
             </a:ln>
@@ -11856,7 +12072,7 @@
           <a:buFontTx/>
           <a:buNone/>
           <a:tabLst/>
-          <a:defRPr b="0" baseline="0" cap="none" i="0" spc="0" strike="noStrike" sz="1800" u="none" kumimoji="0" normalizeH="0">
+          <a:defRPr kumimoji="0" sz="1800" b="0" i="0" u="none" strike="noStrike" cap="none" spc="0" normalizeH="0" baseline="0">
             <a:ln>
               <a:noFill/>
             </a:ln>
@@ -11882,7 +12098,7 @@
           <a:buFontTx/>
           <a:buNone/>
           <a:tabLst/>
-          <a:defRPr b="0" baseline="0" cap="none" i="0" spc="0" strike="noStrike" sz="1800" u="none" kumimoji="0" normalizeH="0">
+          <a:defRPr kumimoji="0" sz="1800" b="0" i="0" u="none" strike="noStrike" cap="none" spc="0" normalizeH="0" baseline="0">
             <a:ln>
               <a:noFill/>
             </a:ln>
@@ -11908,7 +12124,7 @@
           <a:buFontTx/>
           <a:buNone/>
           <a:tabLst/>
-          <a:defRPr b="0" baseline="0" cap="none" i="0" spc="0" strike="noStrike" sz="1800" u="none" kumimoji="0" normalizeH="0">
+          <a:defRPr kumimoji="0" sz="1800" b="0" i="0" u="none" strike="noStrike" cap="none" spc="0" normalizeH="0" baseline="0">
             <a:ln>
               <a:noFill/>
             </a:ln>
@@ -11934,7 +12150,7 @@
           <a:buFontTx/>
           <a:buNone/>
           <a:tabLst/>
-          <a:defRPr b="0" baseline="0" cap="none" i="0" spc="0" strike="noStrike" sz="1800" u="none" kumimoji="0" normalizeH="0">
+          <a:defRPr kumimoji="0" sz="1800" b="0" i="0" u="none" strike="noStrike" cap="none" spc="0" normalizeH="0" baseline="0">
             <a:ln>
               <a:noFill/>
             </a:ln>
@@ -11960,7 +12176,7 @@
           <a:buFontTx/>
           <a:buNone/>
           <a:tabLst/>
-          <a:defRPr b="0" baseline="0" cap="none" i="0" spc="0" strike="noStrike" sz="1800" u="none" kumimoji="0" normalizeH="0">
+          <a:defRPr kumimoji="0" sz="1800" b="0" i="0" u="none" strike="noStrike" cap="none" spc="0" normalizeH="0" baseline="0">
             <a:ln>
               <a:noFill/>
             </a:ln>
@@ -11973,9 +12189,15 @@
         </a:lvl9pPr>
       </a:lstStyle>
       <a:style>
-        <a:lnRef idx="0"/>
-        <a:fillRef idx="0"/>
-        <a:effectRef idx="0"/>
+        <a:lnRef idx="0">
+          <a:scrgbClr r="0" g="0" b="0"/>
+        </a:lnRef>
+        <a:fillRef idx="0">
+          <a:scrgbClr r="0" g="0" b="0"/>
+        </a:fillRef>
+        <a:effectRef idx="0">
+          <a:scrgbClr r="0" g="0" b="0"/>
+        </a:effectRef>
         <a:fontRef idx="none"/>
       </a:style>
     </a:spDef>
@@ -11992,7 +12214,7 @@
         <a:effectLst/>
         <a:sp3d/>
       </a:spPr>
-      <a:bodyPr rot="0" spcFirstLastPara="1" vertOverflow="overflow" horzOverflow="overflow" vert="horz" wrap="square" lIns="91439" tIns="45719" rIns="91439" bIns="45719" numCol="1" spcCol="38100" rtlCol="0" anchor="t" upright="0">
+      <a:bodyPr rot="0" spcFirstLastPara="1" vertOverflow="overflow" horzOverflow="overflow" vert="horz" wrap="square" lIns="91439" tIns="45719" rIns="91439" bIns="45719" numCol="1" spcCol="38100" rtlCol="0" anchor="t">
         <a:noAutofit/>
       </a:bodyPr>
       <a:lstStyle>
@@ -12011,7 +12233,7 @@
           <a:buFontTx/>
           <a:buNone/>
           <a:tabLst/>
-          <a:defRPr b="0" baseline="0" cap="none" i="0" spc="0" strike="noStrike" sz="1800" u="none" kumimoji="0" normalizeH="0">
+          <a:defRPr kumimoji="0" sz="1800" b="0" i="0" u="none" strike="noStrike" cap="none" spc="0" normalizeH="0" baseline="0">
             <a:ln>
               <a:noFill/>
             </a:ln>
@@ -12037,7 +12259,7 @@
           <a:buFontTx/>
           <a:buNone/>
           <a:tabLst/>
-          <a:defRPr b="0" baseline="0" cap="none" i="0" spc="0" strike="noStrike" sz="1800" u="none" kumimoji="0" normalizeH="0">
+          <a:defRPr kumimoji="0" sz="1800" b="0" i="0" u="none" strike="noStrike" cap="none" spc="0" normalizeH="0" baseline="0">
             <a:ln>
               <a:noFill/>
             </a:ln>
@@ -12063,7 +12285,7 @@
           <a:buFontTx/>
           <a:buNone/>
           <a:tabLst/>
-          <a:defRPr b="0" baseline="0" cap="none" i="0" spc="0" strike="noStrike" sz="1800" u="none" kumimoji="0" normalizeH="0">
+          <a:defRPr kumimoji="0" sz="1800" b="0" i="0" u="none" strike="noStrike" cap="none" spc="0" normalizeH="0" baseline="0">
             <a:ln>
               <a:noFill/>
             </a:ln>
@@ -12089,7 +12311,7 @@
           <a:buFontTx/>
           <a:buNone/>
           <a:tabLst/>
-          <a:defRPr b="0" baseline="0" cap="none" i="0" spc="0" strike="noStrike" sz="1800" u="none" kumimoji="0" normalizeH="0">
+          <a:defRPr kumimoji="0" sz="1800" b="0" i="0" u="none" strike="noStrike" cap="none" spc="0" normalizeH="0" baseline="0">
             <a:ln>
               <a:noFill/>
             </a:ln>
@@ -12115,7 +12337,7 @@
           <a:buFontTx/>
           <a:buNone/>
           <a:tabLst/>
-          <a:defRPr b="0" baseline="0" cap="none" i="0" spc="0" strike="noStrike" sz="1800" u="none" kumimoji="0" normalizeH="0">
+          <a:defRPr kumimoji="0" sz="1800" b="0" i="0" u="none" strike="noStrike" cap="none" spc="0" normalizeH="0" baseline="0">
             <a:ln>
               <a:noFill/>
             </a:ln>
@@ -12141,7 +12363,7 @@
           <a:buFontTx/>
           <a:buNone/>
           <a:tabLst/>
-          <a:defRPr b="0" baseline="0" cap="none" i="0" spc="0" strike="noStrike" sz="1800" u="none" kumimoji="0" normalizeH="0">
+          <a:defRPr kumimoji="0" sz="1800" b="0" i="0" u="none" strike="noStrike" cap="none" spc="0" normalizeH="0" baseline="0">
             <a:ln>
               <a:noFill/>
             </a:ln>
@@ -12167,7 +12389,7 @@
           <a:buFontTx/>
           <a:buNone/>
           <a:tabLst/>
-          <a:defRPr b="0" baseline="0" cap="none" i="0" spc="0" strike="noStrike" sz="1800" u="none" kumimoji="0" normalizeH="0">
+          <a:defRPr kumimoji="0" sz="1800" b="0" i="0" u="none" strike="noStrike" cap="none" spc="0" normalizeH="0" baseline="0">
             <a:ln>
               <a:noFill/>
             </a:ln>
@@ -12193,7 +12415,7 @@
           <a:buFontTx/>
           <a:buNone/>
           <a:tabLst/>
-          <a:defRPr b="0" baseline="0" cap="none" i="0" spc="0" strike="noStrike" sz="1800" u="none" kumimoji="0" normalizeH="0">
+          <a:defRPr kumimoji="0" sz="1800" b="0" i="0" u="none" strike="noStrike" cap="none" spc="0" normalizeH="0" baseline="0">
             <a:ln>
               <a:noFill/>
             </a:ln>
@@ -12219,7 +12441,7 @@
           <a:buFontTx/>
           <a:buNone/>
           <a:tabLst/>
-          <a:defRPr b="0" baseline="0" cap="none" i="0" spc="0" strike="noStrike" sz="1800" u="none" kumimoji="0" normalizeH="0">
+          <a:defRPr kumimoji="0" sz="1800" b="0" i="0" u="none" strike="noStrike" cap="none" spc="0" normalizeH="0" baseline="0">
             <a:ln>
               <a:noFill/>
             </a:ln>
@@ -12245,7 +12467,7 @@
           <a:buFontTx/>
           <a:buNone/>
           <a:tabLst/>
-          <a:defRPr b="0" baseline="0" cap="none" i="0" spc="0" strike="noStrike" sz="1800" u="none" kumimoji="0" normalizeH="0">
+          <a:defRPr kumimoji="0" sz="1800" b="0" i="0" u="none" strike="noStrike" cap="none" spc="0" normalizeH="0" baseline="0">
             <a:ln>
               <a:noFill/>
             </a:ln>
@@ -12258,9 +12480,15 @@
         </a:lvl9pPr>
       </a:lstStyle>
       <a:style>
-        <a:lnRef idx="0"/>
-        <a:fillRef idx="0"/>
-        <a:effectRef idx="0"/>
+        <a:lnRef idx="0">
+          <a:scrgbClr r="0" g="0" b="0"/>
+        </a:lnRef>
+        <a:fillRef idx="0">
+          <a:scrgbClr r="0" g="0" b="0"/>
+        </a:fillRef>
+        <a:effectRef idx="0">
+          <a:scrgbClr r="0" g="0" b="0"/>
+        </a:effectRef>
         <a:fontRef idx="none"/>
       </a:style>
     </a:lnDef>
@@ -12274,7 +12502,7 @@
         <a:effectLst/>
         <a:sp3d/>
       </a:spPr>
-      <a:bodyPr rot="0" spcFirstLastPara="1" vertOverflow="overflow" horzOverflow="overflow" vert="horz" wrap="square" lIns="45719" tIns="45719" rIns="45719" bIns="45719" numCol="1" spcCol="38100" rtlCol="0" anchor="t" upright="0">
+      <a:bodyPr rot="0" spcFirstLastPara="1" vertOverflow="overflow" horzOverflow="overflow" vert="horz" wrap="square" lIns="45719" tIns="45719" rIns="45719" bIns="45719" numCol="1" spcCol="38100" rtlCol="0" anchor="t">
         <a:spAutoFit/>
       </a:bodyPr>
       <a:lstStyle>
@@ -12293,7 +12521,7 @@
           <a:buFontTx/>
           <a:buNone/>
           <a:tabLst/>
-          <a:defRPr b="0" baseline="0" cap="none" i="0" spc="0" strike="noStrike" sz="1800" u="none" kumimoji="0" normalizeH="0">
+          <a:defRPr kumimoji="0" sz="1800" b="0" i="0" u="none" strike="noStrike" cap="none" spc="0" normalizeH="0" baseline="0">
             <a:ln>
               <a:noFill/>
             </a:ln>
@@ -12323,7 +12551,7 @@
           <a:buFontTx/>
           <a:buNone/>
           <a:tabLst/>
-          <a:defRPr b="0" baseline="0" cap="none" i="0" spc="0" strike="noStrike" sz="1800" u="none" kumimoji="0" normalizeH="0">
+          <a:defRPr kumimoji="0" sz="1800" b="0" i="0" u="none" strike="noStrike" cap="none" spc="0" normalizeH="0" baseline="0">
             <a:ln>
               <a:noFill/>
             </a:ln>
@@ -12349,7 +12577,7 @@
           <a:buFontTx/>
           <a:buNone/>
           <a:tabLst/>
-          <a:defRPr b="0" baseline="0" cap="none" i="0" spc="0" strike="noStrike" sz="1800" u="none" kumimoji="0" normalizeH="0">
+          <a:defRPr kumimoji="0" sz="1800" b="0" i="0" u="none" strike="noStrike" cap="none" spc="0" normalizeH="0" baseline="0">
             <a:ln>
               <a:noFill/>
             </a:ln>
@@ -12375,7 +12603,7 @@
           <a:buFontTx/>
           <a:buNone/>
           <a:tabLst/>
-          <a:defRPr b="0" baseline="0" cap="none" i="0" spc="0" strike="noStrike" sz="1800" u="none" kumimoji="0" normalizeH="0">
+          <a:defRPr kumimoji="0" sz="1800" b="0" i="0" u="none" strike="noStrike" cap="none" spc="0" normalizeH="0" baseline="0">
             <a:ln>
               <a:noFill/>
             </a:ln>
@@ -12401,7 +12629,7 @@
           <a:buFontTx/>
           <a:buNone/>
           <a:tabLst/>
-          <a:defRPr b="0" baseline="0" cap="none" i="0" spc="0" strike="noStrike" sz="1800" u="none" kumimoji="0" normalizeH="0">
+          <a:defRPr kumimoji="0" sz="1800" b="0" i="0" u="none" strike="noStrike" cap="none" spc="0" normalizeH="0" baseline="0">
             <a:ln>
               <a:noFill/>
             </a:ln>
@@ -12427,7 +12655,7 @@
           <a:buFontTx/>
           <a:buNone/>
           <a:tabLst/>
-          <a:defRPr b="0" baseline="0" cap="none" i="0" spc="0" strike="noStrike" sz="1800" u="none" kumimoji="0" normalizeH="0">
+          <a:defRPr kumimoji="0" sz="1800" b="0" i="0" u="none" strike="noStrike" cap="none" spc="0" normalizeH="0" baseline="0">
             <a:ln>
               <a:noFill/>
             </a:ln>
@@ -12453,7 +12681,7 @@
           <a:buFontTx/>
           <a:buNone/>
           <a:tabLst/>
-          <a:defRPr b="0" baseline="0" cap="none" i="0" spc="0" strike="noStrike" sz="1800" u="none" kumimoji="0" normalizeH="0">
+          <a:defRPr kumimoji="0" sz="1800" b="0" i="0" u="none" strike="noStrike" cap="none" spc="0" normalizeH="0" baseline="0">
             <a:ln>
               <a:noFill/>
             </a:ln>
@@ -12479,7 +12707,7 @@
           <a:buFontTx/>
           <a:buNone/>
           <a:tabLst/>
-          <a:defRPr b="0" baseline="0" cap="none" i="0" spc="0" strike="noStrike" sz="1800" u="none" kumimoji="0" normalizeH="0">
+          <a:defRPr kumimoji="0" sz="1800" b="0" i="0" u="none" strike="noStrike" cap="none" spc="0" normalizeH="0" baseline="0">
             <a:ln>
               <a:noFill/>
             </a:ln>
@@ -12505,7 +12733,7 @@
           <a:buFontTx/>
           <a:buNone/>
           <a:tabLst/>
-          <a:defRPr b="0" baseline="0" cap="none" i="0" spc="0" strike="noStrike" sz="1800" u="none" kumimoji="0" normalizeH="0">
+          <a:defRPr kumimoji="0" sz="1800" b="0" i="0" u="none" strike="noStrike" cap="none" spc="0" normalizeH="0" baseline="0">
             <a:ln>
               <a:noFill/>
             </a:ln>
@@ -12531,7 +12759,7 @@
           <a:buFontTx/>
           <a:buNone/>
           <a:tabLst/>
-          <a:defRPr b="0" baseline="0" cap="none" i="0" spc="0" strike="noStrike" sz="1800" u="none" kumimoji="0" normalizeH="0">
+          <a:defRPr kumimoji="0" sz="1800" b="0" i="0" u="none" strike="noStrike" cap="none" spc="0" normalizeH="0" baseline="0">
             <a:ln>
               <a:noFill/>
             </a:ln>
@@ -12544,18 +12772,25 @@
         </a:lvl9pPr>
       </a:lstStyle>
       <a:style>
-        <a:lnRef idx="0"/>
-        <a:fillRef idx="0"/>
-        <a:effectRef idx="0"/>
+        <a:lnRef idx="0">
+          <a:scrgbClr r="0" g="0" b="0"/>
+        </a:lnRef>
+        <a:fillRef idx="0">
+          <a:scrgbClr r="0" g="0" b="0"/>
+        </a:fillRef>
+        <a:effectRef idx="0">
+          <a:scrgbClr r="0" g="0" b="0"/>
+        </a:effectRef>
         <a:fontRef idx="none"/>
       </a:style>
     </a:txDef>
   </a:objectDefaults>
+  <a:extraClrSchemeLst/>
 </a:theme>
 </file>
 
 <file path=ppt/theme/theme2.xml><?xml version="1.0" encoding="utf-8"?>
-<a:theme xmlns:a="http://schemas.openxmlformats.org/drawingml/2006/main" xmlns:r="http://schemas.openxmlformats.org/officeDocument/2006/relationships" name="Office Theme">
+<a:theme xmlns:a="http://schemas.openxmlformats.org/drawingml/2006/main" name="Office Theme">
   <a:themeElements>
     <a:clrScheme name="Office Theme">
       <a:dk1>
@@ -12757,7 +12992,7 @@
         <a:effectLst/>
         <a:sp3d/>
       </a:spPr>
-      <a:bodyPr rot="0" spcFirstLastPara="1" vertOverflow="overflow" horzOverflow="overflow" vert="horz" wrap="square" lIns="45719" tIns="45719" rIns="45719" bIns="45719" numCol="1" spcCol="38100" rtlCol="0" anchor="ctr" upright="0">
+      <a:bodyPr rot="0" spcFirstLastPara="1" vertOverflow="overflow" horzOverflow="overflow" vert="horz" wrap="square" lIns="45719" tIns="45719" rIns="45719" bIns="45719" numCol="1" spcCol="38100" rtlCol="0" anchor="ctr">
         <a:spAutoFit/>
       </a:bodyPr>
       <a:lstStyle>
@@ -12776,7 +13011,7 @@
           <a:buFontTx/>
           <a:buNone/>
           <a:tabLst/>
-          <a:defRPr b="0" baseline="0" cap="none" i="0" spc="0" strike="noStrike" sz="1800" u="none" kumimoji="0" normalizeH="0">
+          <a:defRPr kumimoji="0" sz="1800" b="0" i="0" u="none" strike="noStrike" cap="none" spc="0" normalizeH="0" baseline="0">
             <a:ln>
               <a:noFill/>
             </a:ln>
@@ -12806,7 +13041,7 @@
           <a:buFontTx/>
           <a:buNone/>
           <a:tabLst/>
-          <a:defRPr b="0" baseline="0" cap="none" i="0" spc="0" strike="noStrike" sz="1800" u="none" kumimoji="0" normalizeH="0">
+          <a:defRPr kumimoji="0" sz="1800" b="0" i="0" u="none" strike="noStrike" cap="none" spc="0" normalizeH="0" baseline="0">
             <a:ln>
               <a:noFill/>
             </a:ln>
@@ -12832,7 +13067,7 @@
           <a:buFontTx/>
           <a:buNone/>
           <a:tabLst/>
-          <a:defRPr b="0" baseline="0" cap="none" i="0" spc="0" strike="noStrike" sz="1800" u="none" kumimoji="0" normalizeH="0">
+          <a:defRPr kumimoji="0" sz="1800" b="0" i="0" u="none" strike="noStrike" cap="none" spc="0" normalizeH="0" baseline="0">
             <a:ln>
               <a:noFill/>
             </a:ln>
@@ -12858,7 +13093,7 @@
           <a:buFontTx/>
           <a:buNone/>
           <a:tabLst/>
-          <a:defRPr b="0" baseline="0" cap="none" i="0" spc="0" strike="noStrike" sz="1800" u="none" kumimoji="0" normalizeH="0">
+          <a:defRPr kumimoji="0" sz="1800" b="0" i="0" u="none" strike="noStrike" cap="none" spc="0" normalizeH="0" baseline="0">
             <a:ln>
               <a:noFill/>
             </a:ln>
@@ -12884,7 +13119,7 @@
           <a:buFontTx/>
           <a:buNone/>
           <a:tabLst/>
-          <a:defRPr b="0" baseline="0" cap="none" i="0" spc="0" strike="noStrike" sz="1800" u="none" kumimoji="0" normalizeH="0">
+          <a:defRPr kumimoji="0" sz="1800" b="0" i="0" u="none" strike="noStrike" cap="none" spc="0" normalizeH="0" baseline="0">
             <a:ln>
               <a:noFill/>
             </a:ln>
@@ -12910,7 +13145,7 @@
           <a:buFontTx/>
           <a:buNone/>
           <a:tabLst/>
-          <a:defRPr b="0" baseline="0" cap="none" i="0" spc="0" strike="noStrike" sz="1800" u="none" kumimoji="0" normalizeH="0">
+          <a:defRPr kumimoji="0" sz="1800" b="0" i="0" u="none" strike="noStrike" cap="none" spc="0" normalizeH="0" baseline="0">
             <a:ln>
               <a:noFill/>
             </a:ln>
@@ -12936,7 +13171,7 @@
           <a:buFontTx/>
           <a:buNone/>
           <a:tabLst/>
-          <a:defRPr b="0" baseline="0" cap="none" i="0" spc="0" strike="noStrike" sz="1800" u="none" kumimoji="0" normalizeH="0">
+          <a:defRPr kumimoji="0" sz="1800" b="0" i="0" u="none" strike="noStrike" cap="none" spc="0" normalizeH="0" baseline="0">
             <a:ln>
               <a:noFill/>
             </a:ln>
@@ -12962,7 +13197,7 @@
           <a:buFontTx/>
           <a:buNone/>
           <a:tabLst/>
-          <a:defRPr b="0" baseline="0" cap="none" i="0" spc="0" strike="noStrike" sz="1800" u="none" kumimoji="0" normalizeH="0">
+          <a:defRPr kumimoji="0" sz="1800" b="0" i="0" u="none" strike="noStrike" cap="none" spc="0" normalizeH="0" baseline="0">
             <a:ln>
               <a:noFill/>
             </a:ln>
@@ -12988,7 +13223,7 @@
           <a:buFontTx/>
           <a:buNone/>
           <a:tabLst/>
-          <a:defRPr b="0" baseline="0" cap="none" i="0" spc="0" strike="noStrike" sz="1800" u="none" kumimoji="0" normalizeH="0">
+          <a:defRPr kumimoji="0" sz="1800" b="0" i="0" u="none" strike="noStrike" cap="none" spc="0" normalizeH="0" baseline="0">
             <a:ln>
               <a:noFill/>
             </a:ln>
@@ -13014,7 +13249,7 @@
           <a:buFontTx/>
           <a:buNone/>
           <a:tabLst/>
-          <a:defRPr b="0" baseline="0" cap="none" i="0" spc="0" strike="noStrike" sz="1800" u="none" kumimoji="0" normalizeH="0">
+          <a:defRPr kumimoji="0" sz="1800" b="0" i="0" u="none" strike="noStrike" cap="none" spc="0" normalizeH="0" baseline="0">
             <a:ln>
               <a:noFill/>
             </a:ln>
@@ -13027,9 +13262,15 @@
         </a:lvl9pPr>
       </a:lstStyle>
       <a:style>
-        <a:lnRef idx="0"/>
-        <a:fillRef idx="0"/>
-        <a:effectRef idx="0"/>
+        <a:lnRef idx="0">
+          <a:scrgbClr r="0" g="0" b="0"/>
+        </a:lnRef>
+        <a:fillRef idx="0">
+          <a:scrgbClr r="0" g="0" b="0"/>
+        </a:fillRef>
+        <a:effectRef idx="0">
+          <a:scrgbClr r="0" g="0" b="0"/>
+        </a:effectRef>
         <a:fontRef idx="none"/>
       </a:style>
     </a:spDef>
@@ -13046,7 +13287,7 @@
         <a:effectLst/>
         <a:sp3d/>
       </a:spPr>
-      <a:bodyPr rot="0" spcFirstLastPara="1" vertOverflow="overflow" horzOverflow="overflow" vert="horz" wrap="square" lIns="91439" tIns="45719" rIns="91439" bIns="45719" numCol="1" spcCol="38100" rtlCol="0" anchor="t" upright="0">
+      <a:bodyPr rot="0" spcFirstLastPara="1" vertOverflow="overflow" horzOverflow="overflow" vert="horz" wrap="square" lIns="91439" tIns="45719" rIns="91439" bIns="45719" numCol="1" spcCol="38100" rtlCol="0" anchor="t">
         <a:noAutofit/>
       </a:bodyPr>
       <a:lstStyle>
@@ -13065,7 +13306,7 @@
           <a:buFontTx/>
           <a:buNone/>
           <a:tabLst/>
-          <a:defRPr b="0" baseline="0" cap="none" i="0" spc="0" strike="noStrike" sz="1800" u="none" kumimoji="0" normalizeH="0">
+          <a:defRPr kumimoji="0" sz="1800" b="0" i="0" u="none" strike="noStrike" cap="none" spc="0" normalizeH="0" baseline="0">
             <a:ln>
               <a:noFill/>
             </a:ln>
@@ -13091,7 +13332,7 @@
           <a:buFontTx/>
           <a:buNone/>
           <a:tabLst/>
-          <a:defRPr b="0" baseline="0" cap="none" i="0" spc="0" strike="noStrike" sz="1800" u="none" kumimoji="0" normalizeH="0">
+          <a:defRPr kumimoji="0" sz="1800" b="0" i="0" u="none" strike="noStrike" cap="none" spc="0" normalizeH="0" baseline="0">
             <a:ln>
               <a:noFill/>
             </a:ln>
@@ -13117,7 +13358,7 @@
           <a:buFontTx/>
           <a:buNone/>
           <a:tabLst/>
-          <a:defRPr b="0" baseline="0" cap="none" i="0" spc="0" strike="noStrike" sz="1800" u="none" kumimoji="0" normalizeH="0">
+          <a:defRPr kumimoji="0" sz="1800" b="0" i="0" u="none" strike="noStrike" cap="none" spc="0" normalizeH="0" baseline="0">
             <a:ln>
               <a:noFill/>
             </a:ln>
@@ -13143,7 +13384,7 @@
           <a:buFontTx/>
           <a:buNone/>
           <a:tabLst/>
-          <a:defRPr b="0" baseline="0" cap="none" i="0" spc="0" strike="noStrike" sz="1800" u="none" kumimoji="0" normalizeH="0">
+          <a:defRPr kumimoji="0" sz="1800" b="0" i="0" u="none" strike="noStrike" cap="none" spc="0" normalizeH="0" baseline="0">
             <a:ln>
               <a:noFill/>
             </a:ln>
@@ -13169,7 +13410,7 @@
           <a:buFontTx/>
           <a:buNone/>
           <a:tabLst/>
-          <a:defRPr b="0" baseline="0" cap="none" i="0" spc="0" strike="noStrike" sz="1800" u="none" kumimoji="0" normalizeH="0">
+          <a:defRPr kumimoji="0" sz="1800" b="0" i="0" u="none" strike="noStrike" cap="none" spc="0" normalizeH="0" baseline="0">
             <a:ln>
               <a:noFill/>
             </a:ln>
@@ -13195,7 +13436,7 @@
           <a:buFontTx/>
           <a:buNone/>
           <a:tabLst/>
-          <a:defRPr b="0" baseline="0" cap="none" i="0" spc="0" strike="noStrike" sz="1800" u="none" kumimoji="0" normalizeH="0">
+          <a:defRPr kumimoji="0" sz="1800" b="0" i="0" u="none" strike="noStrike" cap="none" spc="0" normalizeH="0" baseline="0">
             <a:ln>
               <a:noFill/>
             </a:ln>
@@ -13221,7 +13462,7 @@
           <a:buFontTx/>
           <a:buNone/>
           <a:tabLst/>
-          <a:defRPr b="0" baseline="0" cap="none" i="0" spc="0" strike="noStrike" sz="1800" u="none" kumimoji="0" normalizeH="0">
+          <a:defRPr kumimoji="0" sz="1800" b="0" i="0" u="none" strike="noStrike" cap="none" spc="0" normalizeH="0" baseline="0">
             <a:ln>
               <a:noFill/>
             </a:ln>
@@ -13247,7 +13488,7 @@
           <a:buFontTx/>
           <a:buNone/>
           <a:tabLst/>
-          <a:defRPr b="0" baseline="0" cap="none" i="0" spc="0" strike="noStrike" sz="1800" u="none" kumimoji="0" normalizeH="0">
+          <a:defRPr kumimoji="0" sz="1800" b="0" i="0" u="none" strike="noStrike" cap="none" spc="0" normalizeH="0" baseline="0">
             <a:ln>
               <a:noFill/>
             </a:ln>
@@ -13273,7 +13514,7 @@
           <a:buFontTx/>
           <a:buNone/>
           <a:tabLst/>
-          <a:defRPr b="0" baseline="0" cap="none" i="0" spc="0" strike="noStrike" sz="1800" u="none" kumimoji="0" normalizeH="0">
+          <a:defRPr kumimoji="0" sz="1800" b="0" i="0" u="none" strike="noStrike" cap="none" spc="0" normalizeH="0" baseline="0">
             <a:ln>
               <a:noFill/>
             </a:ln>
@@ -13299,7 +13540,7 @@
           <a:buFontTx/>
           <a:buNone/>
           <a:tabLst/>
-          <a:defRPr b="0" baseline="0" cap="none" i="0" spc="0" strike="noStrike" sz="1800" u="none" kumimoji="0" normalizeH="0">
+          <a:defRPr kumimoji="0" sz="1800" b="0" i="0" u="none" strike="noStrike" cap="none" spc="0" normalizeH="0" baseline="0">
             <a:ln>
               <a:noFill/>
             </a:ln>
@@ -13312,9 +13553,15 @@
         </a:lvl9pPr>
       </a:lstStyle>
       <a:style>
-        <a:lnRef idx="0"/>
-        <a:fillRef idx="0"/>
-        <a:effectRef idx="0"/>
+        <a:lnRef idx="0">
+          <a:scrgbClr r="0" g="0" b="0"/>
+        </a:lnRef>
+        <a:fillRef idx="0">
+          <a:scrgbClr r="0" g="0" b="0"/>
+        </a:fillRef>
+        <a:effectRef idx="0">
+          <a:scrgbClr r="0" g="0" b="0"/>
+        </a:effectRef>
         <a:fontRef idx="none"/>
       </a:style>
     </a:lnDef>
@@ -13328,7 +13575,7 @@
         <a:effectLst/>
         <a:sp3d/>
       </a:spPr>
-      <a:bodyPr rot="0" spcFirstLastPara="1" vertOverflow="overflow" horzOverflow="overflow" vert="horz" wrap="square" lIns="45719" tIns="45719" rIns="45719" bIns="45719" numCol="1" spcCol="38100" rtlCol="0" anchor="t" upright="0">
+      <a:bodyPr rot="0" spcFirstLastPara="1" vertOverflow="overflow" horzOverflow="overflow" vert="horz" wrap="square" lIns="45719" tIns="45719" rIns="45719" bIns="45719" numCol="1" spcCol="38100" rtlCol="0" anchor="t">
         <a:spAutoFit/>
       </a:bodyPr>
       <a:lstStyle>
@@ -13347,7 +13594,7 @@
           <a:buFontTx/>
           <a:buNone/>
           <a:tabLst/>
-          <a:defRPr b="0" baseline="0" cap="none" i="0" spc="0" strike="noStrike" sz="1800" u="none" kumimoji="0" normalizeH="0">
+          <a:defRPr kumimoji="0" sz="1800" b="0" i="0" u="none" strike="noStrike" cap="none" spc="0" normalizeH="0" baseline="0">
             <a:ln>
               <a:noFill/>
             </a:ln>
@@ -13377,7 +13624,7 @@
           <a:buFontTx/>
           <a:buNone/>
           <a:tabLst/>
-          <a:defRPr b="0" baseline="0" cap="none" i="0" spc="0" strike="noStrike" sz="1800" u="none" kumimoji="0" normalizeH="0">
+          <a:defRPr kumimoji="0" sz="1800" b="0" i="0" u="none" strike="noStrike" cap="none" spc="0" normalizeH="0" baseline="0">
             <a:ln>
               <a:noFill/>
             </a:ln>
@@ -13403,7 +13650,7 @@
           <a:buFontTx/>
           <a:buNone/>
           <a:tabLst/>
-          <a:defRPr b="0" baseline="0" cap="none" i="0" spc="0" strike="noStrike" sz="1800" u="none" kumimoji="0" normalizeH="0">
+          <a:defRPr kumimoji="0" sz="1800" b="0" i="0" u="none" strike="noStrike" cap="none" spc="0" normalizeH="0" baseline="0">
             <a:ln>
               <a:noFill/>
             </a:ln>
@@ -13429,7 +13676,7 @@
           <a:buFontTx/>
           <a:buNone/>
           <a:tabLst/>
-          <a:defRPr b="0" baseline="0" cap="none" i="0" spc="0" strike="noStrike" sz="1800" u="none" kumimoji="0" normalizeH="0">
+          <a:defRPr kumimoji="0" sz="1800" b="0" i="0" u="none" strike="noStrike" cap="none" spc="0" normalizeH="0" baseline="0">
             <a:ln>
               <a:noFill/>
             </a:ln>
@@ -13455,7 +13702,7 @@
           <a:buFontTx/>
           <a:buNone/>
           <a:tabLst/>
-          <a:defRPr b="0" baseline="0" cap="none" i="0" spc="0" strike="noStrike" sz="1800" u="none" kumimoji="0" normalizeH="0">
+          <a:defRPr kumimoji="0" sz="1800" b="0" i="0" u="none" strike="noStrike" cap="none" spc="0" normalizeH="0" baseline="0">
             <a:ln>
               <a:noFill/>
             </a:ln>
@@ -13481,7 +13728,7 @@
           <a:buFontTx/>
           <a:buNone/>
           <a:tabLst/>
-          <a:defRPr b="0" baseline="0" cap="none" i="0" spc="0" strike="noStrike" sz="1800" u="none" kumimoji="0" normalizeH="0">
+          <a:defRPr kumimoji="0" sz="1800" b="0" i="0" u="none" strike="noStrike" cap="none" spc="0" normalizeH="0" baseline="0">
             <a:ln>
               <a:noFill/>
             </a:ln>
@@ -13507,7 +13754,7 @@
           <a:buFontTx/>
           <a:buNone/>
           <a:tabLst/>
-          <a:defRPr b="0" baseline="0" cap="none" i="0" spc="0" strike="noStrike" sz="1800" u="none" kumimoji="0" normalizeH="0">
+          <a:defRPr kumimoji="0" sz="1800" b="0" i="0" u="none" strike="noStrike" cap="none" spc="0" normalizeH="0" baseline="0">
             <a:ln>
               <a:noFill/>
             </a:ln>
@@ -13533,7 +13780,7 @@
           <a:buFontTx/>
           <a:buNone/>
           <a:tabLst/>
-          <a:defRPr b="0" baseline="0" cap="none" i="0" spc="0" strike="noStrike" sz="1800" u="none" kumimoji="0" normalizeH="0">
+          <a:defRPr kumimoji="0" sz="1800" b="0" i="0" u="none" strike="noStrike" cap="none" spc="0" normalizeH="0" baseline="0">
             <a:ln>
               <a:noFill/>
             </a:ln>
@@ -13559,7 +13806,7 @@
           <a:buFontTx/>
           <a:buNone/>
           <a:tabLst/>
-          <a:defRPr b="0" baseline="0" cap="none" i="0" spc="0" strike="noStrike" sz="1800" u="none" kumimoji="0" normalizeH="0">
+          <a:defRPr kumimoji="0" sz="1800" b="0" i="0" u="none" strike="noStrike" cap="none" spc="0" normalizeH="0" baseline="0">
             <a:ln>
               <a:noFill/>
             </a:ln>
@@ -13585,7 +13832,7 @@
           <a:buFontTx/>
           <a:buNone/>
           <a:tabLst/>
-          <a:defRPr b="0" baseline="0" cap="none" i="0" spc="0" strike="noStrike" sz="1800" u="none" kumimoji="0" normalizeH="0">
+          <a:defRPr kumimoji="0" sz="1800" b="0" i="0" u="none" strike="noStrike" cap="none" spc="0" normalizeH="0" baseline="0">
             <a:ln>
               <a:noFill/>
             </a:ln>
@@ -13598,12 +13845,19 @@
         </a:lvl9pPr>
       </a:lstStyle>
       <a:style>
-        <a:lnRef idx="0"/>
-        <a:fillRef idx="0"/>
-        <a:effectRef idx="0"/>
+        <a:lnRef idx="0">
+          <a:scrgbClr r="0" g="0" b="0"/>
+        </a:lnRef>
+        <a:fillRef idx="0">
+          <a:scrgbClr r="0" g="0" b="0"/>
+        </a:fillRef>
+        <a:effectRef idx="0">
+          <a:scrgbClr r="0" g="0" b="0"/>
+        </a:effectRef>
         <a:fontRef idx="none"/>
       </a:style>
     </a:txDef>
   </a:objectDefaults>
+  <a:extraClrSchemeLst/>
 </a:theme>
 </file>
--- a/EAS508-Presentation.pptx
+++ b/EAS508-Presentation.pptx
@@ -3413,7 +3413,7 @@
       </p:grpSpPr>
       <p:sp>
         <p:nvSpPr>
-          <p:cNvPr id="164" name="Title 1"/>
+          <p:cNvPr id="165" name="Title 1"/>
           <p:cNvSpPr txBox="1"/>
           <p:nvPr>
             <p:ph type="title"/>
@@ -3445,7 +3445,7 @@
       </p:sp>
       <p:pic>
         <p:nvPicPr>
-          <p:cNvPr id="165" name="Picture Placeholder 2" descr="Picture Placeholder 2"/>
+          <p:cNvPr id="166" name="Picture Placeholder 2" descr="Picture Placeholder 2"/>
           <p:cNvPicPr>
             <a:picLocks noChangeAspect="1"/>
           </p:cNvPicPr>
@@ -3473,7 +3473,7 @@
       </p:pic>
       <p:pic>
         <p:nvPicPr>
-          <p:cNvPr id="166" name="Screen Shot 2023-12-04 at 4.00.33 PM.png" descr="Screen Shot 2023-12-04 at 4.00.33 PM.png"/>
+          <p:cNvPr id="167" name="Screen Shot 2023-12-04 at 4.00.33 PM.png" descr="Screen Shot 2023-12-04 at 4.00.33 PM.png"/>
           <p:cNvPicPr>
             <a:picLocks noChangeAspect="1"/>
           </p:cNvPicPr>
@@ -3502,7 +3502,7 @@
       </p:pic>
       <p:pic>
         <p:nvPicPr>
-          <p:cNvPr id="167" name="Screen Shot 2023-12-04 at 4.00.26 PM.png" descr="Screen Shot 2023-12-04 at 4.00.26 PM.png"/>
+          <p:cNvPr id="168" name="Screen Shot 2023-12-04 at 4.00.26 PM.png" descr="Screen Shot 2023-12-04 at 4.00.26 PM.png"/>
           <p:cNvPicPr>
             <a:picLocks noChangeAspect="1"/>
           </p:cNvPicPr>
@@ -3531,7 +3531,7 @@
       </p:pic>
       <p:pic>
         <p:nvPicPr>
-          <p:cNvPr id="168" name="Screen Shot 2023-12-04 at 4.00.14 PM.png" descr="Screen Shot 2023-12-04 at 4.00.14 PM.png"/>
+          <p:cNvPr id="169" name="Screen Shot 2023-12-04 at 4.00.14 PM.png" descr="Screen Shot 2023-12-04 at 4.00.14 PM.png"/>
           <p:cNvPicPr>
             <a:picLocks noChangeAspect="1"/>
           </p:cNvPicPr>
@@ -3560,7 +3560,7 @@
       </p:pic>
       <p:pic>
         <p:nvPicPr>
-          <p:cNvPr id="169" name="Screen Shot 2023-12-04 at 4.00.06 PM.png" descr="Screen Shot 2023-12-04 at 4.00.06 PM.png"/>
+          <p:cNvPr id="170" name="Screen Shot 2023-12-04 at 4.00.06 PM.png" descr="Screen Shot 2023-12-04 at 4.00.06 PM.png"/>
           <p:cNvPicPr>
             <a:picLocks noChangeAspect="1"/>
           </p:cNvPicPr>
@@ -3589,7 +3589,7 @@
       </p:pic>
       <p:pic>
         <p:nvPicPr>
-          <p:cNvPr id="170" name="Screen Shot 2023-12-04 at 3.59.58 PM.png" descr="Screen Shot 2023-12-04 at 3.59.58 PM.png"/>
+          <p:cNvPr id="171" name="Screen Shot 2023-12-04 at 3.59.58 PM.png" descr="Screen Shot 2023-12-04 at 3.59.58 PM.png"/>
           <p:cNvPicPr>
             <a:picLocks noChangeAspect="1"/>
           </p:cNvPicPr>
@@ -3618,7 +3618,7 @@
       </p:pic>
       <p:pic>
         <p:nvPicPr>
-          <p:cNvPr id="171" name="Screen Shot 2023-12-04 at 3.59.38 PM.png" descr="Screen Shot 2023-12-04 at 3.59.38 PM.png"/>
+          <p:cNvPr id="172" name="Screen Shot 2023-12-04 at 3.59.38 PM.png" descr="Screen Shot 2023-12-04 at 3.59.38 PM.png"/>
           <p:cNvPicPr>
             <a:picLocks noChangeAspect="1"/>
           </p:cNvPicPr>
@@ -3673,7 +3673,7 @@
       </p:grpSpPr>
       <p:sp>
         <p:nvSpPr>
-          <p:cNvPr id="173" name="Slide Title"/>
+          <p:cNvPr id="174" name="Slide Title"/>
           <p:cNvSpPr txBox="1"/>
           <p:nvPr>
             <p:ph type="title"/>
@@ -3739,8 +3739,8 @@
         </p:nvSpPr>
         <p:spPr>
           <a:xfrm>
-            <a:off x="566928" y="1499616"/>
-            <a:ext cx="4248912" cy="590933"/>
+            <a:off x="566927" y="1499616"/>
+            <a:ext cx="4248913" cy="590933"/>
           </a:xfrm>
           <a:prstGeom prst="rect">
             <a:avLst/>
@@ -3771,8 +3771,8 @@
         </p:nvSpPr>
         <p:spPr>
           <a:xfrm>
-            <a:off x="566928" y="2185415"/>
-            <a:ext cx="4248912" cy="3968251"/>
+            <a:off x="566927" y="2185415"/>
+            <a:ext cx="4248913" cy="3968251"/>
           </a:xfrm>
           <a:prstGeom prst="rect">
             <a:avLst/>
@@ -4351,8 +4351,8 @@
         </p:nvSpPr>
         <p:spPr>
           <a:xfrm>
-            <a:off x="566926" y="2185415"/>
-            <a:ext cx="4800603" cy="3968250"/>
+            <a:off x="566926" y="2185416"/>
+            <a:ext cx="4800603" cy="3968249"/>
           </a:xfrm>
           <a:prstGeom prst="rect">
             <a:avLst/>
@@ -4470,8 +4470,8 @@
         </p:nvSpPr>
         <p:spPr>
           <a:xfrm>
-            <a:off x="566926" y="2185415"/>
-            <a:ext cx="4800603" cy="3968250"/>
+            <a:off x="566926" y="2185416"/>
+            <a:ext cx="4800603" cy="3968249"/>
           </a:xfrm>
           <a:prstGeom prst="rect">
             <a:avLst/>
@@ -4589,8 +4589,8 @@
         </p:nvSpPr>
         <p:spPr>
           <a:xfrm>
-            <a:off x="566926" y="2185415"/>
-            <a:ext cx="4800603" cy="3968250"/>
+            <a:off x="566926" y="2185416"/>
+            <a:ext cx="4800603" cy="3968249"/>
           </a:xfrm>
           <a:prstGeom prst="rect">
             <a:avLst/>
@@ -4650,6 +4650,34 @@
           </a:ln>
         </p:spPr>
       </p:pic>
+      <p:sp>
+        <p:nvSpPr>
+          <p:cNvPr id="154" name="Oval"/>
+          <p:cNvSpPr/>
+          <p:nvPr/>
+        </p:nvSpPr>
+        <p:spPr>
+          <a:xfrm>
+            <a:off x="7548292" y="4258648"/>
+            <a:ext cx="398498" cy="330631"/>
+          </a:xfrm>
+          <a:prstGeom prst="ellipse">
+            <a:avLst/>
+          </a:prstGeom>
+          <a:ln w="25400">
+            <a:solidFill>
+              <a:schemeClr val="accent1"/>
+            </a:solidFill>
+          </a:ln>
+        </p:spPr>
+        <p:txBody>
+          <a:bodyPr lIns="45718" tIns="45718" rIns="45718" bIns="45718" anchor="ctr"/>
+          <a:lstStyle/>
+          <a:p>
+            <a:pPr/>
+          </a:p>
+        </p:txBody>
+      </p:sp>
     </p:spTree>
   </p:cSld>
   <p:clrMapOvr>
@@ -4678,7 +4706,7 @@
       </p:grpSpPr>
       <p:sp>
         <p:nvSpPr>
-          <p:cNvPr id="155" name="Slide Title"/>
+          <p:cNvPr id="156" name="Slide Title"/>
           <p:cNvSpPr txBox="1"/>
           <p:nvPr>
             <p:ph type="title"/>
@@ -4710,7 +4738,7 @@
       </p:sp>
       <p:sp>
         <p:nvSpPr>
-          <p:cNvPr id="156" name="Slide Text"/>
+          <p:cNvPr id="157" name="Slide Text"/>
           <p:cNvSpPr txBox="1"/>
           <p:nvPr>
             <p:ph type="body" sz="half" idx="1"/>
@@ -4718,8 +4746,8 @@
         </p:nvSpPr>
         <p:spPr>
           <a:xfrm>
-            <a:off x="541526" y="2109215"/>
-            <a:ext cx="4800603" cy="3968250"/>
+            <a:off x="541526" y="2109216"/>
+            <a:ext cx="4800603" cy="3968249"/>
           </a:xfrm>
           <a:prstGeom prst="rect">
             <a:avLst/>
@@ -4766,7 +4794,7 @@
       </p:sp>
       <p:pic>
         <p:nvPicPr>
-          <p:cNvPr id="157" name="Screen Shot 2023-12-04 at 3.51.00 PM.png" descr="Screen Shot 2023-12-04 at 3.51.00 PM.png"/>
+          <p:cNvPr id="158" name="Screen Shot 2023-12-04 at 3.51.00 PM.png" descr="Screen Shot 2023-12-04 at 3.51.00 PM.png"/>
           <p:cNvPicPr>
             <a:picLocks noChangeAspect="1"/>
           </p:cNvPicPr>
@@ -4795,7 +4823,7 @@
       </p:pic>
       <p:pic>
         <p:nvPicPr>
-          <p:cNvPr id="158" name="Screen Shot 2023-12-04 at 3.51.18 PM.png" descr="Screen Shot 2023-12-04 at 3.51.18 PM.png"/>
+          <p:cNvPr id="159" name="Screen Shot 2023-12-04 at 3.51.18 PM.png" descr="Screen Shot 2023-12-04 at 3.51.18 PM.png"/>
           <p:cNvPicPr>
             <a:picLocks noChangeAspect="1"/>
           </p:cNvPicPr>
@@ -4850,7 +4878,7 @@
       </p:grpSpPr>
       <p:sp>
         <p:nvSpPr>
-          <p:cNvPr id="160" name="Slide Number"/>
+          <p:cNvPr id="161" name="Slide Number"/>
           <p:cNvSpPr txBox="1"/>
           <p:nvPr/>
         </p:nvSpPr>
@@ -4890,7 +4918,7 @@
       </p:sp>
       <p:sp>
         <p:nvSpPr>
-          <p:cNvPr id="161" name="Slide Title"/>
+          <p:cNvPr id="162" name="Slide Title"/>
           <p:cNvSpPr txBox="1"/>
           <p:nvPr>
             <p:ph type="title"/>
@@ -4922,7 +4950,7 @@
       </p:sp>
       <p:sp>
         <p:nvSpPr>
-          <p:cNvPr id="162" name="Slide Text"/>
+          <p:cNvPr id="163" name="Slide Text"/>
           <p:cNvSpPr txBox="1"/>
           <p:nvPr>
             <p:ph type="body" sz="half" idx="1"/>
@@ -4930,8 +4958,8 @@
         </p:nvSpPr>
         <p:spPr>
           <a:xfrm>
-            <a:off x="566928" y="2337815"/>
-            <a:ext cx="6951472" cy="3968250"/>
+            <a:off x="566928" y="2337816"/>
+            <a:ext cx="6951472" cy="3968249"/>
           </a:xfrm>
           <a:prstGeom prst="rect">
             <a:avLst/>
@@ -4977,7 +5005,7 @@
               </a:lnSpc>
             </a:pPr>
             <a:r>
-              <a:t>Random Forest does not perform well on small amount of predictors and observations </a:t>
+              <a:t>Random Forest does not perform well on small amount of predictors and observations  </a:t>
             </a:r>
           </a:p>
           <a:p>
